--- a/Document/Rabbit_Tutorial.pptx
+++ b/Document/Rabbit_Tutorial.pptx
@@ -265,7 +265,7 @@
           <a:p>
             <a:fld id="{1A06FA0B-CFBE-429B-8CB7-21045D9DF691}" type="datetimeFigureOut">
               <a:rPr lang="en-US" smtClean="0"/>
-              <a:t>8/4/2017</a:t>
+              <a:t>8/6/2017</a:t>
             </a:fld>
             <a:endParaRPr lang="en-US"/>
           </a:p>
@@ -463,7 +463,7 @@
           <a:p>
             <a:fld id="{1A06FA0B-CFBE-429B-8CB7-21045D9DF691}" type="datetimeFigureOut">
               <a:rPr lang="en-US" smtClean="0"/>
-              <a:t>8/4/2017</a:t>
+              <a:t>8/6/2017</a:t>
             </a:fld>
             <a:endParaRPr lang="en-US"/>
           </a:p>
@@ -671,7 +671,7 @@
           <a:p>
             <a:fld id="{1A06FA0B-CFBE-429B-8CB7-21045D9DF691}" type="datetimeFigureOut">
               <a:rPr lang="en-US" smtClean="0"/>
-              <a:t>8/4/2017</a:t>
+              <a:t>8/6/2017</a:t>
             </a:fld>
             <a:endParaRPr lang="en-US"/>
           </a:p>
@@ -869,7 +869,7 @@
           <a:p>
             <a:fld id="{1A06FA0B-CFBE-429B-8CB7-21045D9DF691}" type="datetimeFigureOut">
               <a:rPr lang="en-US" smtClean="0"/>
-              <a:t>8/4/2017</a:t>
+              <a:t>8/6/2017</a:t>
             </a:fld>
             <a:endParaRPr lang="en-US"/>
           </a:p>
@@ -1144,7 +1144,7 @@
           <a:p>
             <a:fld id="{1A06FA0B-CFBE-429B-8CB7-21045D9DF691}" type="datetimeFigureOut">
               <a:rPr lang="en-US" smtClean="0"/>
-              <a:t>8/4/2017</a:t>
+              <a:t>8/6/2017</a:t>
             </a:fld>
             <a:endParaRPr lang="en-US"/>
           </a:p>
@@ -1409,7 +1409,7 @@
           <a:p>
             <a:fld id="{1A06FA0B-CFBE-429B-8CB7-21045D9DF691}" type="datetimeFigureOut">
               <a:rPr lang="en-US" smtClean="0"/>
-              <a:t>8/4/2017</a:t>
+              <a:t>8/6/2017</a:t>
             </a:fld>
             <a:endParaRPr lang="en-US"/>
           </a:p>
@@ -1821,7 +1821,7 @@
           <a:p>
             <a:fld id="{1A06FA0B-CFBE-429B-8CB7-21045D9DF691}" type="datetimeFigureOut">
               <a:rPr lang="en-US" smtClean="0"/>
-              <a:t>8/4/2017</a:t>
+              <a:t>8/6/2017</a:t>
             </a:fld>
             <a:endParaRPr lang="en-US"/>
           </a:p>
@@ -1962,7 +1962,7 @@
           <a:p>
             <a:fld id="{1A06FA0B-CFBE-429B-8CB7-21045D9DF691}" type="datetimeFigureOut">
               <a:rPr lang="en-US" smtClean="0"/>
-              <a:t>8/4/2017</a:t>
+              <a:t>8/6/2017</a:t>
             </a:fld>
             <a:endParaRPr lang="en-US"/>
           </a:p>
@@ -2075,7 +2075,7 @@
           <a:p>
             <a:fld id="{1A06FA0B-CFBE-429B-8CB7-21045D9DF691}" type="datetimeFigureOut">
               <a:rPr lang="en-US" smtClean="0"/>
-              <a:t>8/4/2017</a:t>
+              <a:t>8/6/2017</a:t>
             </a:fld>
             <a:endParaRPr lang="en-US"/>
           </a:p>
@@ -2386,7 +2386,7 @@
           <a:p>
             <a:fld id="{1A06FA0B-CFBE-429B-8CB7-21045D9DF691}" type="datetimeFigureOut">
               <a:rPr lang="en-US" smtClean="0"/>
-              <a:t>8/4/2017</a:t>
+              <a:t>8/6/2017</a:t>
             </a:fld>
             <a:endParaRPr lang="en-US"/>
           </a:p>
@@ -2674,7 +2674,7 @@
           <a:p>
             <a:fld id="{1A06FA0B-CFBE-429B-8CB7-21045D9DF691}" type="datetimeFigureOut">
               <a:rPr lang="en-US" smtClean="0"/>
-              <a:t>8/4/2017</a:t>
+              <a:t>8/6/2017</a:t>
             </a:fld>
             <a:endParaRPr lang="en-US"/>
           </a:p>
@@ -2915,7 +2915,7 @@
           <a:p>
             <a:fld id="{1A06FA0B-CFBE-429B-8CB7-21045D9DF691}" type="datetimeFigureOut">
               <a:rPr lang="en-US" smtClean="0"/>
-              <a:t>8/4/2017</a:t>
+              <a:t>8/6/2017</a:t>
             </a:fld>
             <a:endParaRPr lang="en-US"/>
           </a:p>
@@ -5518,6 +5518,152 @@
           </a:p>
         </p:txBody>
       </p:sp>
+      <p:pic>
+        <p:nvPicPr>
+          <p:cNvPr id="38" name="Graphic 37" descr="User">
+            <a:extLst>
+              <a:ext uri="{FF2B5EF4-FFF2-40B4-BE49-F238E27FC236}">
+                <a16:creationId xmlns:a16="http://schemas.microsoft.com/office/drawing/2014/main" id="{F3AD1B23-7A6B-4F08-BC40-2B7647D59680}"/>
+              </a:ext>
+            </a:extLst>
+          </p:cNvPr>
+          <p:cNvPicPr>
+            <a:picLocks noChangeAspect="1"/>
+          </p:cNvPicPr>
+          <p:nvPr/>
+        </p:nvPicPr>
+        <p:blipFill>
+          <a:blip r:embed="rId10">
+            <a:extLst>
+              <a:ext uri="{28A0092B-C50C-407E-A947-70E740481C1C}">
+                <a14:useLocalDpi xmlns:a14="http://schemas.microsoft.com/office/drawing/2010/main" val="0"/>
+              </a:ext>
+              <a:ext uri="{96DAC541-7B7A-43D3-8B79-37D633B846F1}">
+                <asvg:svgBlip xmlns:asvg="http://schemas.microsoft.com/office/drawing/2016/SVG/main" r:embed="rId11"/>
+              </a:ext>
+            </a:extLst>
+          </a:blip>
+          <a:stretch>
+            <a:fillRect/>
+          </a:stretch>
+        </p:blipFill>
+        <p:spPr>
+          <a:xfrm>
+            <a:off x="4388708" y="2671690"/>
+            <a:ext cx="914400" cy="914400"/>
+          </a:xfrm>
+          <a:prstGeom prst="rect">
+            <a:avLst/>
+          </a:prstGeom>
+        </p:spPr>
+      </p:pic>
+      <p:sp>
+        <p:nvSpPr>
+          <p:cNvPr id="3" name="Oval 2">
+            <a:extLst>
+              <a:ext uri="{FF2B5EF4-FFF2-40B4-BE49-F238E27FC236}">
+                <a16:creationId xmlns:a16="http://schemas.microsoft.com/office/drawing/2014/main" id="{00198AEF-6964-4D75-9356-BF7ADDA5F01B}"/>
+              </a:ext>
+            </a:extLst>
+          </p:cNvPr>
+          <p:cNvSpPr/>
+          <p:nvPr/>
+        </p:nvSpPr>
+        <p:spPr>
+          <a:xfrm>
+            <a:off x="3804082" y="4633795"/>
+            <a:ext cx="161168" cy="161168"/>
+          </a:xfrm>
+          <a:prstGeom prst="ellipse">
+            <a:avLst/>
+          </a:prstGeom>
+          <a:solidFill>
+            <a:schemeClr val="bg1"/>
+          </a:solidFill>
+          <a:ln>
+            <a:noFill/>
+          </a:ln>
+        </p:spPr>
+        <p:style>
+          <a:lnRef idx="2">
+            <a:schemeClr val="accent1">
+              <a:shade val="50000"/>
+            </a:schemeClr>
+          </a:lnRef>
+          <a:fillRef idx="1">
+            <a:schemeClr val="accent1"/>
+          </a:fillRef>
+          <a:effectRef idx="0">
+            <a:schemeClr val="accent1"/>
+          </a:effectRef>
+          <a:fontRef idx="minor">
+            <a:schemeClr val="lt1"/>
+          </a:fontRef>
+        </p:style>
+        <p:txBody>
+          <a:bodyPr rtlCol="0" anchor="ctr"/>
+          <a:lstStyle/>
+          <a:p>
+            <a:pPr algn="ctr"/>
+            <a:endParaRPr lang="en-US"/>
+          </a:p>
+        </p:txBody>
+      </p:sp>
+      <p:sp>
+        <p:nvSpPr>
+          <p:cNvPr id="25" name="Rectangle: Top Corners Rounded 24">
+            <a:extLst>
+              <a:ext uri="{FF2B5EF4-FFF2-40B4-BE49-F238E27FC236}">
+                <a16:creationId xmlns:a16="http://schemas.microsoft.com/office/drawing/2014/main" id="{F6599049-7624-4EF0-A143-BE904A30382C}"/>
+              </a:ext>
+            </a:extLst>
+          </p:cNvPr>
+          <p:cNvSpPr/>
+          <p:nvPr/>
+        </p:nvSpPr>
+        <p:spPr>
+          <a:xfrm>
+            <a:off x="3809669" y="4813999"/>
+            <a:ext cx="149994" cy="227334"/>
+          </a:xfrm>
+          <a:prstGeom prst="round2SameRect">
+            <a:avLst>
+              <a:gd name="adj1" fmla="val 50000"/>
+              <a:gd name="adj2" fmla="val 0"/>
+            </a:avLst>
+          </a:prstGeom>
+          <a:solidFill>
+            <a:schemeClr val="bg1"/>
+          </a:solidFill>
+          <a:ln>
+            <a:noFill/>
+          </a:ln>
+        </p:spPr>
+        <p:style>
+          <a:lnRef idx="2">
+            <a:schemeClr val="accent1">
+              <a:shade val="50000"/>
+            </a:schemeClr>
+          </a:lnRef>
+          <a:fillRef idx="1">
+            <a:schemeClr val="accent1"/>
+          </a:fillRef>
+          <a:effectRef idx="0">
+            <a:schemeClr val="accent1"/>
+          </a:effectRef>
+          <a:fontRef idx="minor">
+            <a:schemeClr val="lt1"/>
+          </a:fontRef>
+        </p:style>
+        <p:txBody>
+          <a:bodyPr rtlCol="0" anchor="ctr"/>
+          <a:lstStyle/>
+          <a:p>
+            <a:pPr algn="ctr"/>
+            <a:endParaRPr lang="en-US"/>
+          </a:p>
+        </p:txBody>
+      </p:sp>
     </p:spTree>
     <p:extLst>
       <p:ext uri="{BB962C8B-B14F-4D97-AF65-F5344CB8AC3E}">

--- a/Document/Rabbit_Tutorial.pptx
+++ b/Document/Rabbit_Tutorial.pptx
@@ -265,7 +265,7 @@
           <a:p>
             <a:fld id="{1A06FA0B-CFBE-429B-8CB7-21045D9DF691}" type="datetimeFigureOut">
               <a:rPr lang="en-US" smtClean="0"/>
-              <a:t>8/6/2017</a:t>
+              <a:t>8/7/2017</a:t>
             </a:fld>
             <a:endParaRPr lang="en-US"/>
           </a:p>
@@ -463,7 +463,7 @@
           <a:p>
             <a:fld id="{1A06FA0B-CFBE-429B-8CB7-21045D9DF691}" type="datetimeFigureOut">
               <a:rPr lang="en-US" smtClean="0"/>
-              <a:t>8/6/2017</a:t>
+              <a:t>8/7/2017</a:t>
             </a:fld>
             <a:endParaRPr lang="en-US"/>
           </a:p>
@@ -671,7 +671,7 @@
           <a:p>
             <a:fld id="{1A06FA0B-CFBE-429B-8CB7-21045D9DF691}" type="datetimeFigureOut">
               <a:rPr lang="en-US" smtClean="0"/>
-              <a:t>8/6/2017</a:t>
+              <a:t>8/7/2017</a:t>
             </a:fld>
             <a:endParaRPr lang="en-US"/>
           </a:p>
@@ -869,7 +869,7 @@
           <a:p>
             <a:fld id="{1A06FA0B-CFBE-429B-8CB7-21045D9DF691}" type="datetimeFigureOut">
               <a:rPr lang="en-US" smtClean="0"/>
-              <a:t>8/6/2017</a:t>
+              <a:t>8/7/2017</a:t>
             </a:fld>
             <a:endParaRPr lang="en-US"/>
           </a:p>
@@ -1144,7 +1144,7 @@
           <a:p>
             <a:fld id="{1A06FA0B-CFBE-429B-8CB7-21045D9DF691}" type="datetimeFigureOut">
               <a:rPr lang="en-US" smtClean="0"/>
-              <a:t>8/6/2017</a:t>
+              <a:t>8/7/2017</a:t>
             </a:fld>
             <a:endParaRPr lang="en-US"/>
           </a:p>
@@ -1409,7 +1409,7 @@
           <a:p>
             <a:fld id="{1A06FA0B-CFBE-429B-8CB7-21045D9DF691}" type="datetimeFigureOut">
               <a:rPr lang="en-US" smtClean="0"/>
-              <a:t>8/6/2017</a:t>
+              <a:t>8/7/2017</a:t>
             </a:fld>
             <a:endParaRPr lang="en-US"/>
           </a:p>
@@ -1821,7 +1821,7 @@
           <a:p>
             <a:fld id="{1A06FA0B-CFBE-429B-8CB7-21045D9DF691}" type="datetimeFigureOut">
               <a:rPr lang="en-US" smtClean="0"/>
-              <a:t>8/6/2017</a:t>
+              <a:t>8/7/2017</a:t>
             </a:fld>
             <a:endParaRPr lang="en-US"/>
           </a:p>
@@ -1962,7 +1962,7 @@
           <a:p>
             <a:fld id="{1A06FA0B-CFBE-429B-8CB7-21045D9DF691}" type="datetimeFigureOut">
               <a:rPr lang="en-US" smtClean="0"/>
-              <a:t>8/6/2017</a:t>
+              <a:t>8/7/2017</a:t>
             </a:fld>
             <a:endParaRPr lang="en-US"/>
           </a:p>
@@ -2075,7 +2075,7 @@
           <a:p>
             <a:fld id="{1A06FA0B-CFBE-429B-8CB7-21045D9DF691}" type="datetimeFigureOut">
               <a:rPr lang="en-US" smtClean="0"/>
-              <a:t>8/6/2017</a:t>
+              <a:t>8/7/2017</a:t>
             </a:fld>
             <a:endParaRPr lang="en-US"/>
           </a:p>
@@ -2386,7 +2386,7 @@
           <a:p>
             <a:fld id="{1A06FA0B-CFBE-429B-8CB7-21045D9DF691}" type="datetimeFigureOut">
               <a:rPr lang="en-US" smtClean="0"/>
-              <a:t>8/6/2017</a:t>
+              <a:t>8/7/2017</a:t>
             </a:fld>
             <a:endParaRPr lang="en-US"/>
           </a:p>
@@ -2674,7 +2674,7 @@
           <a:p>
             <a:fld id="{1A06FA0B-CFBE-429B-8CB7-21045D9DF691}" type="datetimeFigureOut">
               <a:rPr lang="en-US" smtClean="0"/>
-              <a:t>8/6/2017</a:t>
+              <a:t>8/7/2017</a:t>
             </a:fld>
             <a:endParaRPr lang="en-US"/>
           </a:p>
@@ -2915,7 +2915,7 @@
           <a:p>
             <a:fld id="{1A06FA0B-CFBE-429B-8CB7-21045D9DF691}" type="datetimeFigureOut">
               <a:rPr lang="en-US" smtClean="0"/>
-              <a:t>8/6/2017</a:t>
+              <a:t>8/7/2017</a:t>
             </a:fld>
             <a:endParaRPr lang="en-US"/>
           </a:p>
@@ -3380,10 +3380,10 @@
       </p:sp>
       <p:pic>
         <p:nvPicPr>
-          <p:cNvPr id="4" name="Picture 3">
-            <a:extLst>
-              <a:ext uri="{FF2B5EF4-FFF2-40B4-BE49-F238E27FC236}">
-                <a16:creationId xmlns:a16="http://schemas.microsoft.com/office/drawing/2014/main" id="{D90CF995-BB69-4B6D-B8DF-53CEFAC2D942}"/>
+          <p:cNvPr id="2" name="Picture 1">
+            <a:extLst>
+              <a:ext uri="{FF2B5EF4-FFF2-40B4-BE49-F238E27FC236}">
+                <a16:creationId xmlns:a16="http://schemas.microsoft.com/office/drawing/2014/main" id="{808F2263-9FE6-4343-83D2-DA6563EA707B}"/>
               </a:ext>
             </a:extLst>
           </p:cNvPr>
@@ -3400,12 +3400,41 @@
         </p:blipFill>
         <p:spPr>
           <a:xfrm>
-            <a:off x="606178" y="307910"/>
-            <a:ext cx="11501160" cy="6858000"/>
+            <a:off x="0" y="310664"/>
+            <a:ext cx="12192000" cy="6852492"/>
           </a:xfrm>
           <a:prstGeom prst="rect">
             <a:avLst/>
           </a:prstGeom>
+          <a:solidFill>
+            <a:srgbClr val="FFFFFF">
+              <a:shade val="85000"/>
+            </a:srgbClr>
+          </a:solidFill>
+          <a:ln w="190500" cap="rnd">
+            <a:solidFill>
+              <a:srgbClr val="FFFFFF"/>
+            </a:solidFill>
+          </a:ln>
+          <a:effectLst>
+            <a:outerShdw blurRad="50000" algn="tl" rotWithShape="0">
+              <a:srgbClr val="000000">
+                <a:alpha val="41000"/>
+              </a:srgbClr>
+            </a:outerShdw>
+          </a:effectLst>
+          <a:scene3d>
+            <a:camera prst="orthographicFront"/>
+            <a:lightRig rig="twoPt" dir="t">
+              <a:rot lat="0" lon="0" rev="7800000"/>
+            </a:lightRig>
+          </a:scene3d>
+          <a:sp3d contourW="6350">
+            <a:bevelT w="50800" h="16510"/>
+            <a:contourClr>
+              <a:srgbClr val="C0C0C0"/>
+            </a:contourClr>
+          </a:sp3d>
         </p:spPr>
       </p:pic>
       <p:sp>
@@ -3607,7 +3636,7 @@
         <p:spPr>
           <a:xfrm>
             <a:off x="7348756" y="3556933"/>
-            <a:ext cx="2608976" cy="1493240"/>
+            <a:ext cx="2184543" cy="1493240"/>
           </a:xfrm>
           <a:prstGeom prst="wedgeEllipseCallout">
             <a:avLst>
@@ -3639,37 +3668,7 @@
             <a:pPr algn="ctr"/>
             <a:r>
               <a:rPr lang="en-US" dirty="0"/>
-              <a:t>Press [</a:t>
-            </a:r>
-            <a:r>
-              <a:rPr lang="en-US" dirty="0">
-                <a:solidFill>
-                  <a:schemeClr val="accent4">
-                    <a:lumMod val="60000"/>
-                    <a:lumOff val="40000"/>
-                  </a:schemeClr>
-                </a:solidFill>
-              </a:rPr>
-              <a:t>Left Arrow</a:t>
-            </a:r>
-            <a:r>
-              <a:rPr lang="en-US" dirty="0"/>
-              <a:t>] and [</a:t>
-            </a:r>
-            <a:r>
-              <a:rPr lang="en-US" dirty="0">
-                <a:solidFill>
-                  <a:schemeClr val="accent4">
-                    <a:lumMod val="60000"/>
-                    <a:lumOff val="40000"/>
-                  </a:schemeClr>
-                </a:solidFill>
-              </a:rPr>
-              <a:t>Right Arrow</a:t>
-            </a:r>
-            <a:r>
-              <a:rPr lang="en-US" dirty="0"/>
-              <a:t>] to rotate your cannon</a:t>
+              <a:t>Use               to rotate your cannon</a:t>
             </a:r>
           </a:p>
         </p:txBody>
@@ -3723,6 +3722,78 @@
           </a:p>
         </p:txBody>
       </p:sp>
+      <p:pic>
+        <p:nvPicPr>
+          <p:cNvPr id="10" name="Picture 9">
+            <a:extLst>
+              <a:ext uri="{FF2B5EF4-FFF2-40B4-BE49-F238E27FC236}">
+                <a16:creationId xmlns:a16="http://schemas.microsoft.com/office/drawing/2014/main" id="{3C75BCDD-1993-48F3-AC2C-B86C32F1A239}"/>
+              </a:ext>
+            </a:extLst>
+          </p:cNvPr>
+          <p:cNvPicPr>
+            <a:picLocks noChangeAspect="1"/>
+          </p:cNvPicPr>
+          <p:nvPr/>
+        </p:nvPicPr>
+        <p:blipFill>
+          <a:blip r:embed="rId3">
+            <a:extLst>
+              <a:ext uri="{28A0092B-C50C-407E-A947-70E740481C1C}">
+                <a14:useLocalDpi xmlns:a14="http://schemas.microsoft.com/office/drawing/2010/main" val="0"/>
+              </a:ext>
+            </a:extLst>
+          </a:blip>
+          <a:stretch>
+            <a:fillRect/>
+          </a:stretch>
+        </p:blipFill>
+        <p:spPr>
+          <a:xfrm>
+            <a:off x="8174821" y="3709751"/>
+            <a:ext cx="690149" cy="471879"/>
+          </a:xfrm>
+          <a:prstGeom prst="rect">
+            <a:avLst/>
+          </a:prstGeom>
+        </p:spPr>
+      </p:pic>
+      <p:pic>
+        <p:nvPicPr>
+          <p:cNvPr id="12" name="Picture 11">
+            <a:extLst>
+              <a:ext uri="{FF2B5EF4-FFF2-40B4-BE49-F238E27FC236}">
+                <a16:creationId xmlns:a16="http://schemas.microsoft.com/office/drawing/2014/main" id="{042088CF-324E-4EB2-80FE-FD648BBC3EA7}"/>
+              </a:ext>
+            </a:extLst>
+          </p:cNvPr>
+          <p:cNvPicPr>
+            <a:picLocks noChangeAspect="1"/>
+          </p:cNvPicPr>
+          <p:nvPr/>
+        </p:nvPicPr>
+        <p:blipFill>
+          <a:blip r:embed="rId4">
+            <a:extLst>
+              <a:ext uri="{28A0092B-C50C-407E-A947-70E740481C1C}">
+                <a14:useLocalDpi xmlns:a14="http://schemas.microsoft.com/office/drawing/2010/main" val="0"/>
+              </a:ext>
+            </a:extLst>
+          </a:blip>
+          <a:stretch>
+            <a:fillRect/>
+          </a:stretch>
+        </p:blipFill>
+        <p:spPr>
+          <a:xfrm>
+            <a:off x="0" y="2967"/>
+            <a:ext cx="12192000" cy="6852065"/>
+          </a:xfrm>
+          <a:prstGeom prst="rect">
+            <a:avLst/>
+          </a:prstGeom>
+        </p:spPr>
+      </p:pic>
     </p:spTree>
     <p:extLst>
       <p:ext uri="{BB962C8B-B14F-4D97-AF65-F5344CB8AC3E}">
@@ -6302,6 +6373,177 @@
           </a:scene3d>
           <a:sp3d>
             <a:bevelT w="114300" prst="artDeco"/>
+          </a:sp3d>
+        </p:spPr>
+        <p:style>
+          <a:lnRef idx="2">
+            <a:schemeClr val="accent1">
+              <a:shade val="50000"/>
+            </a:schemeClr>
+          </a:lnRef>
+          <a:fillRef idx="1">
+            <a:schemeClr val="accent1"/>
+          </a:fillRef>
+          <a:effectRef idx="0">
+            <a:schemeClr val="accent1"/>
+          </a:effectRef>
+          <a:fontRef idx="minor">
+            <a:schemeClr val="lt1"/>
+          </a:fontRef>
+        </p:style>
+        <p:txBody>
+          <a:bodyPr rtlCol="0" anchor="ctr"/>
+          <a:lstStyle/>
+          <a:p>
+            <a:pPr algn="ctr"/>
+            <a:endParaRPr lang="en-US"/>
+          </a:p>
+        </p:txBody>
+      </p:sp>
+      <p:sp>
+        <p:nvSpPr>
+          <p:cNvPr id="14" name="Oval 13">
+            <a:extLst>
+              <a:ext uri="{FF2B5EF4-FFF2-40B4-BE49-F238E27FC236}">
+                <a16:creationId xmlns:a16="http://schemas.microsoft.com/office/drawing/2014/main" id="{407537AF-E8DD-42C9-9C3E-4CF224ED6A11}"/>
+              </a:ext>
+            </a:extLst>
+          </p:cNvPr>
+          <p:cNvSpPr/>
+          <p:nvPr/>
+        </p:nvSpPr>
+        <p:spPr>
+          <a:xfrm>
+            <a:off x="4885852" y="3844702"/>
+            <a:ext cx="669957" cy="669957"/>
+          </a:xfrm>
+          <a:prstGeom prst="ellipse">
+            <a:avLst/>
+          </a:prstGeom>
+          <a:solidFill>
+            <a:schemeClr val="accent4">
+              <a:lumMod val="60000"/>
+              <a:lumOff val="40000"/>
+            </a:schemeClr>
+          </a:solidFill>
+          <a:ln>
+            <a:noFill/>
+          </a:ln>
+          <a:effectLst>
+            <a:outerShdw blurRad="107950" dist="12700" dir="5400000" algn="ctr">
+              <a:srgbClr val="000000"/>
+            </a:outerShdw>
+          </a:effectLst>
+          <a:scene3d>
+            <a:camera prst="orthographicFront">
+              <a:rot lat="0" lon="0" rev="0"/>
+            </a:camera>
+            <a:lightRig rig="soft" dir="t">
+              <a:rot lat="0" lon="0" rev="0"/>
+            </a:lightRig>
+          </a:scene3d>
+          <a:sp3d contourW="44450" prstMaterial="matte">
+            <a:bevelT w="63500" h="63500" prst="artDeco"/>
+            <a:contourClr>
+              <a:srgbClr val="FFFFFF"/>
+            </a:contourClr>
+          </a:sp3d>
+        </p:spPr>
+        <p:style>
+          <a:lnRef idx="0">
+            <a:scrgbClr r="0" g="0" b="0"/>
+          </a:lnRef>
+          <a:fillRef idx="0">
+            <a:scrgbClr r="0" g="0" b="0"/>
+          </a:fillRef>
+          <a:effectRef idx="0">
+            <a:scrgbClr r="0" g="0" b="0"/>
+          </a:effectRef>
+          <a:fontRef idx="minor">
+            <a:schemeClr val="lt1"/>
+          </a:fontRef>
+        </p:style>
+        <p:txBody>
+          <a:bodyPr rtlCol="0" anchor="ctr"/>
+          <a:lstStyle/>
+          <a:p>
+            <a:pPr algn="ctr"/>
+            <a:endParaRPr lang="en-US" sz="4800" dirty="0"/>
+          </a:p>
+        </p:txBody>
+      </p:sp>
+      <p:sp>
+        <p:nvSpPr>
+          <p:cNvPr id="2" name="Arrow: Left-Right 1">
+            <a:extLst>
+              <a:ext uri="{FF2B5EF4-FFF2-40B4-BE49-F238E27FC236}">
+                <a16:creationId xmlns:a16="http://schemas.microsoft.com/office/drawing/2014/main" id="{6F49FF25-B0A4-4FDC-ADE4-97A9E2CDFAE1}"/>
+              </a:ext>
+            </a:extLst>
+          </p:cNvPr>
+          <p:cNvSpPr/>
+          <p:nvPr/>
+        </p:nvSpPr>
+        <p:spPr>
+          <a:xfrm>
+            <a:off x="3349782" y="461727"/>
+            <a:ext cx="2190939" cy="679010"/>
+          </a:xfrm>
+          <a:prstGeom prst="leftRightArrow">
+            <a:avLst/>
+          </a:prstGeom>
+        </p:spPr>
+        <p:style>
+          <a:lnRef idx="2">
+            <a:schemeClr val="accent6">
+              <a:shade val="50000"/>
+            </a:schemeClr>
+          </a:lnRef>
+          <a:fillRef idx="1">
+            <a:schemeClr val="accent6"/>
+          </a:fillRef>
+          <a:effectRef idx="0">
+            <a:schemeClr val="accent6"/>
+          </a:effectRef>
+          <a:fontRef idx="minor">
+            <a:schemeClr val="lt1"/>
+          </a:fontRef>
+        </p:style>
+        <p:txBody>
+          <a:bodyPr rtlCol="0" anchor="ctr"/>
+          <a:lstStyle/>
+          <a:p>
+            <a:pPr algn="ctr"/>
+            <a:endParaRPr lang="en-US"/>
+          </a:p>
+        </p:txBody>
+      </p:sp>
+      <p:sp>
+        <p:nvSpPr>
+          <p:cNvPr id="3" name="Rectangle: Rounded Corners 2">
+            <a:extLst>
+              <a:ext uri="{FF2B5EF4-FFF2-40B4-BE49-F238E27FC236}">
+                <a16:creationId xmlns:a16="http://schemas.microsoft.com/office/drawing/2014/main" id="{AB67E6D1-A2C7-4784-B681-803DD67D52C1}"/>
+              </a:ext>
+            </a:extLst>
+          </p:cNvPr>
+          <p:cNvSpPr/>
+          <p:nvPr/>
+        </p:nvSpPr>
+        <p:spPr>
+          <a:xfrm>
+            <a:off x="7238244" y="461727"/>
+            <a:ext cx="810287" cy="959668"/>
+          </a:xfrm>
+          <a:prstGeom prst="roundRect">
+            <a:avLst/>
+          </a:prstGeom>
+          <a:scene3d>
+            <a:camera prst="orthographicFront"/>
+            <a:lightRig rig="threePt" dir="t"/>
+          </a:scene3d>
+          <a:sp3d>
+            <a:bevelT prst="relaxedInset"/>
           </a:sp3d>
         </p:spPr>
         <p:style>

--- a/Document/Rabbit_Tutorial.pptx
+++ b/Document/Rabbit_Tutorial.pptx
@@ -6,8 +6,10 @@
   </p:sldMasterIdLst>
   <p:sldIdLst>
     <p:sldId id="256" r:id="rId2"/>
-    <p:sldId id="257" r:id="rId3"/>
-    <p:sldId id="258" r:id="rId4"/>
+    <p:sldId id="259" r:id="rId3"/>
+    <p:sldId id="257" r:id="rId4"/>
+    <p:sldId id="258" r:id="rId5"/>
+    <p:sldId id="260" r:id="rId6"/>
   </p:sldIdLst>
   <p:sldSz cx="12192000" cy="6858000"/>
   <p:notesSz cx="6858000" cy="9144000"/>
@@ -265,7 +267,7 @@
           <a:p>
             <a:fld id="{1A06FA0B-CFBE-429B-8CB7-21045D9DF691}" type="datetimeFigureOut">
               <a:rPr lang="en-US" smtClean="0"/>
-              <a:t>8/7/2017</a:t>
+              <a:t>8/9/2017</a:t>
             </a:fld>
             <a:endParaRPr lang="en-US"/>
           </a:p>
@@ -463,7 +465,7 @@
           <a:p>
             <a:fld id="{1A06FA0B-CFBE-429B-8CB7-21045D9DF691}" type="datetimeFigureOut">
               <a:rPr lang="en-US" smtClean="0"/>
-              <a:t>8/7/2017</a:t>
+              <a:t>8/9/2017</a:t>
             </a:fld>
             <a:endParaRPr lang="en-US"/>
           </a:p>
@@ -671,7 +673,7 @@
           <a:p>
             <a:fld id="{1A06FA0B-CFBE-429B-8CB7-21045D9DF691}" type="datetimeFigureOut">
               <a:rPr lang="en-US" smtClean="0"/>
-              <a:t>8/7/2017</a:t>
+              <a:t>8/9/2017</a:t>
             </a:fld>
             <a:endParaRPr lang="en-US"/>
           </a:p>
@@ -869,7 +871,7 @@
           <a:p>
             <a:fld id="{1A06FA0B-CFBE-429B-8CB7-21045D9DF691}" type="datetimeFigureOut">
               <a:rPr lang="en-US" smtClean="0"/>
-              <a:t>8/7/2017</a:t>
+              <a:t>8/9/2017</a:t>
             </a:fld>
             <a:endParaRPr lang="en-US"/>
           </a:p>
@@ -1144,7 +1146,7 @@
           <a:p>
             <a:fld id="{1A06FA0B-CFBE-429B-8CB7-21045D9DF691}" type="datetimeFigureOut">
               <a:rPr lang="en-US" smtClean="0"/>
-              <a:t>8/7/2017</a:t>
+              <a:t>8/9/2017</a:t>
             </a:fld>
             <a:endParaRPr lang="en-US"/>
           </a:p>
@@ -1409,7 +1411,7 @@
           <a:p>
             <a:fld id="{1A06FA0B-CFBE-429B-8CB7-21045D9DF691}" type="datetimeFigureOut">
               <a:rPr lang="en-US" smtClean="0"/>
-              <a:t>8/7/2017</a:t>
+              <a:t>8/9/2017</a:t>
             </a:fld>
             <a:endParaRPr lang="en-US"/>
           </a:p>
@@ -1821,7 +1823,7 @@
           <a:p>
             <a:fld id="{1A06FA0B-CFBE-429B-8CB7-21045D9DF691}" type="datetimeFigureOut">
               <a:rPr lang="en-US" smtClean="0"/>
-              <a:t>8/7/2017</a:t>
+              <a:t>8/9/2017</a:t>
             </a:fld>
             <a:endParaRPr lang="en-US"/>
           </a:p>
@@ -1962,7 +1964,7 @@
           <a:p>
             <a:fld id="{1A06FA0B-CFBE-429B-8CB7-21045D9DF691}" type="datetimeFigureOut">
               <a:rPr lang="en-US" smtClean="0"/>
-              <a:t>8/7/2017</a:t>
+              <a:t>8/9/2017</a:t>
             </a:fld>
             <a:endParaRPr lang="en-US"/>
           </a:p>
@@ -2075,7 +2077,7 @@
           <a:p>
             <a:fld id="{1A06FA0B-CFBE-429B-8CB7-21045D9DF691}" type="datetimeFigureOut">
               <a:rPr lang="en-US" smtClean="0"/>
-              <a:t>8/7/2017</a:t>
+              <a:t>8/9/2017</a:t>
             </a:fld>
             <a:endParaRPr lang="en-US"/>
           </a:p>
@@ -2386,7 +2388,7 @@
           <a:p>
             <a:fld id="{1A06FA0B-CFBE-429B-8CB7-21045D9DF691}" type="datetimeFigureOut">
               <a:rPr lang="en-US" smtClean="0"/>
-              <a:t>8/7/2017</a:t>
+              <a:t>8/9/2017</a:t>
             </a:fld>
             <a:endParaRPr lang="en-US"/>
           </a:p>
@@ -2674,7 +2676,7 @@
           <a:p>
             <a:fld id="{1A06FA0B-CFBE-429B-8CB7-21045D9DF691}" type="datetimeFigureOut">
               <a:rPr lang="en-US" smtClean="0"/>
-              <a:t>8/7/2017</a:t>
+              <a:t>8/9/2017</a:t>
             </a:fld>
             <a:endParaRPr lang="en-US"/>
           </a:p>
@@ -2915,7 +2917,7 @@
           <a:p>
             <a:fld id="{1A06FA0B-CFBE-429B-8CB7-21045D9DF691}" type="datetimeFigureOut">
               <a:rPr lang="en-US" smtClean="0"/>
-              <a:t>8/7/2017</a:t>
+              <a:t>8/9/2017</a:t>
             </a:fld>
             <a:endParaRPr lang="en-US"/>
           </a:p>
@@ -3758,42 +3760,6 @@
           </a:prstGeom>
         </p:spPr>
       </p:pic>
-      <p:pic>
-        <p:nvPicPr>
-          <p:cNvPr id="12" name="Picture 11">
-            <a:extLst>
-              <a:ext uri="{FF2B5EF4-FFF2-40B4-BE49-F238E27FC236}">
-                <a16:creationId xmlns:a16="http://schemas.microsoft.com/office/drawing/2014/main" id="{042088CF-324E-4EB2-80FE-FD648BBC3EA7}"/>
-              </a:ext>
-            </a:extLst>
-          </p:cNvPr>
-          <p:cNvPicPr>
-            <a:picLocks noChangeAspect="1"/>
-          </p:cNvPicPr>
-          <p:nvPr/>
-        </p:nvPicPr>
-        <p:blipFill>
-          <a:blip r:embed="rId4">
-            <a:extLst>
-              <a:ext uri="{28A0092B-C50C-407E-A947-70E740481C1C}">
-                <a14:useLocalDpi xmlns:a14="http://schemas.microsoft.com/office/drawing/2010/main" val="0"/>
-              </a:ext>
-            </a:extLst>
-          </a:blip>
-          <a:stretch>
-            <a:fillRect/>
-          </a:stretch>
-        </p:blipFill>
-        <p:spPr>
-          <a:xfrm>
-            <a:off x="0" y="2967"/>
-            <a:ext cx="12192000" cy="6852065"/>
-          </a:xfrm>
-          <a:prstGeom prst="rect">
-            <a:avLst/>
-          </a:prstGeom>
-        </p:spPr>
-      </p:pic>
     </p:spTree>
     <p:extLst>
       <p:ext uri="{BB962C8B-B14F-4D97-AF65-F5344CB8AC3E}">
@@ -3808,6 +3774,526 @@
 </file>
 
 <file path=ppt/slides/slide2.xml><?xml version="1.0" encoding="utf-8"?>
+<p:sld xmlns:a="http://schemas.openxmlformats.org/drawingml/2006/main" xmlns:r="http://schemas.openxmlformats.org/officeDocument/2006/relationships" xmlns:p="http://schemas.openxmlformats.org/presentationml/2006/main">
+  <p:cSld>
+    <p:spTree>
+      <p:nvGrpSpPr>
+        <p:cNvPr id="1" name=""/>
+        <p:cNvGrpSpPr/>
+        <p:nvPr/>
+      </p:nvGrpSpPr>
+      <p:grpSpPr>
+        <a:xfrm>
+          <a:off x="0" y="0"/>
+          <a:ext cx="0" cy="0"/>
+          <a:chOff x="0" y="0"/>
+          <a:chExt cx="0" cy="0"/>
+        </a:xfrm>
+      </p:grpSpPr>
+      <p:sp>
+        <p:nvSpPr>
+          <p:cNvPr id="5" name="Rectangle 4">
+            <a:extLst>
+              <a:ext uri="{FF2B5EF4-FFF2-40B4-BE49-F238E27FC236}">
+                <a16:creationId xmlns:a16="http://schemas.microsoft.com/office/drawing/2014/main" id="{6F1738F8-D0B7-412C-A4EF-3BFB51BE00E2}"/>
+              </a:ext>
+            </a:extLst>
+          </p:cNvPr>
+          <p:cNvSpPr/>
+          <p:nvPr/>
+        </p:nvSpPr>
+        <p:spPr>
+          <a:xfrm>
+            <a:off x="184558" y="125963"/>
+            <a:ext cx="12344400" cy="7221894"/>
+          </a:xfrm>
+          <a:prstGeom prst="rect">
+            <a:avLst/>
+          </a:prstGeom>
+        </p:spPr>
+        <p:style>
+          <a:lnRef idx="2">
+            <a:schemeClr val="accent1">
+              <a:shade val="50000"/>
+            </a:schemeClr>
+          </a:lnRef>
+          <a:fillRef idx="1">
+            <a:schemeClr val="accent1"/>
+          </a:fillRef>
+          <a:effectRef idx="0">
+            <a:schemeClr val="accent1"/>
+          </a:effectRef>
+          <a:fontRef idx="minor">
+            <a:schemeClr val="lt1"/>
+          </a:fontRef>
+        </p:style>
+        <p:txBody>
+          <a:bodyPr rtlCol="0" anchor="ctr"/>
+          <a:lstStyle/>
+          <a:p>
+            <a:pPr algn="ctr"/>
+            <a:endParaRPr lang="en-US"/>
+          </a:p>
+        </p:txBody>
+      </p:sp>
+      <p:pic>
+        <p:nvPicPr>
+          <p:cNvPr id="12" name="Picture 11">
+            <a:extLst>
+              <a:ext uri="{FF2B5EF4-FFF2-40B4-BE49-F238E27FC236}">
+                <a16:creationId xmlns:a16="http://schemas.microsoft.com/office/drawing/2014/main" id="{042088CF-324E-4EB2-80FE-FD648BBC3EA7}"/>
+              </a:ext>
+            </a:extLst>
+          </p:cNvPr>
+          <p:cNvPicPr>
+            <a:picLocks noChangeAspect="1"/>
+          </p:cNvPicPr>
+          <p:nvPr/>
+        </p:nvPicPr>
+        <p:blipFill>
+          <a:blip r:embed="rId2">
+            <a:extLst>
+              <a:ext uri="{28A0092B-C50C-407E-A947-70E740481C1C}">
+                <a14:useLocalDpi xmlns:a14="http://schemas.microsoft.com/office/drawing/2010/main" val="0"/>
+              </a:ext>
+            </a:extLst>
+          </a:blip>
+          <a:stretch>
+            <a:fillRect/>
+          </a:stretch>
+        </p:blipFill>
+        <p:spPr>
+          <a:xfrm>
+            <a:off x="184558" y="310664"/>
+            <a:ext cx="12192759" cy="6852492"/>
+          </a:xfrm>
+          <a:prstGeom prst="rect">
+            <a:avLst/>
+          </a:prstGeom>
+          <a:solidFill>
+            <a:srgbClr val="FFFFFF">
+              <a:shade val="85000"/>
+            </a:srgbClr>
+          </a:solidFill>
+          <a:ln w="190500" cap="rnd">
+            <a:solidFill>
+              <a:srgbClr val="FFFFFF"/>
+            </a:solidFill>
+          </a:ln>
+          <a:effectLst>
+            <a:outerShdw blurRad="50000" algn="tl" rotWithShape="0">
+              <a:srgbClr val="000000">
+                <a:alpha val="41000"/>
+              </a:srgbClr>
+            </a:outerShdw>
+          </a:effectLst>
+          <a:scene3d>
+            <a:camera prst="orthographicFront"/>
+            <a:lightRig rig="twoPt" dir="t">
+              <a:rot lat="0" lon="0" rev="7800000"/>
+            </a:lightRig>
+          </a:scene3d>
+          <a:sp3d contourW="6350">
+            <a:bevelT w="50800" h="16510"/>
+            <a:contourClr>
+              <a:srgbClr val="C0C0C0"/>
+            </a:contourClr>
+          </a:sp3d>
+        </p:spPr>
+      </p:pic>
+      <p:sp>
+        <p:nvSpPr>
+          <p:cNvPr id="6" name="Speech Bubble: Oval 5">
+            <a:extLst>
+              <a:ext uri="{FF2B5EF4-FFF2-40B4-BE49-F238E27FC236}">
+                <a16:creationId xmlns:a16="http://schemas.microsoft.com/office/drawing/2014/main" id="{D7B468E9-75B6-4E39-A180-AA72DC3F0768}"/>
+              </a:ext>
+            </a:extLst>
+          </p:cNvPr>
+          <p:cNvSpPr/>
+          <p:nvPr/>
+        </p:nvSpPr>
+        <p:spPr>
+          <a:xfrm>
+            <a:off x="813634" y="2621367"/>
+            <a:ext cx="2004969" cy="2231085"/>
+          </a:xfrm>
+          <a:prstGeom prst="wedgeEllipseCallout">
+            <a:avLst/>
+          </a:prstGeom>
+        </p:spPr>
+        <p:style>
+          <a:lnRef idx="0">
+            <a:schemeClr val="accent4"/>
+          </a:lnRef>
+          <a:fillRef idx="3">
+            <a:schemeClr val="accent4"/>
+          </a:fillRef>
+          <a:effectRef idx="3">
+            <a:schemeClr val="accent4"/>
+          </a:effectRef>
+          <a:fontRef idx="minor">
+            <a:schemeClr val="lt1"/>
+          </a:fontRef>
+        </p:style>
+        <p:txBody>
+          <a:bodyPr rtlCol="0" anchor="ctr"/>
+          <a:lstStyle/>
+          <a:p>
+            <a:pPr algn="ctr"/>
+            <a:r>
+              <a:rPr lang="en-US" dirty="0"/>
+              <a:t>Hold [</a:t>
+            </a:r>
+            <a:r>
+              <a:rPr lang="en-US" dirty="0">
+                <a:solidFill>
+                  <a:schemeClr val="accent1"/>
+                </a:solidFill>
+              </a:rPr>
+              <a:t>SPACE</a:t>
+            </a:r>
+            <a:r>
+              <a:rPr lang="en-US" dirty="0"/>
+              <a:t>] button to gain power,</a:t>
+            </a:r>
+          </a:p>
+          <a:p>
+            <a:pPr algn="ctr"/>
+            <a:r>
+              <a:rPr lang="en-US" dirty="0"/>
+              <a:t>Release to </a:t>
+            </a:r>
+            <a:r>
+              <a:rPr lang="en-US" dirty="0">
+                <a:ln w="0"/>
+                <a:solidFill>
+                  <a:srgbClr val="C00000"/>
+                </a:solidFill>
+                <a:effectLst>
+                  <a:outerShdw blurRad="38100" dist="25400" dir="5400000" algn="ctr" rotWithShape="0">
+                    <a:srgbClr val="6E747A">
+                      <a:alpha val="43000"/>
+                    </a:srgbClr>
+                  </a:outerShdw>
+                </a:effectLst>
+              </a:rPr>
+              <a:t>Kick</a:t>
+            </a:r>
+            <a:r>
+              <a:rPr lang="en-US" dirty="0"/>
+              <a:t>!</a:t>
+            </a:r>
+          </a:p>
+        </p:txBody>
+      </p:sp>
+      <p:sp>
+        <p:nvSpPr>
+          <p:cNvPr id="7" name="Speech Bubble: Oval 6">
+            <a:extLst>
+              <a:ext uri="{FF2B5EF4-FFF2-40B4-BE49-F238E27FC236}">
+                <a16:creationId xmlns:a16="http://schemas.microsoft.com/office/drawing/2014/main" id="{DBB3C955-D511-4D07-A259-CEED86A5FF37}"/>
+              </a:ext>
+            </a:extLst>
+          </p:cNvPr>
+          <p:cNvSpPr/>
+          <p:nvPr/>
+        </p:nvSpPr>
+        <p:spPr>
+          <a:xfrm>
+            <a:off x="1891521" y="4788789"/>
+            <a:ext cx="2651904" cy="1385275"/>
+          </a:xfrm>
+          <a:prstGeom prst="wedgeEllipseCallout">
+            <a:avLst>
+              <a:gd name="adj1" fmla="val -55058"/>
+              <a:gd name="adj2" fmla="val 39470"/>
+            </a:avLst>
+          </a:prstGeom>
+        </p:spPr>
+        <p:style>
+          <a:lnRef idx="2">
+            <a:schemeClr val="accent1">
+              <a:shade val="50000"/>
+            </a:schemeClr>
+          </a:lnRef>
+          <a:fillRef idx="1">
+            <a:schemeClr val="accent1"/>
+          </a:fillRef>
+          <a:effectRef idx="0">
+            <a:schemeClr val="accent1"/>
+          </a:effectRef>
+          <a:fontRef idx="minor">
+            <a:schemeClr val="lt1"/>
+          </a:fontRef>
+        </p:style>
+        <p:txBody>
+          <a:bodyPr rtlCol="0" anchor="ctr"/>
+          <a:lstStyle/>
+          <a:p>
+            <a:pPr algn="ctr"/>
+            <a:r>
+              <a:rPr lang="en-US" altLang="zh-CN" dirty="0"/>
+              <a:t>Curled Free Kick:          1 or     + [</a:t>
+            </a:r>
+            <a:r>
+              <a:rPr lang="en-US" altLang="zh-CN" dirty="0">
+                <a:solidFill>
+                  <a:schemeClr val="accent4">
+                    <a:lumMod val="40000"/>
+                    <a:lumOff val="60000"/>
+                  </a:schemeClr>
+                </a:solidFill>
+              </a:rPr>
+              <a:t>SPACE</a:t>
+            </a:r>
+            <a:r>
+              <a:rPr lang="en-US" altLang="zh-CN" dirty="0"/>
+              <a:t>] </a:t>
+            </a:r>
+            <a:endParaRPr lang="en-US" dirty="0"/>
+          </a:p>
+        </p:txBody>
+      </p:sp>
+      <p:sp>
+        <p:nvSpPr>
+          <p:cNvPr id="8" name="Speech Bubble: Oval 7">
+            <a:extLst>
+              <a:ext uri="{FF2B5EF4-FFF2-40B4-BE49-F238E27FC236}">
+                <a16:creationId xmlns:a16="http://schemas.microsoft.com/office/drawing/2014/main" id="{A6F6A43E-B01B-4833-9B67-B86A4921E027}"/>
+              </a:ext>
+            </a:extLst>
+          </p:cNvPr>
+          <p:cNvSpPr/>
+          <p:nvPr/>
+        </p:nvSpPr>
+        <p:spPr>
+          <a:xfrm>
+            <a:off x="6971251" y="4144161"/>
+            <a:ext cx="2184543" cy="1493240"/>
+          </a:xfrm>
+          <a:prstGeom prst="wedgeEllipseCallout">
+            <a:avLst>
+              <a:gd name="adj1" fmla="val -47843"/>
+              <a:gd name="adj2" fmla="val 58006"/>
+            </a:avLst>
+          </a:prstGeom>
+        </p:spPr>
+        <p:style>
+          <a:lnRef idx="2">
+            <a:schemeClr val="accent6">
+              <a:shade val="50000"/>
+            </a:schemeClr>
+          </a:lnRef>
+          <a:fillRef idx="1">
+            <a:schemeClr val="accent6"/>
+          </a:fillRef>
+          <a:effectRef idx="0">
+            <a:schemeClr val="accent6"/>
+          </a:effectRef>
+          <a:fontRef idx="minor">
+            <a:schemeClr val="lt1"/>
+          </a:fontRef>
+        </p:style>
+        <p:txBody>
+          <a:bodyPr rtlCol="0" anchor="ctr"/>
+          <a:lstStyle/>
+          <a:p>
+            <a:pPr algn="ctr"/>
+            <a:r>
+              <a:rPr lang="en-US" dirty="0"/>
+              <a:t>Use               to change your direction</a:t>
+            </a:r>
+          </a:p>
+        </p:txBody>
+      </p:sp>
+      <p:sp>
+        <p:nvSpPr>
+          <p:cNvPr id="9" name="Speech Bubble: Oval 8">
+            <a:extLst>
+              <a:ext uri="{FF2B5EF4-FFF2-40B4-BE49-F238E27FC236}">
+                <a16:creationId xmlns:a16="http://schemas.microsoft.com/office/drawing/2014/main" id="{3AA3E671-AFA4-4C24-8742-78264E3007B1}"/>
+              </a:ext>
+            </a:extLst>
+          </p:cNvPr>
+          <p:cNvSpPr/>
+          <p:nvPr/>
+        </p:nvSpPr>
+        <p:spPr>
+          <a:xfrm>
+            <a:off x="6171538" y="969063"/>
+            <a:ext cx="1795244" cy="1258349"/>
+          </a:xfrm>
+          <a:prstGeom prst="wedgeEllipseCallout">
+            <a:avLst>
+              <a:gd name="adj1" fmla="val -29546"/>
+              <a:gd name="adj2" fmla="val 65368"/>
+            </a:avLst>
+          </a:prstGeom>
+        </p:spPr>
+        <p:style>
+          <a:lnRef idx="2">
+            <a:schemeClr val="accent2">
+              <a:shade val="50000"/>
+            </a:schemeClr>
+          </a:lnRef>
+          <a:fillRef idx="1">
+            <a:schemeClr val="accent2"/>
+          </a:fillRef>
+          <a:effectRef idx="0">
+            <a:schemeClr val="accent2"/>
+          </a:effectRef>
+          <a:fontRef idx="minor">
+            <a:schemeClr val="lt1"/>
+          </a:fontRef>
+        </p:style>
+        <p:txBody>
+          <a:bodyPr rtlCol="0" anchor="ctr"/>
+          <a:lstStyle/>
+          <a:p>
+            <a:pPr algn="ctr"/>
+            <a:r>
+              <a:rPr lang="en-US" dirty="0"/>
+              <a:t>Try to </a:t>
+            </a:r>
+            <a:r>
+              <a:rPr lang="en-US" dirty="0">
+                <a:solidFill>
+                  <a:schemeClr val="accent4">
+                    <a:lumMod val="40000"/>
+                    <a:lumOff val="60000"/>
+                  </a:schemeClr>
+                </a:solidFill>
+              </a:rPr>
+              <a:t>GOAL </a:t>
+            </a:r>
+            <a:r>
+              <a:rPr lang="en-US" dirty="0"/>
+              <a:t>!</a:t>
+            </a:r>
+          </a:p>
+        </p:txBody>
+      </p:sp>
+      <p:pic>
+        <p:nvPicPr>
+          <p:cNvPr id="10" name="Picture 9">
+            <a:extLst>
+              <a:ext uri="{FF2B5EF4-FFF2-40B4-BE49-F238E27FC236}">
+                <a16:creationId xmlns:a16="http://schemas.microsoft.com/office/drawing/2014/main" id="{3C75BCDD-1993-48F3-AC2C-B86C32F1A239}"/>
+              </a:ext>
+            </a:extLst>
+          </p:cNvPr>
+          <p:cNvPicPr>
+            <a:picLocks noChangeAspect="1"/>
+          </p:cNvPicPr>
+          <p:nvPr/>
+        </p:nvPicPr>
+        <p:blipFill>
+          <a:blip r:embed="rId3">
+            <a:extLst>
+              <a:ext uri="{28A0092B-C50C-407E-A947-70E740481C1C}">
+                <a14:useLocalDpi xmlns:a14="http://schemas.microsoft.com/office/drawing/2010/main" val="0"/>
+              </a:ext>
+            </a:extLst>
+          </a:blip>
+          <a:stretch>
+            <a:fillRect/>
+          </a:stretch>
+        </p:blipFill>
+        <p:spPr>
+          <a:xfrm>
+            <a:off x="7810753" y="4284157"/>
+            <a:ext cx="690149" cy="471879"/>
+          </a:xfrm>
+          <a:prstGeom prst="rect">
+            <a:avLst/>
+          </a:prstGeom>
+        </p:spPr>
+      </p:pic>
+      <p:pic>
+        <p:nvPicPr>
+          <p:cNvPr id="11" name="Picture 10">
+            <a:extLst>
+              <a:ext uri="{FF2B5EF4-FFF2-40B4-BE49-F238E27FC236}">
+                <a16:creationId xmlns:a16="http://schemas.microsoft.com/office/drawing/2014/main" id="{5C5BC73F-278D-4A02-A819-51C22BF58C2C}"/>
+              </a:ext>
+            </a:extLst>
+          </p:cNvPr>
+          <p:cNvPicPr>
+            <a:picLocks noChangeAspect="1"/>
+          </p:cNvPicPr>
+          <p:nvPr/>
+        </p:nvPicPr>
+        <p:blipFill rotWithShape="1">
+          <a:blip r:embed="rId3">
+            <a:extLst>
+              <a:ext uri="{28A0092B-C50C-407E-A947-70E740481C1C}">
+                <a14:useLocalDpi xmlns:a14="http://schemas.microsoft.com/office/drawing/2010/main" val="0"/>
+              </a:ext>
+            </a:extLst>
+          </a:blip>
+          <a:srcRect l="3321" t="49293" r="65057" b="-261"/>
+          <a:stretch/>
+        </p:blipFill>
+        <p:spPr>
+          <a:xfrm>
+            <a:off x="2367957" y="5519527"/>
+            <a:ext cx="218234" cy="240507"/>
+          </a:xfrm>
+          <a:prstGeom prst="rect">
+            <a:avLst/>
+          </a:prstGeom>
+        </p:spPr>
+      </p:pic>
+      <p:pic>
+        <p:nvPicPr>
+          <p:cNvPr id="13" name="Picture 12">
+            <a:extLst>
+              <a:ext uri="{FF2B5EF4-FFF2-40B4-BE49-F238E27FC236}">
+                <a16:creationId xmlns:a16="http://schemas.microsoft.com/office/drawing/2014/main" id="{6C181CCB-E48C-418A-BA35-2BA9EF70B808}"/>
+              </a:ext>
+            </a:extLst>
+          </p:cNvPr>
+          <p:cNvPicPr>
+            <a:picLocks noChangeAspect="1"/>
+          </p:cNvPicPr>
+          <p:nvPr/>
+        </p:nvPicPr>
+        <p:blipFill rotWithShape="1">
+          <a:blip r:embed="rId3">
+            <a:extLst>
+              <a:ext uri="{28A0092B-C50C-407E-A947-70E740481C1C}">
+                <a14:useLocalDpi xmlns:a14="http://schemas.microsoft.com/office/drawing/2010/main" val="0"/>
+              </a:ext>
+            </a:extLst>
+          </a:blip>
+          <a:srcRect l="67318" t="50284" b="-242"/>
+          <a:stretch/>
+        </p:blipFill>
+        <p:spPr>
+          <a:xfrm>
+            <a:off x="2853803" y="5529052"/>
+            <a:ext cx="225553" cy="235745"/>
+          </a:xfrm>
+          <a:prstGeom prst="rect">
+            <a:avLst/>
+          </a:prstGeom>
+        </p:spPr>
+      </p:pic>
+    </p:spTree>
+    <p:extLst>
+      <p:ext uri="{BB962C8B-B14F-4D97-AF65-F5344CB8AC3E}">
+        <p14:creationId xmlns:p14="http://schemas.microsoft.com/office/powerpoint/2010/main" val="3713088353"/>
+      </p:ext>
+    </p:extLst>
+  </p:cSld>
+  <p:clrMapOvr>
+    <a:masterClrMapping/>
+  </p:clrMapOvr>
+</p:sld>
+</file>
+
+<file path=ppt/slides/slide3.xml><?xml version="1.0" encoding="utf-8"?>
 <p:sld xmlns:a="http://schemas.openxmlformats.org/drawingml/2006/main" xmlns:r="http://schemas.openxmlformats.org/officeDocument/2006/relationships" xmlns:p="http://schemas.openxmlformats.org/presentationml/2006/main">
   <p:cSld>
     <p:spTree>
@@ -5748,7 +6234,7 @@
 </p:sld>
 </file>
 
-<file path=ppt/slides/slide3.xml><?xml version="1.0" encoding="utf-8"?>
+<file path=ppt/slides/slide4.xml><?xml version="1.0" encoding="utf-8"?>
 <p:sld xmlns:a="http://schemas.openxmlformats.org/drawingml/2006/main" xmlns:r="http://schemas.openxmlformats.org/officeDocument/2006/relationships" xmlns:p="http://schemas.openxmlformats.org/presentationml/2006/main">
   <p:cSld>
     <p:spTree>
@@ -6575,6 +7061,183 @@
     <p:extLst>
       <p:ext uri="{BB962C8B-B14F-4D97-AF65-F5344CB8AC3E}">
         <p14:creationId xmlns:p14="http://schemas.microsoft.com/office/powerpoint/2010/main" val="3720062098"/>
+      </p:ext>
+    </p:extLst>
+  </p:cSld>
+  <p:clrMapOvr>
+    <a:masterClrMapping/>
+  </p:clrMapOvr>
+</p:sld>
+</file>
+
+<file path=ppt/slides/slide5.xml><?xml version="1.0" encoding="utf-8"?>
+<p:sld xmlns:a="http://schemas.openxmlformats.org/drawingml/2006/main" xmlns:r="http://schemas.openxmlformats.org/officeDocument/2006/relationships" xmlns:p="http://schemas.openxmlformats.org/presentationml/2006/main">
+  <p:cSld>
+    <p:spTree>
+      <p:nvGrpSpPr>
+        <p:cNvPr id="1" name=""/>
+        <p:cNvGrpSpPr/>
+        <p:nvPr/>
+      </p:nvGrpSpPr>
+      <p:grpSpPr>
+        <a:xfrm>
+          <a:off x="0" y="0"/>
+          <a:ext cx="0" cy="0"/>
+          <a:chOff x="0" y="0"/>
+          <a:chExt cx="0" cy="0"/>
+        </a:xfrm>
+      </p:grpSpPr>
+      <p:sp>
+        <p:nvSpPr>
+          <p:cNvPr id="4" name="Rectangle: Rounded Corners 3">
+            <a:extLst>
+              <a:ext uri="{FF2B5EF4-FFF2-40B4-BE49-F238E27FC236}">
+                <a16:creationId xmlns:a16="http://schemas.microsoft.com/office/drawing/2014/main" id="{F500E192-E6D3-4F1A-9BDC-F956845C6C00}"/>
+              </a:ext>
+            </a:extLst>
+          </p:cNvPr>
+          <p:cNvSpPr/>
+          <p:nvPr/>
+        </p:nvSpPr>
+        <p:spPr>
+          <a:xfrm>
+            <a:off x="1143000" y="1295400"/>
+            <a:ext cx="1371600" cy="695325"/>
+          </a:xfrm>
+          <a:prstGeom prst="roundRect">
+            <a:avLst/>
+          </a:prstGeom>
+        </p:spPr>
+        <p:style>
+          <a:lnRef idx="2">
+            <a:schemeClr val="accent1">
+              <a:shade val="50000"/>
+            </a:schemeClr>
+          </a:lnRef>
+          <a:fillRef idx="1">
+            <a:schemeClr val="accent1"/>
+          </a:fillRef>
+          <a:effectRef idx="0">
+            <a:schemeClr val="accent1"/>
+          </a:effectRef>
+          <a:fontRef idx="minor">
+            <a:schemeClr val="lt1"/>
+          </a:fontRef>
+        </p:style>
+        <p:txBody>
+          <a:bodyPr rtlCol="0" anchor="ctr"/>
+          <a:lstStyle/>
+          <a:p>
+            <a:pPr algn="ctr"/>
+            <a:r>
+              <a:rPr lang="en-US" dirty="0"/>
+              <a:t>Main Menu</a:t>
+            </a:r>
+          </a:p>
+        </p:txBody>
+      </p:sp>
+      <p:sp>
+        <p:nvSpPr>
+          <p:cNvPr id="5" name="Rectangle: Rounded Corners 4">
+            <a:extLst>
+              <a:ext uri="{FF2B5EF4-FFF2-40B4-BE49-F238E27FC236}">
+                <a16:creationId xmlns:a16="http://schemas.microsoft.com/office/drawing/2014/main" id="{FD4CC2BB-F994-4544-B0F8-A4DEE5849564}"/>
+              </a:ext>
+            </a:extLst>
+          </p:cNvPr>
+          <p:cNvSpPr/>
+          <p:nvPr/>
+        </p:nvSpPr>
+        <p:spPr>
+          <a:xfrm>
+            <a:off x="4076700" y="428625"/>
+            <a:ext cx="1371600" cy="695325"/>
+          </a:xfrm>
+          <a:prstGeom prst="roundRect">
+            <a:avLst/>
+          </a:prstGeom>
+        </p:spPr>
+        <p:style>
+          <a:lnRef idx="2">
+            <a:schemeClr val="accent1">
+              <a:shade val="50000"/>
+            </a:schemeClr>
+          </a:lnRef>
+          <a:fillRef idx="1">
+            <a:schemeClr val="accent1"/>
+          </a:fillRef>
+          <a:effectRef idx="0">
+            <a:schemeClr val="accent1"/>
+          </a:effectRef>
+          <a:fontRef idx="minor">
+            <a:schemeClr val="lt1"/>
+          </a:fontRef>
+        </p:style>
+        <p:txBody>
+          <a:bodyPr rtlCol="0" anchor="ctr"/>
+          <a:lstStyle/>
+          <a:p>
+            <a:pPr algn="ctr"/>
+            <a:r>
+              <a:rPr lang="en-US" dirty="0"/>
+              <a:t>VR Ready</a:t>
+            </a:r>
+          </a:p>
+        </p:txBody>
+      </p:sp>
+      <p:sp>
+        <p:nvSpPr>
+          <p:cNvPr id="6" name="Rectangle: Rounded Corners 5">
+            <a:extLst>
+              <a:ext uri="{FF2B5EF4-FFF2-40B4-BE49-F238E27FC236}">
+                <a16:creationId xmlns:a16="http://schemas.microsoft.com/office/drawing/2014/main" id="{986DA670-EA69-495D-BB71-52C7A5959F87}"/>
+              </a:ext>
+            </a:extLst>
+          </p:cNvPr>
+          <p:cNvSpPr/>
+          <p:nvPr/>
+        </p:nvSpPr>
+        <p:spPr>
+          <a:xfrm>
+            <a:off x="4076700" y="1990725"/>
+            <a:ext cx="1371600" cy="695325"/>
+          </a:xfrm>
+          <a:prstGeom prst="roundRect">
+            <a:avLst/>
+          </a:prstGeom>
+        </p:spPr>
+        <p:style>
+          <a:lnRef idx="2">
+            <a:schemeClr val="accent1">
+              <a:shade val="50000"/>
+            </a:schemeClr>
+          </a:lnRef>
+          <a:fillRef idx="1">
+            <a:schemeClr val="accent1"/>
+          </a:fillRef>
+          <a:effectRef idx="0">
+            <a:schemeClr val="accent1"/>
+          </a:effectRef>
+          <a:fontRef idx="minor">
+            <a:schemeClr val="lt1"/>
+          </a:fontRef>
+        </p:style>
+        <p:txBody>
+          <a:bodyPr rtlCol="0" anchor="ctr"/>
+          <a:lstStyle/>
+          <a:p>
+            <a:pPr algn="ctr"/>
+            <a:r>
+              <a:rPr lang="en-US" dirty="0"/>
+              <a:t>PC Ready</a:t>
+            </a:r>
+          </a:p>
+        </p:txBody>
+      </p:sp>
+    </p:spTree>
+    <p:extLst>
+      <p:ext uri="{BB962C8B-B14F-4D97-AF65-F5344CB8AC3E}">
+        <p14:creationId xmlns:p14="http://schemas.microsoft.com/office/powerpoint/2010/main" val="911005846"/>
       </p:ext>
     </p:extLst>
   </p:cSld>

--- a/Document/Rabbit_Tutorial.pptx
+++ b/Document/Rabbit_Tutorial.pptx
@@ -7,9 +7,10 @@
   <p:sldIdLst>
     <p:sldId id="256" r:id="rId2"/>
     <p:sldId id="259" r:id="rId3"/>
-    <p:sldId id="257" r:id="rId4"/>
-    <p:sldId id="258" r:id="rId5"/>
-    <p:sldId id="260" r:id="rId6"/>
+    <p:sldId id="261" r:id="rId4"/>
+    <p:sldId id="257" r:id="rId5"/>
+    <p:sldId id="258" r:id="rId6"/>
+    <p:sldId id="260" r:id="rId7"/>
   </p:sldIdLst>
   <p:sldSz cx="12192000" cy="6858000"/>
   <p:notesSz cx="6858000" cy="9144000"/>
@@ -267,7 +268,7 @@
           <a:p>
             <a:fld id="{1A06FA0B-CFBE-429B-8CB7-21045D9DF691}" type="datetimeFigureOut">
               <a:rPr lang="en-US" smtClean="0"/>
-              <a:t>8/9/2017</a:t>
+              <a:t>8/15/2017</a:t>
             </a:fld>
             <a:endParaRPr lang="en-US"/>
           </a:p>
@@ -465,7 +466,7 @@
           <a:p>
             <a:fld id="{1A06FA0B-CFBE-429B-8CB7-21045D9DF691}" type="datetimeFigureOut">
               <a:rPr lang="en-US" smtClean="0"/>
-              <a:t>8/9/2017</a:t>
+              <a:t>8/15/2017</a:t>
             </a:fld>
             <a:endParaRPr lang="en-US"/>
           </a:p>
@@ -673,7 +674,7 @@
           <a:p>
             <a:fld id="{1A06FA0B-CFBE-429B-8CB7-21045D9DF691}" type="datetimeFigureOut">
               <a:rPr lang="en-US" smtClean="0"/>
-              <a:t>8/9/2017</a:t>
+              <a:t>8/15/2017</a:t>
             </a:fld>
             <a:endParaRPr lang="en-US"/>
           </a:p>
@@ -871,7 +872,7 @@
           <a:p>
             <a:fld id="{1A06FA0B-CFBE-429B-8CB7-21045D9DF691}" type="datetimeFigureOut">
               <a:rPr lang="en-US" smtClean="0"/>
-              <a:t>8/9/2017</a:t>
+              <a:t>8/15/2017</a:t>
             </a:fld>
             <a:endParaRPr lang="en-US"/>
           </a:p>
@@ -1146,7 +1147,7 @@
           <a:p>
             <a:fld id="{1A06FA0B-CFBE-429B-8CB7-21045D9DF691}" type="datetimeFigureOut">
               <a:rPr lang="en-US" smtClean="0"/>
-              <a:t>8/9/2017</a:t>
+              <a:t>8/15/2017</a:t>
             </a:fld>
             <a:endParaRPr lang="en-US"/>
           </a:p>
@@ -1411,7 +1412,7 @@
           <a:p>
             <a:fld id="{1A06FA0B-CFBE-429B-8CB7-21045D9DF691}" type="datetimeFigureOut">
               <a:rPr lang="en-US" smtClean="0"/>
-              <a:t>8/9/2017</a:t>
+              <a:t>8/15/2017</a:t>
             </a:fld>
             <a:endParaRPr lang="en-US"/>
           </a:p>
@@ -1823,7 +1824,7 @@
           <a:p>
             <a:fld id="{1A06FA0B-CFBE-429B-8CB7-21045D9DF691}" type="datetimeFigureOut">
               <a:rPr lang="en-US" smtClean="0"/>
-              <a:t>8/9/2017</a:t>
+              <a:t>8/15/2017</a:t>
             </a:fld>
             <a:endParaRPr lang="en-US"/>
           </a:p>
@@ -1964,7 +1965,7 @@
           <a:p>
             <a:fld id="{1A06FA0B-CFBE-429B-8CB7-21045D9DF691}" type="datetimeFigureOut">
               <a:rPr lang="en-US" smtClean="0"/>
-              <a:t>8/9/2017</a:t>
+              <a:t>8/15/2017</a:t>
             </a:fld>
             <a:endParaRPr lang="en-US"/>
           </a:p>
@@ -2077,7 +2078,7 @@
           <a:p>
             <a:fld id="{1A06FA0B-CFBE-429B-8CB7-21045D9DF691}" type="datetimeFigureOut">
               <a:rPr lang="en-US" smtClean="0"/>
-              <a:t>8/9/2017</a:t>
+              <a:t>8/15/2017</a:t>
             </a:fld>
             <a:endParaRPr lang="en-US"/>
           </a:p>
@@ -2388,7 +2389,7 @@
           <a:p>
             <a:fld id="{1A06FA0B-CFBE-429B-8CB7-21045D9DF691}" type="datetimeFigureOut">
               <a:rPr lang="en-US" smtClean="0"/>
-              <a:t>8/9/2017</a:t>
+              <a:t>8/15/2017</a:t>
             </a:fld>
             <a:endParaRPr lang="en-US"/>
           </a:p>
@@ -2676,7 +2677,7 @@
           <a:p>
             <a:fld id="{1A06FA0B-CFBE-429B-8CB7-21045D9DF691}" type="datetimeFigureOut">
               <a:rPr lang="en-US" smtClean="0"/>
-              <a:t>8/9/2017</a:t>
+              <a:t>8/15/2017</a:t>
             </a:fld>
             <a:endParaRPr lang="en-US"/>
           </a:p>
@@ -2917,7 +2918,7 @@
           <a:p>
             <a:fld id="{1A06FA0B-CFBE-429B-8CB7-21045D9DF691}" type="datetimeFigureOut">
               <a:rPr lang="en-US" smtClean="0"/>
-              <a:t>8/9/2017</a:t>
+              <a:t>8/15/2017</a:t>
             </a:fld>
             <a:endParaRPr lang="en-US"/>
           </a:p>
@@ -4310,6 +4311,352 @@
           <a:chExt cx="0" cy="0"/>
         </a:xfrm>
       </p:grpSpPr>
+      <p:pic>
+        <p:nvPicPr>
+          <p:cNvPr id="4" name="Picture 3">
+            <a:extLst>
+              <a:ext uri="{FF2B5EF4-FFF2-40B4-BE49-F238E27FC236}">
+                <a16:creationId xmlns:a16="http://schemas.microsoft.com/office/drawing/2014/main" id="{8D332E75-4344-4953-AAB1-DA316602C90C}"/>
+              </a:ext>
+            </a:extLst>
+          </p:cNvPr>
+          <p:cNvPicPr>
+            <a:picLocks noChangeAspect="1"/>
+          </p:cNvPicPr>
+          <p:nvPr/>
+        </p:nvPicPr>
+        <p:blipFill>
+          <a:blip r:embed="rId2"/>
+          <a:stretch>
+            <a:fillRect/>
+          </a:stretch>
+        </p:blipFill>
+        <p:spPr>
+          <a:xfrm>
+            <a:off x="90007" y="0"/>
+            <a:ext cx="12039600" cy="6781800"/>
+          </a:xfrm>
+          <a:prstGeom prst="rect">
+            <a:avLst/>
+          </a:prstGeom>
+          <a:solidFill>
+            <a:srgbClr val="FFFFFF">
+              <a:shade val="85000"/>
+            </a:srgbClr>
+          </a:solidFill>
+          <a:ln w="190500" cap="rnd">
+            <a:solidFill>
+              <a:srgbClr val="FFFFFF"/>
+            </a:solidFill>
+          </a:ln>
+          <a:effectLst>
+            <a:outerShdw blurRad="50000" algn="tl" rotWithShape="0">
+              <a:srgbClr val="000000">
+                <a:alpha val="41000"/>
+              </a:srgbClr>
+            </a:outerShdw>
+          </a:effectLst>
+          <a:scene3d>
+            <a:camera prst="orthographicFront"/>
+            <a:lightRig rig="twoPt" dir="t">
+              <a:rot lat="0" lon="0" rev="7800000"/>
+            </a:lightRig>
+          </a:scene3d>
+          <a:sp3d contourW="6350">
+            <a:bevelT w="50800" h="16510"/>
+            <a:contourClr>
+              <a:srgbClr val="C0C0C0"/>
+            </a:contourClr>
+          </a:sp3d>
+        </p:spPr>
+      </p:pic>
+      <p:sp>
+        <p:nvSpPr>
+          <p:cNvPr id="6" name="Speech Bubble: Oval 5">
+            <a:extLst>
+              <a:ext uri="{FF2B5EF4-FFF2-40B4-BE49-F238E27FC236}">
+                <a16:creationId xmlns:a16="http://schemas.microsoft.com/office/drawing/2014/main" id="{D7B468E9-75B6-4E39-A180-AA72DC3F0768}"/>
+              </a:ext>
+            </a:extLst>
+          </p:cNvPr>
+          <p:cNvSpPr/>
+          <p:nvPr/>
+        </p:nvSpPr>
+        <p:spPr>
+          <a:xfrm>
+            <a:off x="811635" y="2348918"/>
+            <a:ext cx="2004969" cy="2231085"/>
+          </a:xfrm>
+          <a:prstGeom prst="wedgeEllipseCallout">
+            <a:avLst/>
+          </a:prstGeom>
+        </p:spPr>
+        <p:style>
+          <a:lnRef idx="0">
+            <a:schemeClr val="accent4"/>
+          </a:lnRef>
+          <a:fillRef idx="3">
+            <a:schemeClr val="accent4"/>
+          </a:fillRef>
+          <a:effectRef idx="3">
+            <a:schemeClr val="accent4"/>
+          </a:effectRef>
+          <a:fontRef idx="minor">
+            <a:schemeClr val="lt1"/>
+          </a:fontRef>
+        </p:style>
+        <p:txBody>
+          <a:bodyPr rtlCol="0" anchor="ctr"/>
+          <a:lstStyle/>
+          <a:p>
+            <a:pPr algn="ctr"/>
+            <a:r>
+              <a:rPr lang="en-US" dirty="0"/>
+              <a:t>Hold [</a:t>
+            </a:r>
+            <a:r>
+              <a:rPr lang="en-US" dirty="0">
+                <a:solidFill>
+                  <a:schemeClr val="accent1"/>
+                </a:solidFill>
+              </a:rPr>
+              <a:t>SPACE</a:t>
+            </a:r>
+            <a:r>
+              <a:rPr lang="en-US" dirty="0"/>
+              <a:t>] button to gain power,</a:t>
+            </a:r>
+          </a:p>
+          <a:p>
+            <a:pPr algn="ctr"/>
+            <a:r>
+              <a:rPr lang="en-US" dirty="0"/>
+              <a:t>Release to </a:t>
+            </a:r>
+            <a:r>
+              <a:rPr lang="en-US" dirty="0">
+                <a:ln w="0"/>
+                <a:solidFill>
+                  <a:srgbClr val="C00000"/>
+                </a:solidFill>
+                <a:effectLst>
+                  <a:outerShdw blurRad="38100" dist="25400" dir="5400000" algn="ctr" rotWithShape="0">
+                    <a:srgbClr val="6E747A">
+                      <a:alpha val="43000"/>
+                    </a:srgbClr>
+                  </a:outerShdw>
+                </a:effectLst>
+              </a:rPr>
+              <a:t>FIRE</a:t>
+            </a:r>
+            <a:r>
+              <a:rPr lang="en-US" dirty="0"/>
+              <a:t>!</a:t>
+            </a:r>
+          </a:p>
+        </p:txBody>
+      </p:sp>
+      <p:sp>
+        <p:nvSpPr>
+          <p:cNvPr id="8" name="Speech Bubble: Oval 7">
+            <a:extLst>
+              <a:ext uri="{FF2B5EF4-FFF2-40B4-BE49-F238E27FC236}">
+                <a16:creationId xmlns:a16="http://schemas.microsoft.com/office/drawing/2014/main" id="{A6F6A43E-B01B-4833-9B67-B86A4921E027}"/>
+              </a:ext>
+            </a:extLst>
+          </p:cNvPr>
+          <p:cNvSpPr/>
+          <p:nvPr/>
+        </p:nvSpPr>
+        <p:spPr>
+          <a:xfrm>
+            <a:off x="7348756" y="3556933"/>
+            <a:ext cx="2184543" cy="1493240"/>
+          </a:xfrm>
+          <a:prstGeom prst="wedgeEllipseCallout">
+            <a:avLst>
+              <a:gd name="adj1" fmla="val -47843"/>
+              <a:gd name="adj2" fmla="val 58006"/>
+            </a:avLst>
+          </a:prstGeom>
+        </p:spPr>
+        <p:style>
+          <a:lnRef idx="2">
+            <a:schemeClr val="accent6">
+              <a:shade val="50000"/>
+            </a:schemeClr>
+          </a:lnRef>
+          <a:fillRef idx="1">
+            <a:schemeClr val="accent6"/>
+          </a:fillRef>
+          <a:effectRef idx="0">
+            <a:schemeClr val="accent6"/>
+          </a:effectRef>
+          <a:fontRef idx="minor">
+            <a:schemeClr val="lt1"/>
+          </a:fontRef>
+        </p:style>
+        <p:txBody>
+          <a:bodyPr rtlCol="0" anchor="ctr"/>
+          <a:lstStyle/>
+          <a:p>
+            <a:pPr algn="ctr"/>
+            <a:r>
+              <a:rPr lang="en-US" dirty="0"/>
+              <a:t>Use               to rotate your cannon</a:t>
+            </a:r>
+          </a:p>
+        </p:txBody>
+      </p:sp>
+      <p:sp>
+        <p:nvSpPr>
+          <p:cNvPr id="9" name="Speech Bubble: Oval 8">
+            <a:extLst>
+              <a:ext uri="{FF2B5EF4-FFF2-40B4-BE49-F238E27FC236}">
+                <a16:creationId xmlns:a16="http://schemas.microsoft.com/office/drawing/2014/main" id="{3AA3E671-AFA4-4C24-8742-78264E3007B1}"/>
+              </a:ext>
+            </a:extLst>
+          </p:cNvPr>
+          <p:cNvSpPr/>
+          <p:nvPr/>
+        </p:nvSpPr>
+        <p:spPr>
+          <a:xfrm>
+            <a:off x="6301075" y="1090569"/>
+            <a:ext cx="2489812" cy="1258349"/>
+          </a:xfrm>
+          <a:prstGeom prst="wedgeEllipseCallout">
+            <a:avLst/>
+          </a:prstGeom>
+        </p:spPr>
+        <p:style>
+          <a:lnRef idx="2">
+            <a:schemeClr val="accent2">
+              <a:shade val="50000"/>
+            </a:schemeClr>
+          </a:lnRef>
+          <a:fillRef idx="1">
+            <a:schemeClr val="accent2"/>
+          </a:fillRef>
+          <a:effectRef idx="0">
+            <a:schemeClr val="accent2"/>
+          </a:effectRef>
+          <a:fontRef idx="minor">
+            <a:schemeClr val="lt1"/>
+          </a:fontRef>
+        </p:style>
+        <p:txBody>
+          <a:bodyPr rtlCol="0" anchor="ctr"/>
+          <a:lstStyle/>
+          <a:p>
+            <a:pPr algn="ctr"/>
+            <a:r>
+              <a:rPr lang="en-US" dirty="0"/>
+              <a:t>VR Player will try to bounce balls into baskets</a:t>
+            </a:r>
+          </a:p>
+        </p:txBody>
+      </p:sp>
+      <p:pic>
+        <p:nvPicPr>
+          <p:cNvPr id="11" name="Picture 10">
+            <a:extLst>
+              <a:ext uri="{FF2B5EF4-FFF2-40B4-BE49-F238E27FC236}">
+                <a16:creationId xmlns:a16="http://schemas.microsoft.com/office/drawing/2014/main" id="{81B7826F-AB7D-47BF-9014-F4D0DA3E2762}"/>
+              </a:ext>
+            </a:extLst>
+          </p:cNvPr>
+          <p:cNvPicPr>
+            <a:picLocks noChangeAspect="1"/>
+          </p:cNvPicPr>
+          <p:nvPr/>
+        </p:nvPicPr>
+        <p:blipFill rotWithShape="1">
+          <a:blip r:embed="rId3">
+            <a:extLst>
+              <a:ext uri="{28A0092B-C50C-407E-A947-70E740481C1C}">
+                <a14:useLocalDpi xmlns:a14="http://schemas.microsoft.com/office/drawing/2010/main" val="0"/>
+              </a:ext>
+            </a:extLst>
+          </a:blip>
+          <a:srcRect l="3321" t="49293" r="65057" b="-261"/>
+          <a:stretch/>
+        </p:blipFill>
+        <p:spPr>
+          <a:xfrm>
+            <a:off x="8255760" y="3914671"/>
+            <a:ext cx="218234" cy="240507"/>
+          </a:xfrm>
+          <a:prstGeom prst="rect">
+            <a:avLst/>
+          </a:prstGeom>
+        </p:spPr>
+      </p:pic>
+      <p:pic>
+        <p:nvPicPr>
+          <p:cNvPr id="12" name="Picture 11">
+            <a:extLst>
+              <a:ext uri="{FF2B5EF4-FFF2-40B4-BE49-F238E27FC236}">
+                <a16:creationId xmlns:a16="http://schemas.microsoft.com/office/drawing/2014/main" id="{7938E39F-13FE-47DA-9992-697863805168}"/>
+              </a:ext>
+            </a:extLst>
+          </p:cNvPr>
+          <p:cNvPicPr>
+            <a:picLocks noChangeAspect="1"/>
+          </p:cNvPicPr>
+          <p:nvPr/>
+        </p:nvPicPr>
+        <p:blipFill rotWithShape="1">
+          <a:blip r:embed="rId3">
+            <a:extLst>
+              <a:ext uri="{28A0092B-C50C-407E-A947-70E740481C1C}">
+                <a14:useLocalDpi xmlns:a14="http://schemas.microsoft.com/office/drawing/2010/main" val="0"/>
+              </a:ext>
+            </a:extLst>
+          </a:blip>
+          <a:srcRect l="67318" t="50284" b="-242"/>
+          <a:stretch/>
+        </p:blipFill>
+        <p:spPr>
+          <a:xfrm>
+            <a:off x="8565334" y="3913179"/>
+            <a:ext cx="225553" cy="235745"/>
+          </a:xfrm>
+          <a:prstGeom prst="rect">
+            <a:avLst/>
+          </a:prstGeom>
+        </p:spPr>
+      </p:pic>
+    </p:spTree>
+    <p:extLst>
+      <p:ext uri="{BB962C8B-B14F-4D97-AF65-F5344CB8AC3E}">
+        <p14:creationId xmlns:p14="http://schemas.microsoft.com/office/powerpoint/2010/main" val="1036677806"/>
+      </p:ext>
+    </p:extLst>
+  </p:cSld>
+  <p:clrMapOvr>
+    <a:masterClrMapping/>
+  </p:clrMapOvr>
+</p:sld>
+</file>
+
+<file path=ppt/slides/slide4.xml><?xml version="1.0" encoding="utf-8"?>
+<p:sld xmlns:a="http://schemas.openxmlformats.org/drawingml/2006/main" xmlns:r="http://schemas.openxmlformats.org/officeDocument/2006/relationships" xmlns:p="http://schemas.openxmlformats.org/presentationml/2006/main">
+  <p:cSld>
+    <p:spTree>
+      <p:nvGrpSpPr>
+        <p:cNvPr id="1" name=""/>
+        <p:cNvGrpSpPr/>
+        <p:nvPr/>
+      </p:nvGrpSpPr>
+      <p:grpSpPr>
+        <a:xfrm>
+          <a:off x="0" y="0"/>
+          <a:ext cx="0" cy="0"/>
+          <a:chOff x="0" y="0"/>
+          <a:chExt cx="0" cy="0"/>
+        </a:xfrm>
+      </p:grpSpPr>
       <p:sp>
         <p:nvSpPr>
           <p:cNvPr id="11" name="Rectangle 10">
@@ -6234,7 +6581,7 @@
 </p:sld>
 </file>
 
-<file path=ppt/slides/slide4.xml><?xml version="1.0" encoding="utf-8"?>
+<file path=ppt/slides/slide5.xml><?xml version="1.0" encoding="utf-8"?>
 <p:sld xmlns:a="http://schemas.openxmlformats.org/drawingml/2006/main" xmlns:r="http://schemas.openxmlformats.org/officeDocument/2006/relationships" xmlns:p="http://schemas.openxmlformats.org/presentationml/2006/main">
   <p:cSld>
     <p:spTree>
@@ -7070,7 +7417,7 @@
 </p:sld>
 </file>
 
-<file path=ppt/slides/slide5.xml><?xml version="1.0" encoding="utf-8"?>
+<file path=ppt/slides/slide6.xml><?xml version="1.0" encoding="utf-8"?>
 <p:sld xmlns:a="http://schemas.openxmlformats.org/drawingml/2006/main" xmlns:r="http://schemas.openxmlformats.org/officeDocument/2006/relationships" xmlns:p="http://schemas.openxmlformats.org/presentationml/2006/main">
   <p:cSld>
     <p:spTree>
@@ -7234,6 +7581,45 @@
           </a:p>
         </p:txBody>
       </p:sp>
+      <p:pic>
+        <p:nvPicPr>
+          <p:cNvPr id="3" name="Graphic 2" descr="Shopping basket">
+            <a:extLst>
+              <a:ext uri="{FF2B5EF4-FFF2-40B4-BE49-F238E27FC236}">
+                <a16:creationId xmlns:a16="http://schemas.microsoft.com/office/drawing/2014/main" id="{CE749108-181A-4E65-B2F5-BC021361DA71}"/>
+              </a:ext>
+            </a:extLst>
+          </p:cNvPr>
+          <p:cNvPicPr>
+            <a:picLocks noChangeAspect="1"/>
+          </p:cNvPicPr>
+          <p:nvPr/>
+        </p:nvPicPr>
+        <p:blipFill>
+          <a:blip r:embed="rId2">
+            <a:extLst>
+              <a:ext uri="{28A0092B-C50C-407E-A947-70E740481C1C}">
+                <a14:useLocalDpi xmlns:a14="http://schemas.microsoft.com/office/drawing/2010/main" val="0"/>
+              </a:ext>
+              <a:ext uri="{96DAC541-7B7A-43D3-8B79-37D633B846F1}">
+                <asvg:svgBlip xmlns:asvg="http://schemas.microsoft.com/office/drawing/2016/SVG/main" r:embed="rId3"/>
+              </a:ext>
+            </a:extLst>
+          </a:blip>
+          <a:stretch>
+            <a:fillRect/>
+          </a:stretch>
+        </p:blipFill>
+        <p:spPr>
+          <a:xfrm>
+            <a:off x="2057400" y="3291289"/>
+            <a:ext cx="914400" cy="914400"/>
+          </a:xfrm>
+          <a:prstGeom prst="rect">
+            <a:avLst/>
+          </a:prstGeom>
+        </p:spPr>
+      </p:pic>
     </p:spTree>
     <p:extLst>
       <p:ext uri="{BB962C8B-B14F-4D97-AF65-F5344CB8AC3E}">

--- a/Document/Rabbit_Tutorial.pptx
+++ b/Document/Rabbit_Tutorial.pptx
@@ -8,9 +8,15 @@
     <p:sldId id="256" r:id="rId2"/>
     <p:sldId id="259" r:id="rId3"/>
     <p:sldId id="261" r:id="rId4"/>
-    <p:sldId id="257" r:id="rId5"/>
-    <p:sldId id="258" r:id="rId6"/>
-    <p:sldId id="260" r:id="rId7"/>
+    <p:sldId id="264" r:id="rId5"/>
+    <p:sldId id="266" r:id="rId6"/>
+    <p:sldId id="262" r:id="rId7"/>
+    <p:sldId id="263" r:id="rId8"/>
+    <p:sldId id="265" r:id="rId9"/>
+    <p:sldId id="267" r:id="rId10"/>
+    <p:sldId id="257" r:id="rId11"/>
+    <p:sldId id="258" r:id="rId12"/>
+    <p:sldId id="260" r:id="rId13"/>
   </p:sldIdLst>
   <p:sldSz cx="12192000" cy="6858000"/>
   <p:notesSz cx="6858000" cy="9144000"/>
@@ -268,7 +274,7 @@
           <a:p>
             <a:fld id="{1A06FA0B-CFBE-429B-8CB7-21045D9DF691}" type="datetimeFigureOut">
               <a:rPr lang="en-US" smtClean="0"/>
-              <a:t>8/15/2017</a:t>
+              <a:t>8/17/2017</a:t>
             </a:fld>
             <a:endParaRPr lang="en-US"/>
           </a:p>
@@ -466,7 +472,7 @@
           <a:p>
             <a:fld id="{1A06FA0B-CFBE-429B-8CB7-21045D9DF691}" type="datetimeFigureOut">
               <a:rPr lang="en-US" smtClean="0"/>
-              <a:t>8/15/2017</a:t>
+              <a:t>8/17/2017</a:t>
             </a:fld>
             <a:endParaRPr lang="en-US"/>
           </a:p>
@@ -674,7 +680,7 @@
           <a:p>
             <a:fld id="{1A06FA0B-CFBE-429B-8CB7-21045D9DF691}" type="datetimeFigureOut">
               <a:rPr lang="en-US" smtClean="0"/>
-              <a:t>8/15/2017</a:t>
+              <a:t>8/17/2017</a:t>
             </a:fld>
             <a:endParaRPr lang="en-US"/>
           </a:p>
@@ -872,7 +878,7 @@
           <a:p>
             <a:fld id="{1A06FA0B-CFBE-429B-8CB7-21045D9DF691}" type="datetimeFigureOut">
               <a:rPr lang="en-US" smtClean="0"/>
-              <a:t>8/15/2017</a:t>
+              <a:t>8/17/2017</a:t>
             </a:fld>
             <a:endParaRPr lang="en-US"/>
           </a:p>
@@ -1147,7 +1153,7 @@
           <a:p>
             <a:fld id="{1A06FA0B-CFBE-429B-8CB7-21045D9DF691}" type="datetimeFigureOut">
               <a:rPr lang="en-US" smtClean="0"/>
-              <a:t>8/15/2017</a:t>
+              <a:t>8/17/2017</a:t>
             </a:fld>
             <a:endParaRPr lang="en-US"/>
           </a:p>
@@ -1412,7 +1418,7 @@
           <a:p>
             <a:fld id="{1A06FA0B-CFBE-429B-8CB7-21045D9DF691}" type="datetimeFigureOut">
               <a:rPr lang="en-US" smtClean="0"/>
-              <a:t>8/15/2017</a:t>
+              <a:t>8/17/2017</a:t>
             </a:fld>
             <a:endParaRPr lang="en-US"/>
           </a:p>
@@ -1824,7 +1830,7 @@
           <a:p>
             <a:fld id="{1A06FA0B-CFBE-429B-8CB7-21045D9DF691}" type="datetimeFigureOut">
               <a:rPr lang="en-US" smtClean="0"/>
-              <a:t>8/15/2017</a:t>
+              <a:t>8/17/2017</a:t>
             </a:fld>
             <a:endParaRPr lang="en-US"/>
           </a:p>
@@ -1965,7 +1971,7 @@
           <a:p>
             <a:fld id="{1A06FA0B-CFBE-429B-8CB7-21045D9DF691}" type="datetimeFigureOut">
               <a:rPr lang="en-US" smtClean="0"/>
-              <a:t>8/15/2017</a:t>
+              <a:t>8/17/2017</a:t>
             </a:fld>
             <a:endParaRPr lang="en-US"/>
           </a:p>
@@ -2078,7 +2084,7 @@
           <a:p>
             <a:fld id="{1A06FA0B-CFBE-429B-8CB7-21045D9DF691}" type="datetimeFigureOut">
               <a:rPr lang="en-US" smtClean="0"/>
-              <a:t>8/15/2017</a:t>
+              <a:t>8/17/2017</a:t>
             </a:fld>
             <a:endParaRPr lang="en-US"/>
           </a:p>
@@ -2389,7 +2395,7 @@
           <a:p>
             <a:fld id="{1A06FA0B-CFBE-429B-8CB7-21045D9DF691}" type="datetimeFigureOut">
               <a:rPr lang="en-US" smtClean="0"/>
-              <a:t>8/15/2017</a:t>
+              <a:t>8/17/2017</a:t>
             </a:fld>
             <a:endParaRPr lang="en-US"/>
           </a:p>
@@ -2677,7 +2683,7 @@
           <a:p>
             <a:fld id="{1A06FA0B-CFBE-429B-8CB7-21045D9DF691}" type="datetimeFigureOut">
               <a:rPr lang="en-US" smtClean="0"/>
-              <a:t>8/15/2017</a:t>
+              <a:t>8/17/2017</a:t>
             </a:fld>
             <a:endParaRPr lang="en-US"/>
           </a:p>
@@ -2918,7 +2924,7 @@
           <a:p>
             <a:fld id="{1A06FA0B-CFBE-429B-8CB7-21045D9DF691}" type="datetimeFigureOut">
               <a:rPr lang="en-US" smtClean="0"/>
-              <a:t>8/15/2017</a:t>
+              <a:t>8/17/2017</a:t>
             </a:fld>
             <a:endParaRPr lang="en-US"/>
           </a:p>
@@ -3335,52 +3341,6 @@
           <a:chExt cx="0" cy="0"/>
         </a:xfrm>
       </p:grpSpPr>
-      <p:sp>
-        <p:nvSpPr>
-          <p:cNvPr id="5" name="Rectangle 4">
-            <a:extLst>
-              <a:ext uri="{FF2B5EF4-FFF2-40B4-BE49-F238E27FC236}">
-                <a16:creationId xmlns:a16="http://schemas.microsoft.com/office/drawing/2014/main" id="{6F1738F8-D0B7-412C-A4EF-3BFB51BE00E2}"/>
-              </a:ext>
-            </a:extLst>
-          </p:cNvPr>
-          <p:cNvSpPr/>
-          <p:nvPr/>
-        </p:nvSpPr>
-        <p:spPr>
-          <a:xfrm>
-            <a:off x="184558" y="125963"/>
-            <a:ext cx="12344400" cy="7221894"/>
-          </a:xfrm>
-          <a:prstGeom prst="rect">
-            <a:avLst/>
-          </a:prstGeom>
-        </p:spPr>
-        <p:style>
-          <a:lnRef idx="2">
-            <a:schemeClr val="accent1">
-              <a:shade val="50000"/>
-            </a:schemeClr>
-          </a:lnRef>
-          <a:fillRef idx="1">
-            <a:schemeClr val="accent1"/>
-          </a:fillRef>
-          <a:effectRef idx="0">
-            <a:schemeClr val="accent1"/>
-          </a:effectRef>
-          <a:fontRef idx="minor">
-            <a:schemeClr val="lt1"/>
-          </a:fontRef>
-        </p:style>
-        <p:txBody>
-          <a:bodyPr rtlCol="0" anchor="ctr"/>
-          <a:lstStyle/>
-          <a:p>
-            <a:pPr algn="ctr"/>
-            <a:endParaRPr lang="en-US"/>
-          </a:p>
-        </p:txBody>
-      </p:sp>
       <p:pic>
         <p:nvPicPr>
           <p:cNvPr id="2" name="Picture 1">
@@ -3774,873 +3734,7 @@
 </p:sld>
 </file>
 
-<file path=ppt/slides/slide2.xml><?xml version="1.0" encoding="utf-8"?>
-<p:sld xmlns:a="http://schemas.openxmlformats.org/drawingml/2006/main" xmlns:r="http://schemas.openxmlformats.org/officeDocument/2006/relationships" xmlns:p="http://schemas.openxmlformats.org/presentationml/2006/main">
-  <p:cSld>
-    <p:spTree>
-      <p:nvGrpSpPr>
-        <p:cNvPr id="1" name=""/>
-        <p:cNvGrpSpPr/>
-        <p:nvPr/>
-      </p:nvGrpSpPr>
-      <p:grpSpPr>
-        <a:xfrm>
-          <a:off x="0" y="0"/>
-          <a:ext cx="0" cy="0"/>
-          <a:chOff x="0" y="0"/>
-          <a:chExt cx="0" cy="0"/>
-        </a:xfrm>
-      </p:grpSpPr>
-      <p:sp>
-        <p:nvSpPr>
-          <p:cNvPr id="5" name="Rectangle 4">
-            <a:extLst>
-              <a:ext uri="{FF2B5EF4-FFF2-40B4-BE49-F238E27FC236}">
-                <a16:creationId xmlns:a16="http://schemas.microsoft.com/office/drawing/2014/main" id="{6F1738F8-D0B7-412C-A4EF-3BFB51BE00E2}"/>
-              </a:ext>
-            </a:extLst>
-          </p:cNvPr>
-          <p:cNvSpPr/>
-          <p:nvPr/>
-        </p:nvSpPr>
-        <p:spPr>
-          <a:xfrm>
-            <a:off x="184558" y="125963"/>
-            <a:ext cx="12344400" cy="7221894"/>
-          </a:xfrm>
-          <a:prstGeom prst="rect">
-            <a:avLst/>
-          </a:prstGeom>
-        </p:spPr>
-        <p:style>
-          <a:lnRef idx="2">
-            <a:schemeClr val="accent1">
-              <a:shade val="50000"/>
-            </a:schemeClr>
-          </a:lnRef>
-          <a:fillRef idx="1">
-            <a:schemeClr val="accent1"/>
-          </a:fillRef>
-          <a:effectRef idx="0">
-            <a:schemeClr val="accent1"/>
-          </a:effectRef>
-          <a:fontRef idx="minor">
-            <a:schemeClr val="lt1"/>
-          </a:fontRef>
-        </p:style>
-        <p:txBody>
-          <a:bodyPr rtlCol="0" anchor="ctr"/>
-          <a:lstStyle/>
-          <a:p>
-            <a:pPr algn="ctr"/>
-            <a:endParaRPr lang="en-US"/>
-          </a:p>
-        </p:txBody>
-      </p:sp>
-      <p:pic>
-        <p:nvPicPr>
-          <p:cNvPr id="12" name="Picture 11">
-            <a:extLst>
-              <a:ext uri="{FF2B5EF4-FFF2-40B4-BE49-F238E27FC236}">
-                <a16:creationId xmlns:a16="http://schemas.microsoft.com/office/drawing/2014/main" id="{042088CF-324E-4EB2-80FE-FD648BBC3EA7}"/>
-              </a:ext>
-            </a:extLst>
-          </p:cNvPr>
-          <p:cNvPicPr>
-            <a:picLocks noChangeAspect="1"/>
-          </p:cNvPicPr>
-          <p:nvPr/>
-        </p:nvPicPr>
-        <p:blipFill>
-          <a:blip r:embed="rId2">
-            <a:extLst>
-              <a:ext uri="{28A0092B-C50C-407E-A947-70E740481C1C}">
-                <a14:useLocalDpi xmlns:a14="http://schemas.microsoft.com/office/drawing/2010/main" val="0"/>
-              </a:ext>
-            </a:extLst>
-          </a:blip>
-          <a:stretch>
-            <a:fillRect/>
-          </a:stretch>
-        </p:blipFill>
-        <p:spPr>
-          <a:xfrm>
-            <a:off x="184558" y="310664"/>
-            <a:ext cx="12192759" cy="6852492"/>
-          </a:xfrm>
-          <a:prstGeom prst="rect">
-            <a:avLst/>
-          </a:prstGeom>
-          <a:solidFill>
-            <a:srgbClr val="FFFFFF">
-              <a:shade val="85000"/>
-            </a:srgbClr>
-          </a:solidFill>
-          <a:ln w="190500" cap="rnd">
-            <a:solidFill>
-              <a:srgbClr val="FFFFFF"/>
-            </a:solidFill>
-          </a:ln>
-          <a:effectLst>
-            <a:outerShdw blurRad="50000" algn="tl" rotWithShape="0">
-              <a:srgbClr val="000000">
-                <a:alpha val="41000"/>
-              </a:srgbClr>
-            </a:outerShdw>
-          </a:effectLst>
-          <a:scene3d>
-            <a:camera prst="orthographicFront"/>
-            <a:lightRig rig="twoPt" dir="t">
-              <a:rot lat="0" lon="0" rev="7800000"/>
-            </a:lightRig>
-          </a:scene3d>
-          <a:sp3d contourW="6350">
-            <a:bevelT w="50800" h="16510"/>
-            <a:contourClr>
-              <a:srgbClr val="C0C0C0"/>
-            </a:contourClr>
-          </a:sp3d>
-        </p:spPr>
-      </p:pic>
-      <p:sp>
-        <p:nvSpPr>
-          <p:cNvPr id="6" name="Speech Bubble: Oval 5">
-            <a:extLst>
-              <a:ext uri="{FF2B5EF4-FFF2-40B4-BE49-F238E27FC236}">
-                <a16:creationId xmlns:a16="http://schemas.microsoft.com/office/drawing/2014/main" id="{D7B468E9-75B6-4E39-A180-AA72DC3F0768}"/>
-              </a:ext>
-            </a:extLst>
-          </p:cNvPr>
-          <p:cNvSpPr/>
-          <p:nvPr/>
-        </p:nvSpPr>
-        <p:spPr>
-          <a:xfrm>
-            <a:off x="813634" y="2621367"/>
-            <a:ext cx="2004969" cy="2231085"/>
-          </a:xfrm>
-          <a:prstGeom prst="wedgeEllipseCallout">
-            <a:avLst/>
-          </a:prstGeom>
-        </p:spPr>
-        <p:style>
-          <a:lnRef idx="0">
-            <a:schemeClr val="accent4"/>
-          </a:lnRef>
-          <a:fillRef idx="3">
-            <a:schemeClr val="accent4"/>
-          </a:fillRef>
-          <a:effectRef idx="3">
-            <a:schemeClr val="accent4"/>
-          </a:effectRef>
-          <a:fontRef idx="minor">
-            <a:schemeClr val="lt1"/>
-          </a:fontRef>
-        </p:style>
-        <p:txBody>
-          <a:bodyPr rtlCol="0" anchor="ctr"/>
-          <a:lstStyle/>
-          <a:p>
-            <a:pPr algn="ctr"/>
-            <a:r>
-              <a:rPr lang="en-US" dirty="0"/>
-              <a:t>Hold [</a:t>
-            </a:r>
-            <a:r>
-              <a:rPr lang="en-US" dirty="0">
-                <a:solidFill>
-                  <a:schemeClr val="accent1"/>
-                </a:solidFill>
-              </a:rPr>
-              <a:t>SPACE</a:t>
-            </a:r>
-            <a:r>
-              <a:rPr lang="en-US" dirty="0"/>
-              <a:t>] button to gain power,</a:t>
-            </a:r>
-          </a:p>
-          <a:p>
-            <a:pPr algn="ctr"/>
-            <a:r>
-              <a:rPr lang="en-US" dirty="0"/>
-              <a:t>Release to </a:t>
-            </a:r>
-            <a:r>
-              <a:rPr lang="en-US" dirty="0">
-                <a:ln w="0"/>
-                <a:solidFill>
-                  <a:srgbClr val="C00000"/>
-                </a:solidFill>
-                <a:effectLst>
-                  <a:outerShdw blurRad="38100" dist="25400" dir="5400000" algn="ctr" rotWithShape="0">
-                    <a:srgbClr val="6E747A">
-                      <a:alpha val="43000"/>
-                    </a:srgbClr>
-                  </a:outerShdw>
-                </a:effectLst>
-              </a:rPr>
-              <a:t>Kick</a:t>
-            </a:r>
-            <a:r>
-              <a:rPr lang="en-US" dirty="0"/>
-              <a:t>!</a:t>
-            </a:r>
-          </a:p>
-        </p:txBody>
-      </p:sp>
-      <p:sp>
-        <p:nvSpPr>
-          <p:cNvPr id="7" name="Speech Bubble: Oval 6">
-            <a:extLst>
-              <a:ext uri="{FF2B5EF4-FFF2-40B4-BE49-F238E27FC236}">
-                <a16:creationId xmlns:a16="http://schemas.microsoft.com/office/drawing/2014/main" id="{DBB3C955-D511-4D07-A259-CEED86A5FF37}"/>
-              </a:ext>
-            </a:extLst>
-          </p:cNvPr>
-          <p:cNvSpPr/>
-          <p:nvPr/>
-        </p:nvSpPr>
-        <p:spPr>
-          <a:xfrm>
-            <a:off x="1891521" y="4788789"/>
-            <a:ext cx="2651904" cy="1385275"/>
-          </a:xfrm>
-          <a:prstGeom prst="wedgeEllipseCallout">
-            <a:avLst>
-              <a:gd name="adj1" fmla="val -55058"/>
-              <a:gd name="adj2" fmla="val 39470"/>
-            </a:avLst>
-          </a:prstGeom>
-        </p:spPr>
-        <p:style>
-          <a:lnRef idx="2">
-            <a:schemeClr val="accent1">
-              <a:shade val="50000"/>
-            </a:schemeClr>
-          </a:lnRef>
-          <a:fillRef idx="1">
-            <a:schemeClr val="accent1"/>
-          </a:fillRef>
-          <a:effectRef idx="0">
-            <a:schemeClr val="accent1"/>
-          </a:effectRef>
-          <a:fontRef idx="minor">
-            <a:schemeClr val="lt1"/>
-          </a:fontRef>
-        </p:style>
-        <p:txBody>
-          <a:bodyPr rtlCol="0" anchor="ctr"/>
-          <a:lstStyle/>
-          <a:p>
-            <a:pPr algn="ctr"/>
-            <a:r>
-              <a:rPr lang="en-US" altLang="zh-CN" dirty="0"/>
-              <a:t>Curled Free Kick:          1 or     + [</a:t>
-            </a:r>
-            <a:r>
-              <a:rPr lang="en-US" altLang="zh-CN" dirty="0">
-                <a:solidFill>
-                  <a:schemeClr val="accent4">
-                    <a:lumMod val="40000"/>
-                    <a:lumOff val="60000"/>
-                  </a:schemeClr>
-                </a:solidFill>
-              </a:rPr>
-              <a:t>SPACE</a:t>
-            </a:r>
-            <a:r>
-              <a:rPr lang="en-US" altLang="zh-CN" dirty="0"/>
-              <a:t>] </a:t>
-            </a:r>
-            <a:endParaRPr lang="en-US" dirty="0"/>
-          </a:p>
-        </p:txBody>
-      </p:sp>
-      <p:sp>
-        <p:nvSpPr>
-          <p:cNvPr id="8" name="Speech Bubble: Oval 7">
-            <a:extLst>
-              <a:ext uri="{FF2B5EF4-FFF2-40B4-BE49-F238E27FC236}">
-                <a16:creationId xmlns:a16="http://schemas.microsoft.com/office/drawing/2014/main" id="{A6F6A43E-B01B-4833-9B67-B86A4921E027}"/>
-              </a:ext>
-            </a:extLst>
-          </p:cNvPr>
-          <p:cNvSpPr/>
-          <p:nvPr/>
-        </p:nvSpPr>
-        <p:spPr>
-          <a:xfrm>
-            <a:off x="6971251" y="4144161"/>
-            <a:ext cx="2184543" cy="1493240"/>
-          </a:xfrm>
-          <a:prstGeom prst="wedgeEllipseCallout">
-            <a:avLst>
-              <a:gd name="adj1" fmla="val -47843"/>
-              <a:gd name="adj2" fmla="val 58006"/>
-            </a:avLst>
-          </a:prstGeom>
-        </p:spPr>
-        <p:style>
-          <a:lnRef idx="2">
-            <a:schemeClr val="accent6">
-              <a:shade val="50000"/>
-            </a:schemeClr>
-          </a:lnRef>
-          <a:fillRef idx="1">
-            <a:schemeClr val="accent6"/>
-          </a:fillRef>
-          <a:effectRef idx="0">
-            <a:schemeClr val="accent6"/>
-          </a:effectRef>
-          <a:fontRef idx="minor">
-            <a:schemeClr val="lt1"/>
-          </a:fontRef>
-        </p:style>
-        <p:txBody>
-          <a:bodyPr rtlCol="0" anchor="ctr"/>
-          <a:lstStyle/>
-          <a:p>
-            <a:pPr algn="ctr"/>
-            <a:r>
-              <a:rPr lang="en-US" dirty="0"/>
-              <a:t>Use               to change your direction</a:t>
-            </a:r>
-          </a:p>
-        </p:txBody>
-      </p:sp>
-      <p:sp>
-        <p:nvSpPr>
-          <p:cNvPr id="9" name="Speech Bubble: Oval 8">
-            <a:extLst>
-              <a:ext uri="{FF2B5EF4-FFF2-40B4-BE49-F238E27FC236}">
-                <a16:creationId xmlns:a16="http://schemas.microsoft.com/office/drawing/2014/main" id="{3AA3E671-AFA4-4C24-8742-78264E3007B1}"/>
-              </a:ext>
-            </a:extLst>
-          </p:cNvPr>
-          <p:cNvSpPr/>
-          <p:nvPr/>
-        </p:nvSpPr>
-        <p:spPr>
-          <a:xfrm>
-            <a:off x="6171538" y="969063"/>
-            <a:ext cx="1795244" cy="1258349"/>
-          </a:xfrm>
-          <a:prstGeom prst="wedgeEllipseCallout">
-            <a:avLst>
-              <a:gd name="adj1" fmla="val -29546"/>
-              <a:gd name="adj2" fmla="val 65368"/>
-            </a:avLst>
-          </a:prstGeom>
-        </p:spPr>
-        <p:style>
-          <a:lnRef idx="2">
-            <a:schemeClr val="accent2">
-              <a:shade val="50000"/>
-            </a:schemeClr>
-          </a:lnRef>
-          <a:fillRef idx="1">
-            <a:schemeClr val="accent2"/>
-          </a:fillRef>
-          <a:effectRef idx="0">
-            <a:schemeClr val="accent2"/>
-          </a:effectRef>
-          <a:fontRef idx="minor">
-            <a:schemeClr val="lt1"/>
-          </a:fontRef>
-        </p:style>
-        <p:txBody>
-          <a:bodyPr rtlCol="0" anchor="ctr"/>
-          <a:lstStyle/>
-          <a:p>
-            <a:pPr algn="ctr"/>
-            <a:r>
-              <a:rPr lang="en-US" dirty="0"/>
-              <a:t>Try to </a:t>
-            </a:r>
-            <a:r>
-              <a:rPr lang="en-US" dirty="0">
-                <a:solidFill>
-                  <a:schemeClr val="accent4">
-                    <a:lumMod val="40000"/>
-                    <a:lumOff val="60000"/>
-                  </a:schemeClr>
-                </a:solidFill>
-              </a:rPr>
-              <a:t>GOAL </a:t>
-            </a:r>
-            <a:r>
-              <a:rPr lang="en-US" dirty="0"/>
-              <a:t>!</a:t>
-            </a:r>
-          </a:p>
-        </p:txBody>
-      </p:sp>
-      <p:pic>
-        <p:nvPicPr>
-          <p:cNvPr id="10" name="Picture 9">
-            <a:extLst>
-              <a:ext uri="{FF2B5EF4-FFF2-40B4-BE49-F238E27FC236}">
-                <a16:creationId xmlns:a16="http://schemas.microsoft.com/office/drawing/2014/main" id="{3C75BCDD-1993-48F3-AC2C-B86C32F1A239}"/>
-              </a:ext>
-            </a:extLst>
-          </p:cNvPr>
-          <p:cNvPicPr>
-            <a:picLocks noChangeAspect="1"/>
-          </p:cNvPicPr>
-          <p:nvPr/>
-        </p:nvPicPr>
-        <p:blipFill>
-          <a:blip r:embed="rId3">
-            <a:extLst>
-              <a:ext uri="{28A0092B-C50C-407E-A947-70E740481C1C}">
-                <a14:useLocalDpi xmlns:a14="http://schemas.microsoft.com/office/drawing/2010/main" val="0"/>
-              </a:ext>
-            </a:extLst>
-          </a:blip>
-          <a:stretch>
-            <a:fillRect/>
-          </a:stretch>
-        </p:blipFill>
-        <p:spPr>
-          <a:xfrm>
-            <a:off x="7810753" y="4284157"/>
-            <a:ext cx="690149" cy="471879"/>
-          </a:xfrm>
-          <a:prstGeom prst="rect">
-            <a:avLst/>
-          </a:prstGeom>
-        </p:spPr>
-      </p:pic>
-      <p:pic>
-        <p:nvPicPr>
-          <p:cNvPr id="11" name="Picture 10">
-            <a:extLst>
-              <a:ext uri="{FF2B5EF4-FFF2-40B4-BE49-F238E27FC236}">
-                <a16:creationId xmlns:a16="http://schemas.microsoft.com/office/drawing/2014/main" id="{5C5BC73F-278D-4A02-A819-51C22BF58C2C}"/>
-              </a:ext>
-            </a:extLst>
-          </p:cNvPr>
-          <p:cNvPicPr>
-            <a:picLocks noChangeAspect="1"/>
-          </p:cNvPicPr>
-          <p:nvPr/>
-        </p:nvPicPr>
-        <p:blipFill rotWithShape="1">
-          <a:blip r:embed="rId3">
-            <a:extLst>
-              <a:ext uri="{28A0092B-C50C-407E-A947-70E740481C1C}">
-                <a14:useLocalDpi xmlns:a14="http://schemas.microsoft.com/office/drawing/2010/main" val="0"/>
-              </a:ext>
-            </a:extLst>
-          </a:blip>
-          <a:srcRect l="3321" t="49293" r="65057" b="-261"/>
-          <a:stretch/>
-        </p:blipFill>
-        <p:spPr>
-          <a:xfrm>
-            <a:off x="2367957" y="5519527"/>
-            <a:ext cx="218234" cy="240507"/>
-          </a:xfrm>
-          <a:prstGeom prst="rect">
-            <a:avLst/>
-          </a:prstGeom>
-        </p:spPr>
-      </p:pic>
-      <p:pic>
-        <p:nvPicPr>
-          <p:cNvPr id="13" name="Picture 12">
-            <a:extLst>
-              <a:ext uri="{FF2B5EF4-FFF2-40B4-BE49-F238E27FC236}">
-                <a16:creationId xmlns:a16="http://schemas.microsoft.com/office/drawing/2014/main" id="{6C181CCB-E48C-418A-BA35-2BA9EF70B808}"/>
-              </a:ext>
-            </a:extLst>
-          </p:cNvPr>
-          <p:cNvPicPr>
-            <a:picLocks noChangeAspect="1"/>
-          </p:cNvPicPr>
-          <p:nvPr/>
-        </p:nvPicPr>
-        <p:blipFill rotWithShape="1">
-          <a:blip r:embed="rId3">
-            <a:extLst>
-              <a:ext uri="{28A0092B-C50C-407E-A947-70E740481C1C}">
-                <a14:useLocalDpi xmlns:a14="http://schemas.microsoft.com/office/drawing/2010/main" val="0"/>
-              </a:ext>
-            </a:extLst>
-          </a:blip>
-          <a:srcRect l="67318" t="50284" b="-242"/>
-          <a:stretch/>
-        </p:blipFill>
-        <p:spPr>
-          <a:xfrm>
-            <a:off x="2853803" y="5529052"/>
-            <a:ext cx="225553" cy="235745"/>
-          </a:xfrm>
-          <a:prstGeom prst="rect">
-            <a:avLst/>
-          </a:prstGeom>
-        </p:spPr>
-      </p:pic>
-    </p:spTree>
-    <p:extLst>
-      <p:ext uri="{BB962C8B-B14F-4D97-AF65-F5344CB8AC3E}">
-        <p14:creationId xmlns:p14="http://schemas.microsoft.com/office/powerpoint/2010/main" val="3713088353"/>
-      </p:ext>
-    </p:extLst>
-  </p:cSld>
-  <p:clrMapOvr>
-    <a:masterClrMapping/>
-  </p:clrMapOvr>
-</p:sld>
-</file>
-
-<file path=ppt/slides/slide3.xml><?xml version="1.0" encoding="utf-8"?>
-<p:sld xmlns:a="http://schemas.openxmlformats.org/drawingml/2006/main" xmlns:r="http://schemas.openxmlformats.org/officeDocument/2006/relationships" xmlns:p="http://schemas.openxmlformats.org/presentationml/2006/main">
-  <p:cSld>
-    <p:spTree>
-      <p:nvGrpSpPr>
-        <p:cNvPr id="1" name=""/>
-        <p:cNvGrpSpPr/>
-        <p:nvPr/>
-      </p:nvGrpSpPr>
-      <p:grpSpPr>
-        <a:xfrm>
-          <a:off x="0" y="0"/>
-          <a:ext cx="0" cy="0"/>
-          <a:chOff x="0" y="0"/>
-          <a:chExt cx="0" cy="0"/>
-        </a:xfrm>
-      </p:grpSpPr>
-      <p:pic>
-        <p:nvPicPr>
-          <p:cNvPr id="4" name="Picture 3">
-            <a:extLst>
-              <a:ext uri="{FF2B5EF4-FFF2-40B4-BE49-F238E27FC236}">
-                <a16:creationId xmlns:a16="http://schemas.microsoft.com/office/drawing/2014/main" id="{8D332E75-4344-4953-AAB1-DA316602C90C}"/>
-              </a:ext>
-            </a:extLst>
-          </p:cNvPr>
-          <p:cNvPicPr>
-            <a:picLocks noChangeAspect="1"/>
-          </p:cNvPicPr>
-          <p:nvPr/>
-        </p:nvPicPr>
-        <p:blipFill>
-          <a:blip r:embed="rId2"/>
-          <a:stretch>
-            <a:fillRect/>
-          </a:stretch>
-        </p:blipFill>
-        <p:spPr>
-          <a:xfrm>
-            <a:off x="90007" y="0"/>
-            <a:ext cx="12039600" cy="6781800"/>
-          </a:xfrm>
-          <a:prstGeom prst="rect">
-            <a:avLst/>
-          </a:prstGeom>
-          <a:solidFill>
-            <a:srgbClr val="FFFFFF">
-              <a:shade val="85000"/>
-            </a:srgbClr>
-          </a:solidFill>
-          <a:ln w="190500" cap="rnd">
-            <a:solidFill>
-              <a:srgbClr val="FFFFFF"/>
-            </a:solidFill>
-          </a:ln>
-          <a:effectLst>
-            <a:outerShdw blurRad="50000" algn="tl" rotWithShape="0">
-              <a:srgbClr val="000000">
-                <a:alpha val="41000"/>
-              </a:srgbClr>
-            </a:outerShdw>
-          </a:effectLst>
-          <a:scene3d>
-            <a:camera prst="orthographicFront"/>
-            <a:lightRig rig="twoPt" dir="t">
-              <a:rot lat="0" lon="0" rev="7800000"/>
-            </a:lightRig>
-          </a:scene3d>
-          <a:sp3d contourW="6350">
-            <a:bevelT w="50800" h="16510"/>
-            <a:contourClr>
-              <a:srgbClr val="C0C0C0"/>
-            </a:contourClr>
-          </a:sp3d>
-        </p:spPr>
-      </p:pic>
-      <p:sp>
-        <p:nvSpPr>
-          <p:cNvPr id="6" name="Speech Bubble: Oval 5">
-            <a:extLst>
-              <a:ext uri="{FF2B5EF4-FFF2-40B4-BE49-F238E27FC236}">
-                <a16:creationId xmlns:a16="http://schemas.microsoft.com/office/drawing/2014/main" id="{D7B468E9-75B6-4E39-A180-AA72DC3F0768}"/>
-              </a:ext>
-            </a:extLst>
-          </p:cNvPr>
-          <p:cNvSpPr/>
-          <p:nvPr/>
-        </p:nvSpPr>
-        <p:spPr>
-          <a:xfrm>
-            <a:off x="811635" y="2348918"/>
-            <a:ext cx="2004969" cy="2231085"/>
-          </a:xfrm>
-          <a:prstGeom prst="wedgeEllipseCallout">
-            <a:avLst/>
-          </a:prstGeom>
-        </p:spPr>
-        <p:style>
-          <a:lnRef idx="0">
-            <a:schemeClr val="accent4"/>
-          </a:lnRef>
-          <a:fillRef idx="3">
-            <a:schemeClr val="accent4"/>
-          </a:fillRef>
-          <a:effectRef idx="3">
-            <a:schemeClr val="accent4"/>
-          </a:effectRef>
-          <a:fontRef idx="minor">
-            <a:schemeClr val="lt1"/>
-          </a:fontRef>
-        </p:style>
-        <p:txBody>
-          <a:bodyPr rtlCol="0" anchor="ctr"/>
-          <a:lstStyle/>
-          <a:p>
-            <a:pPr algn="ctr"/>
-            <a:r>
-              <a:rPr lang="en-US" dirty="0"/>
-              <a:t>Hold [</a:t>
-            </a:r>
-            <a:r>
-              <a:rPr lang="en-US" dirty="0">
-                <a:solidFill>
-                  <a:schemeClr val="accent1"/>
-                </a:solidFill>
-              </a:rPr>
-              <a:t>SPACE</a:t>
-            </a:r>
-            <a:r>
-              <a:rPr lang="en-US" dirty="0"/>
-              <a:t>] button to gain power,</a:t>
-            </a:r>
-          </a:p>
-          <a:p>
-            <a:pPr algn="ctr"/>
-            <a:r>
-              <a:rPr lang="en-US" dirty="0"/>
-              <a:t>Release to </a:t>
-            </a:r>
-            <a:r>
-              <a:rPr lang="en-US" dirty="0">
-                <a:ln w="0"/>
-                <a:solidFill>
-                  <a:srgbClr val="C00000"/>
-                </a:solidFill>
-                <a:effectLst>
-                  <a:outerShdw blurRad="38100" dist="25400" dir="5400000" algn="ctr" rotWithShape="0">
-                    <a:srgbClr val="6E747A">
-                      <a:alpha val="43000"/>
-                    </a:srgbClr>
-                  </a:outerShdw>
-                </a:effectLst>
-              </a:rPr>
-              <a:t>FIRE</a:t>
-            </a:r>
-            <a:r>
-              <a:rPr lang="en-US" dirty="0"/>
-              <a:t>!</a:t>
-            </a:r>
-          </a:p>
-        </p:txBody>
-      </p:sp>
-      <p:sp>
-        <p:nvSpPr>
-          <p:cNvPr id="8" name="Speech Bubble: Oval 7">
-            <a:extLst>
-              <a:ext uri="{FF2B5EF4-FFF2-40B4-BE49-F238E27FC236}">
-                <a16:creationId xmlns:a16="http://schemas.microsoft.com/office/drawing/2014/main" id="{A6F6A43E-B01B-4833-9B67-B86A4921E027}"/>
-              </a:ext>
-            </a:extLst>
-          </p:cNvPr>
-          <p:cNvSpPr/>
-          <p:nvPr/>
-        </p:nvSpPr>
-        <p:spPr>
-          <a:xfrm>
-            <a:off x="7348756" y="3556933"/>
-            <a:ext cx="2184543" cy="1493240"/>
-          </a:xfrm>
-          <a:prstGeom prst="wedgeEllipseCallout">
-            <a:avLst>
-              <a:gd name="adj1" fmla="val -47843"/>
-              <a:gd name="adj2" fmla="val 58006"/>
-            </a:avLst>
-          </a:prstGeom>
-        </p:spPr>
-        <p:style>
-          <a:lnRef idx="2">
-            <a:schemeClr val="accent6">
-              <a:shade val="50000"/>
-            </a:schemeClr>
-          </a:lnRef>
-          <a:fillRef idx="1">
-            <a:schemeClr val="accent6"/>
-          </a:fillRef>
-          <a:effectRef idx="0">
-            <a:schemeClr val="accent6"/>
-          </a:effectRef>
-          <a:fontRef idx="minor">
-            <a:schemeClr val="lt1"/>
-          </a:fontRef>
-        </p:style>
-        <p:txBody>
-          <a:bodyPr rtlCol="0" anchor="ctr"/>
-          <a:lstStyle/>
-          <a:p>
-            <a:pPr algn="ctr"/>
-            <a:r>
-              <a:rPr lang="en-US" dirty="0"/>
-              <a:t>Use               to rotate your cannon</a:t>
-            </a:r>
-          </a:p>
-        </p:txBody>
-      </p:sp>
-      <p:sp>
-        <p:nvSpPr>
-          <p:cNvPr id="9" name="Speech Bubble: Oval 8">
-            <a:extLst>
-              <a:ext uri="{FF2B5EF4-FFF2-40B4-BE49-F238E27FC236}">
-                <a16:creationId xmlns:a16="http://schemas.microsoft.com/office/drawing/2014/main" id="{3AA3E671-AFA4-4C24-8742-78264E3007B1}"/>
-              </a:ext>
-            </a:extLst>
-          </p:cNvPr>
-          <p:cNvSpPr/>
-          <p:nvPr/>
-        </p:nvSpPr>
-        <p:spPr>
-          <a:xfrm>
-            <a:off x="6301075" y="1090569"/>
-            <a:ext cx="2489812" cy="1258349"/>
-          </a:xfrm>
-          <a:prstGeom prst="wedgeEllipseCallout">
-            <a:avLst/>
-          </a:prstGeom>
-        </p:spPr>
-        <p:style>
-          <a:lnRef idx="2">
-            <a:schemeClr val="accent2">
-              <a:shade val="50000"/>
-            </a:schemeClr>
-          </a:lnRef>
-          <a:fillRef idx="1">
-            <a:schemeClr val="accent2"/>
-          </a:fillRef>
-          <a:effectRef idx="0">
-            <a:schemeClr val="accent2"/>
-          </a:effectRef>
-          <a:fontRef idx="minor">
-            <a:schemeClr val="lt1"/>
-          </a:fontRef>
-        </p:style>
-        <p:txBody>
-          <a:bodyPr rtlCol="0" anchor="ctr"/>
-          <a:lstStyle/>
-          <a:p>
-            <a:pPr algn="ctr"/>
-            <a:r>
-              <a:rPr lang="en-US" dirty="0"/>
-              <a:t>VR Player will try to bounce balls into baskets</a:t>
-            </a:r>
-          </a:p>
-        </p:txBody>
-      </p:sp>
-      <p:pic>
-        <p:nvPicPr>
-          <p:cNvPr id="11" name="Picture 10">
-            <a:extLst>
-              <a:ext uri="{FF2B5EF4-FFF2-40B4-BE49-F238E27FC236}">
-                <a16:creationId xmlns:a16="http://schemas.microsoft.com/office/drawing/2014/main" id="{81B7826F-AB7D-47BF-9014-F4D0DA3E2762}"/>
-              </a:ext>
-            </a:extLst>
-          </p:cNvPr>
-          <p:cNvPicPr>
-            <a:picLocks noChangeAspect="1"/>
-          </p:cNvPicPr>
-          <p:nvPr/>
-        </p:nvPicPr>
-        <p:blipFill rotWithShape="1">
-          <a:blip r:embed="rId3">
-            <a:extLst>
-              <a:ext uri="{28A0092B-C50C-407E-A947-70E740481C1C}">
-                <a14:useLocalDpi xmlns:a14="http://schemas.microsoft.com/office/drawing/2010/main" val="0"/>
-              </a:ext>
-            </a:extLst>
-          </a:blip>
-          <a:srcRect l="3321" t="49293" r="65057" b="-261"/>
-          <a:stretch/>
-        </p:blipFill>
-        <p:spPr>
-          <a:xfrm>
-            <a:off x="8255760" y="3914671"/>
-            <a:ext cx="218234" cy="240507"/>
-          </a:xfrm>
-          <a:prstGeom prst="rect">
-            <a:avLst/>
-          </a:prstGeom>
-        </p:spPr>
-      </p:pic>
-      <p:pic>
-        <p:nvPicPr>
-          <p:cNvPr id="12" name="Picture 11">
-            <a:extLst>
-              <a:ext uri="{FF2B5EF4-FFF2-40B4-BE49-F238E27FC236}">
-                <a16:creationId xmlns:a16="http://schemas.microsoft.com/office/drawing/2014/main" id="{7938E39F-13FE-47DA-9992-697863805168}"/>
-              </a:ext>
-            </a:extLst>
-          </p:cNvPr>
-          <p:cNvPicPr>
-            <a:picLocks noChangeAspect="1"/>
-          </p:cNvPicPr>
-          <p:nvPr/>
-        </p:nvPicPr>
-        <p:blipFill rotWithShape="1">
-          <a:blip r:embed="rId3">
-            <a:extLst>
-              <a:ext uri="{28A0092B-C50C-407E-A947-70E740481C1C}">
-                <a14:useLocalDpi xmlns:a14="http://schemas.microsoft.com/office/drawing/2010/main" val="0"/>
-              </a:ext>
-            </a:extLst>
-          </a:blip>
-          <a:srcRect l="67318" t="50284" b="-242"/>
-          <a:stretch/>
-        </p:blipFill>
-        <p:spPr>
-          <a:xfrm>
-            <a:off x="8565334" y="3913179"/>
-            <a:ext cx="225553" cy="235745"/>
-          </a:xfrm>
-          <a:prstGeom prst="rect">
-            <a:avLst/>
-          </a:prstGeom>
-        </p:spPr>
-      </p:pic>
-    </p:spTree>
-    <p:extLst>
-      <p:ext uri="{BB962C8B-B14F-4D97-AF65-F5344CB8AC3E}">
-        <p14:creationId xmlns:p14="http://schemas.microsoft.com/office/powerpoint/2010/main" val="1036677806"/>
-      </p:ext>
-    </p:extLst>
-  </p:cSld>
-  <p:clrMapOvr>
-    <a:masterClrMapping/>
-  </p:clrMapOvr>
-</p:sld>
-</file>
-
-<file path=ppt/slides/slide4.xml><?xml version="1.0" encoding="utf-8"?>
+<file path=ppt/slides/slide10.xml><?xml version="1.0" encoding="utf-8"?>
 <p:sld xmlns:a="http://schemas.openxmlformats.org/drawingml/2006/main" xmlns:r="http://schemas.openxmlformats.org/officeDocument/2006/relationships" xmlns:p="http://schemas.openxmlformats.org/presentationml/2006/main">
   <p:cSld>
     <p:spTree>
@@ -6581,7 +5675,7 @@
 </p:sld>
 </file>
 
-<file path=ppt/slides/slide5.xml><?xml version="1.0" encoding="utf-8"?>
+<file path=ppt/slides/slide11.xml><?xml version="1.0" encoding="utf-8"?>
 <p:sld xmlns:a="http://schemas.openxmlformats.org/drawingml/2006/main" xmlns:r="http://schemas.openxmlformats.org/officeDocument/2006/relationships" xmlns:p="http://schemas.openxmlformats.org/presentationml/2006/main">
   <p:cSld>
     <p:spTree>
@@ -7417,6 +6511,1959 @@
 </p:sld>
 </file>
 
+<file path=ppt/slides/slide12.xml><?xml version="1.0" encoding="utf-8"?>
+<p:sld xmlns:a="http://schemas.openxmlformats.org/drawingml/2006/main" xmlns:r="http://schemas.openxmlformats.org/officeDocument/2006/relationships" xmlns:p="http://schemas.openxmlformats.org/presentationml/2006/main">
+  <p:cSld>
+    <p:spTree>
+      <p:nvGrpSpPr>
+        <p:cNvPr id="1" name=""/>
+        <p:cNvGrpSpPr/>
+        <p:nvPr/>
+      </p:nvGrpSpPr>
+      <p:grpSpPr>
+        <a:xfrm>
+          <a:off x="0" y="0"/>
+          <a:ext cx="0" cy="0"/>
+          <a:chOff x="0" y="0"/>
+          <a:chExt cx="0" cy="0"/>
+        </a:xfrm>
+      </p:grpSpPr>
+      <p:sp>
+        <p:nvSpPr>
+          <p:cNvPr id="4" name="Rectangle: Rounded Corners 3">
+            <a:extLst>
+              <a:ext uri="{FF2B5EF4-FFF2-40B4-BE49-F238E27FC236}">
+                <a16:creationId xmlns:a16="http://schemas.microsoft.com/office/drawing/2014/main" id="{F500E192-E6D3-4F1A-9BDC-F956845C6C00}"/>
+              </a:ext>
+            </a:extLst>
+          </p:cNvPr>
+          <p:cNvSpPr/>
+          <p:nvPr/>
+        </p:nvSpPr>
+        <p:spPr>
+          <a:xfrm>
+            <a:off x="1143000" y="1295400"/>
+            <a:ext cx="1371600" cy="695325"/>
+          </a:xfrm>
+          <a:prstGeom prst="roundRect">
+            <a:avLst/>
+          </a:prstGeom>
+        </p:spPr>
+        <p:style>
+          <a:lnRef idx="2">
+            <a:schemeClr val="accent1">
+              <a:shade val="50000"/>
+            </a:schemeClr>
+          </a:lnRef>
+          <a:fillRef idx="1">
+            <a:schemeClr val="accent1"/>
+          </a:fillRef>
+          <a:effectRef idx="0">
+            <a:schemeClr val="accent1"/>
+          </a:effectRef>
+          <a:fontRef idx="minor">
+            <a:schemeClr val="lt1"/>
+          </a:fontRef>
+        </p:style>
+        <p:txBody>
+          <a:bodyPr rtlCol="0" anchor="ctr"/>
+          <a:lstStyle/>
+          <a:p>
+            <a:pPr algn="ctr"/>
+            <a:r>
+              <a:rPr lang="en-US" dirty="0"/>
+              <a:t>Main Menu</a:t>
+            </a:r>
+          </a:p>
+        </p:txBody>
+      </p:sp>
+      <p:sp>
+        <p:nvSpPr>
+          <p:cNvPr id="5" name="Rectangle: Rounded Corners 4">
+            <a:extLst>
+              <a:ext uri="{FF2B5EF4-FFF2-40B4-BE49-F238E27FC236}">
+                <a16:creationId xmlns:a16="http://schemas.microsoft.com/office/drawing/2014/main" id="{FD4CC2BB-F994-4544-B0F8-A4DEE5849564}"/>
+              </a:ext>
+            </a:extLst>
+          </p:cNvPr>
+          <p:cNvSpPr/>
+          <p:nvPr/>
+        </p:nvSpPr>
+        <p:spPr>
+          <a:xfrm>
+            <a:off x="4076700" y="428625"/>
+            <a:ext cx="1371600" cy="695325"/>
+          </a:xfrm>
+          <a:prstGeom prst="roundRect">
+            <a:avLst/>
+          </a:prstGeom>
+        </p:spPr>
+        <p:style>
+          <a:lnRef idx="2">
+            <a:schemeClr val="accent1">
+              <a:shade val="50000"/>
+            </a:schemeClr>
+          </a:lnRef>
+          <a:fillRef idx="1">
+            <a:schemeClr val="accent1"/>
+          </a:fillRef>
+          <a:effectRef idx="0">
+            <a:schemeClr val="accent1"/>
+          </a:effectRef>
+          <a:fontRef idx="minor">
+            <a:schemeClr val="lt1"/>
+          </a:fontRef>
+        </p:style>
+        <p:txBody>
+          <a:bodyPr rtlCol="0" anchor="ctr"/>
+          <a:lstStyle/>
+          <a:p>
+            <a:pPr algn="ctr"/>
+            <a:r>
+              <a:rPr lang="en-US" dirty="0"/>
+              <a:t>VR Ready</a:t>
+            </a:r>
+          </a:p>
+        </p:txBody>
+      </p:sp>
+      <p:sp>
+        <p:nvSpPr>
+          <p:cNvPr id="6" name="Rectangle: Rounded Corners 5">
+            <a:extLst>
+              <a:ext uri="{FF2B5EF4-FFF2-40B4-BE49-F238E27FC236}">
+                <a16:creationId xmlns:a16="http://schemas.microsoft.com/office/drawing/2014/main" id="{986DA670-EA69-495D-BB71-52C7A5959F87}"/>
+              </a:ext>
+            </a:extLst>
+          </p:cNvPr>
+          <p:cNvSpPr/>
+          <p:nvPr/>
+        </p:nvSpPr>
+        <p:spPr>
+          <a:xfrm>
+            <a:off x="4076700" y="1990725"/>
+            <a:ext cx="1371600" cy="695325"/>
+          </a:xfrm>
+          <a:prstGeom prst="roundRect">
+            <a:avLst/>
+          </a:prstGeom>
+        </p:spPr>
+        <p:style>
+          <a:lnRef idx="2">
+            <a:schemeClr val="accent1">
+              <a:shade val="50000"/>
+            </a:schemeClr>
+          </a:lnRef>
+          <a:fillRef idx="1">
+            <a:schemeClr val="accent1"/>
+          </a:fillRef>
+          <a:effectRef idx="0">
+            <a:schemeClr val="accent1"/>
+          </a:effectRef>
+          <a:fontRef idx="minor">
+            <a:schemeClr val="lt1"/>
+          </a:fontRef>
+        </p:style>
+        <p:txBody>
+          <a:bodyPr rtlCol="0" anchor="ctr"/>
+          <a:lstStyle/>
+          <a:p>
+            <a:pPr algn="ctr"/>
+            <a:r>
+              <a:rPr lang="en-US" dirty="0"/>
+              <a:t>PC Ready</a:t>
+            </a:r>
+          </a:p>
+        </p:txBody>
+      </p:sp>
+      <p:pic>
+        <p:nvPicPr>
+          <p:cNvPr id="3" name="Graphic 2" descr="Shopping basket">
+            <a:extLst>
+              <a:ext uri="{FF2B5EF4-FFF2-40B4-BE49-F238E27FC236}">
+                <a16:creationId xmlns:a16="http://schemas.microsoft.com/office/drawing/2014/main" id="{CE749108-181A-4E65-B2F5-BC021361DA71}"/>
+              </a:ext>
+            </a:extLst>
+          </p:cNvPr>
+          <p:cNvPicPr>
+            <a:picLocks noChangeAspect="1"/>
+          </p:cNvPicPr>
+          <p:nvPr/>
+        </p:nvPicPr>
+        <p:blipFill>
+          <a:blip r:embed="rId2">
+            <a:extLst>
+              <a:ext uri="{28A0092B-C50C-407E-A947-70E740481C1C}">
+                <a14:useLocalDpi xmlns:a14="http://schemas.microsoft.com/office/drawing/2010/main" val="0"/>
+              </a:ext>
+              <a:ext uri="{96DAC541-7B7A-43D3-8B79-37D633B846F1}">
+                <asvg:svgBlip xmlns:asvg="http://schemas.microsoft.com/office/drawing/2016/SVG/main" r:embed="rId3"/>
+              </a:ext>
+            </a:extLst>
+          </a:blip>
+          <a:stretch>
+            <a:fillRect/>
+          </a:stretch>
+        </p:blipFill>
+        <p:spPr>
+          <a:xfrm>
+            <a:off x="2057400" y="3291289"/>
+            <a:ext cx="914400" cy="914400"/>
+          </a:xfrm>
+          <a:prstGeom prst="rect">
+            <a:avLst/>
+          </a:prstGeom>
+        </p:spPr>
+      </p:pic>
+    </p:spTree>
+    <p:extLst>
+      <p:ext uri="{BB962C8B-B14F-4D97-AF65-F5344CB8AC3E}">
+        <p14:creationId xmlns:p14="http://schemas.microsoft.com/office/powerpoint/2010/main" val="911005846"/>
+      </p:ext>
+    </p:extLst>
+  </p:cSld>
+  <p:clrMapOvr>
+    <a:masterClrMapping/>
+  </p:clrMapOvr>
+</p:sld>
+</file>
+
+<file path=ppt/slides/slide2.xml><?xml version="1.0" encoding="utf-8"?>
+<p:sld xmlns:a="http://schemas.openxmlformats.org/drawingml/2006/main" xmlns:r="http://schemas.openxmlformats.org/officeDocument/2006/relationships" xmlns:p="http://schemas.openxmlformats.org/presentationml/2006/main">
+  <p:cSld>
+    <p:spTree>
+      <p:nvGrpSpPr>
+        <p:cNvPr id="1" name=""/>
+        <p:cNvGrpSpPr/>
+        <p:nvPr/>
+      </p:nvGrpSpPr>
+      <p:grpSpPr>
+        <a:xfrm>
+          <a:off x="0" y="0"/>
+          <a:ext cx="0" cy="0"/>
+          <a:chOff x="0" y="0"/>
+          <a:chExt cx="0" cy="0"/>
+        </a:xfrm>
+      </p:grpSpPr>
+      <p:pic>
+        <p:nvPicPr>
+          <p:cNvPr id="12" name="Picture 11">
+            <a:extLst>
+              <a:ext uri="{FF2B5EF4-FFF2-40B4-BE49-F238E27FC236}">
+                <a16:creationId xmlns:a16="http://schemas.microsoft.com/office/drawing/2014/main" id="{042088CF-324E-4EB2-80FE-FD648BBC3EA7}"/>
+              </a:ext>
+            </a:extLst>
+          </p:cNvPr>
+          <p:cNvPicPr>
+            <a:picLocks noChangeAspect="1"/>
+          </p:cNvPicPr>
+          <p:nvPr/>
+        </p:nvPicPr>
+        <p:blipFill>
+          <a:blip r:embed="rId2">
+            <a:extLst>
+              <a:ext uri="{28A0092B-C50C-407E-A947-70E740481C1C}">
+                <a14:useLocalDpi xmlns:a14="http://schemas.microsoft.com/office/drawing/2010/main" val="0"/>
+              </a:ext>
+            </a:extLst>
+          </a:blip>
+          <a:stretch>
+            <a:fillRect/>
+          </a:stretch>
+        </p:blipFill>
+        <p:spPr>
+          <a:xfrm>
+            <a:off x="184558" y="310664"/>
+            <a:ext cx="12192759" cy="6852492"/>
+          </a:xfrm>
+          <a:prstGeom prst="rect">
+            <a:avLst/>
+          </a:prstGeom>
+          <a:solidFill>
+            <a:srgbClr val="FFFFFF">
+              <a:shade val="85000"/>
+            </a:srgbClr>
+          </a:solidFill>
+          <a:ln w="190500" cap="rnd">
+            <a:solidFill>
+              <a:srgbClr val="FFFFFF"/>
+            </a:solidFill>
+          </a:ln>
+          <a:effectLst>
+            <a:outerShdw blurRad="50000" algn="tl" rotWithShape="0">
+              <a:srgbClr val="000000">
+                <a:alpha val="41000"/>
+              </a:srgbClr>
+            </a:outerShdw>
+          </a:effectLst>
+          <a:scene3d>
+            <a:camera prst="orthographicFront"/>
+            <a:lightRig rig="twoPt" dir="t">
+              <a:rot lat="0" lon="0" rev="7800000"/>
+            </a:lightRig>
+          </a:scene3d>
+          <a:sp3d contourW="6350">
+            <a:bevelT w="50800" h="16510"/>
+            <a:contourClr>
+              <a:srgbClr val="C0C0C0"/>
+            </a:contourClr>
+          </a:sp3d>
+        </p:spPr>
+      </p:pic>
+      <p:sp>
+        <p:nvSpPr>
+          <p:cNvPr id="6" name="Speech Bubble: Oval 5">
+            <a:extLst>
+              <a:ext uri="{FF2B5EF4-FFF2-40B4-BE49-F238E27FC236}">
+                <a16:creationId xmlns:a16="http://schemas.microsoft.com/office/drawing/2014/main" id="{D7B468E9-75B6-4E39-A180-AA72DC3F0768}"/>
+              </a:ext>
+            </a:extLst>
+          </p:cNvPr>
+          <p:cNvSpPr/>
+          <p:nvPr/>
+        </p:nvSpPr>
+        <p:spPr>
+          <a:xfrm>
+            <a:off x="813634" y="2621367"/>
+            <a:ext cx="2004969" cy="2231085"/>
+          </a:xfrm>
+          <a:prstGeom prst="wedgeEllipseCallout">
+            <a:avLst/>
+          </a:prstGeom>
+        </p:spPr>
+        <p:style>
+          <a:lnRef idx="0">
+            <a:schemeClr val="accent4"/>
+          </a:lnRef>
+          <a:fillRef idx="3">
+            <a:schemeClr val="accent4"/>
+          </a:fillRef>
+          <a:effectRef idx="3">
+            <a:schemeClr val="accent4"/>
+          </a:effectRef>
+          <a:fontRef idx="minor">
+            <a:schemeClr val="lt1"/>
+          </a:fontRef>
+        </p:style>
+        <p:txBody>
+          <a:bodyPr rtlCol="0" anchor="ctr"/>
+          <a:lstStyle/>
+          <a:p>
+            <a:pPr algn="ctr"/>
+            <a:r>
+              <a:rPr lang="en-US" dirty="0"/>
+              <a:t>Hold [</a:t>
+            </a:r>
+            <a:r>
+              <a:rPr lang="en-US" dirty="0">
+                <a:solidFill>
+                  <a:schemeClr val="accent1"/>
+                </a:solidFill>
+              </a:rPr>
+              <a:t>SPACE</a:t>
+            </a:r>
+            <a:r>
+              <a:rPr lang="en-US" dirty="0"/>
+              <a:t>] button to gain power,</a:t>
+            </a:r>
+          </a:p>
+          <a:p>
+            <a:pPr algn="ctr"/>
+            <a:r>
+              <a:rPr lang="en-US" dirty="0"/>
+              <a:t>Release to </a:t>
+            </a:r>
+            <a:r>
+              <a:rPr lang="en-US" dirty="0">
+                <a:ln w="0"/>
+                <a:solidFill>
+                  <a:srgbClr val="C00000"/>
+                </a:solidFill>
+                <a:effectLst>
+                  <a:outerShdw blurRad="38100" dist="25400" dir="5400000" algn="ctr" rotWithShape="0">
+                    <a:srgbClr val="6E747A">
+                      <a:alpha val="43000"/>
+                    </a:srgbClr>
+                  </a:outerShdw>
+                </a:effectLst>
+              </a:rPr>
+              <a:t>Kick</a:t>
+            </a:r>
+            <a:r>
+              <a:rPr lang="en-US" dirty="0"/>
+              <a:t>!</a:t>
+            </a:r>
+          </a:p>
+        </p:txBody>
+      </p:sp>
+      <p:sp>
+        <p:nvSpPr>
+          <p:cNvPr id="7" name="Speech Bubble: Oval 6">
+            <a:extLst>
+              <a:ext uri="{FF2B5EF4-FFF2-40B4-BE49-F238E27FC236}">
+                <a16:creationId xmlns:a16="http://schemas.microsoft.com/office/drawing/2014/main" id="{DBB3C955-D511-4D07-A259-CEED86A5FF37}"/>
+              </a:ext>
+            </a:extLst>
+          </p:cNvPr>
+          <p:cNvSpPr/>
+          <p:nvPr/>
+        </p:nvSpPr>
+        <p:spPr>
+          <a:xfrm>
+            <a:off x="1891521" y="4788789"/>
+            <a:ext cx="2651904" cy="1385275"/>
+          </a:xfrm>
+          <a:prstGeom prst="wedgeEllipseCallout">
+            <a:avLst>
+              <a:gd name="adj1" fmla="val -55058"/>
+              <a:gd name="adj2" fmla="val 39470"/>
+            </a:avLst>
+          </a:prstGeom>
+        </p:spPr>
+        <p:style>
+          <a:lnRef idx="2">
+            <a:schemeClr val="accent1">
+              <a:shade val="50000"/>
+            </a:schemeClr>
+          </a:lnRef>
+          <a:fillRef idx="1">
+            <a:schemeClr val="accent1"/>
+          </a:fillRef>
+          <a:effectRef idx="0">
+            <a:schemeClr val="accent1"/>
+          </a:effectRef>
+          <a:fontRef idx="minor">
+            <a:schemeClr val="lt1"/>
+          </a:fontRef>
+        </p:style>
+        <p:txBody>
+          <a:bodyPr rtlCol="0" anchor="ctr"/>
+          <a:lstStyle/>
+          <a:p>
+            <a:pPr algn="ctr"/>
+            <a:r>
+              <a:rPr lang="en-US" altLang="zh-CN" dirty="0"/>
+              <a:t>Curled Free Kick:          1 or     + [</a:t>
+            </a:r>
+            <a:r>
+              <a:rPr lang="en-US" altLang="zh-CN" dirty="0">
+                <a:solidFill>
+                  <a:schemeClr val="accent4">
+                    <a:lumMod val="40000"/>
+                    <a:lumOff val="60000"/>
+                  </a:schemeClr>
+                </a:solidFill>
+              </a:rPr>
+              <a:t>SPACE</a:t>
+            </a:r>
+            <a:r>
+              <a:rPr lang="en-US" altLang="zh-CN" dirty="0"/>
+              <a:t>] </a:t>
+            </a:r>
+            <a:endParaRPr lang="en-US" dirty="0"/>
+          </a:p>
+        </p:txBody>
+      </p:sp>
+      <p:sp>
+        <p:nvSpPr>
+          <p:cNvPr id="8" name="Speech Bubble: Oval 7">
+            <a:extLst>
+              <a:ext uri="{FF2B5EF4-FFF2-40B4-BE49-F238E27FC236}">
+                <a16:creationId xmlns:a16="http://schemas.microsoft.com/office/drawing/2014/main" id="{A6F6A43E-B01B-4833-9B67-B86A4921E027}"/>
+              </a:ext>
+            </a:extLst>
+          </p:cNvPr>
+          <p:cNvSpPr/>
+          <p:nvPr/>
+        </p:nvSpPr>
+        <p:spPr>
+          <a:xfrm>
+            <a:off x="6971251" y="4144161"/>
+            <a:ext cx="2184543" cy="1493240"/>
+          </a:xfrm>
+          <a:prstGeom prst="wedgeEllipseCallout">
+            <a:avLst>
+              <a:gd name="adj1" fmla="val -47843"/>
+              <a:gd name="adj2" fmla="val 58006"/>
+            </a:avLst>
+          </a:prstGeom>
+        </p:spPr>
+        <p:style>
+          <a:lnRef idx="2">
+            <a:schemeClr val="accent6">
+              <a:shade val="50000"/>
+            </a:schemeClr>
+          </a:lnRef>
+          <a:fillRef idx="1">
+            <a:schemeClr val="accent6"/>
+          </a:fillRef>
+          <a:effectRef idx="0">
+            <a:schemeClr val="accent6"/>
+          </a:effectRef>
+          <a:fontRef idx="minor">
+            <a:schemeClr val="lt1"/>
+          </a:fontRef>
+        </p:style>
+        <p:txBody>
+          <a:bodyPr rtlCol="0" anchor="ctr"/>
+          <a:lstStyle/>
+          <a:p>
+            <a:pPr algn="ctr"/>
+            <a:r>
+              <a:rPr lang="en-US" dirty="0"/>
+              <a:t>Use               to change your direction</a:t>
+            </a:r>
+          </a:p>
+        </p:txBody>
+      </p:sp>
+      <p:sp>
+        <p:nvSpPr>
+          <p:cNvPr id="9" name="Speech Bubble: Oval 8">
+            <a:extLst>
+              <a:ext uri="{FF2B5EF4-FFF2-40B4-BE49-F238E27FC236}">
+                <a16:creationId xmlns:a16="http://schemas.microsoft.com/office/drawing/2014/main" id="{3AA3E671-AFA4-4C24-8742-78264E3007B1}"/>
+              </a:ext>
+            </a:extLst>
+          </p:cNvPr>
+          <p:cNvSpPr/>
+          <p:nvPr/>
+        </p:nvSpPr>
+        <p:spPr>
+          <a:xfrm>
+            <a:off x="6171538" y="969063"/>
+            <a:ext cx="1795244" cy="1258349"/>
+          </a:xfrm>
+          <a:prstGeom prst="wedgeEllipseCallout">
+            <a:avLst>
+              <a:gd name="adj1" fmla="val -29546"/>
+              <a:gd name="adj2" fmla="val 65368"/>
+            </a:avLst>
+          </a:prstGeom>
+        </p:spPr>
+        <p:style>
+          <a:lnRef idx="2">
+            <a:schemeClr val="accent2">
+              <a:shade val="50000"/>
+            </a:schemeClr>
+          </a:lnRef>
+          <a:fillRef idx="1">
+            <a:schemeClr val="accent2"/>
+          </a:fillRef>
+          <a:effectRef idx="0">
+            <a:schemeClr val="accent2"/>
+          </a:effectRef>
+          <a:fontRef idx="minor">
+            <a:schemeClr val="lt1"/>
+          </a:fontRef>
+        </p:style>
+        <p:txBody>
+          <a:bodyPr rtlCol="0" anchor="ctr"/>
+          <a:lstStyle/>
+          <a:p>
+            <a:pPr algn="ctr"/>
+            <a:r>
+              <a:rPr lang="en-US" dirty="0"/>
+              <a:t>Try to </a:t>
+            </a:r>
+            <a:r>
+              <a:rPr lang="en-US" dirty="0">
+                <a:solidFill>
+                  <a:schemeClr val="accent4">
+                    <a:lumMod val="40000"/>
+                    <a:lumOff val="60000"/>
+                  </a:schemeClr>
+                </a:solidFill>
+              </a:rPr>
+              <a:t>GOAL </a:t>
+            </a:r>
+            <a:r>
+              <a:rPr lang="en-US" dirty="0"/>
+              <a:t>!</a:t>
+            </a:r>
+          </a:p>
+        </p:txBody>
+      </p:sp>
+      <p:pic>
+        <p:nvPicPr>
+          <p:cNvPr id="10" name="Picture 9">
+            <a:extLst>
+              <a:ext uri="{FF2B5EF4-FFF2-40B4-BE49-F238E27FC236}">
+                <a16:creationId xmlns:a16="http://schemas.microsoft.com/office/drawing/2014/main" id="{3C75BCDD-1993-48F3-AC2C-B86C32F1A239}"/>
+              </a:ext>
+            </a:extLst>
+          </p:cNvPr>
+          <p:cNvPicPr>
+            <a:picLocks noChangeAspect="1"/>
+          </p:cNvPicPr>
+          <p:nvPr/>
+        </p:nvPicPr>
+        <p:blipFill>
+          <a:blip r:embed="rId3">
+            <a:extLst>
+              <a:ext uri="{28A0092B-C50C-407E-A947-70E740481C1C}">
+                <a14:useLocalDpi xmlns:a14="http://schemas.microsoft.com/office/drawing/2010/main" val="0"/>
+              </a:ext>
+            </a:extLst>
+          </a:blip>
+          <a:stretch>
+            <a:fillRect/>
+          </a:stretch>
+        </p:blipFill>
+        <p:spPr>
+          <a:xfrm>
+            <a:off x="7810753" y="4284157"/>
+            <a:ext cx="690149" cy="471879"/>
+          </a:xfrm>
+          <a:prstGeom prst="rect">
+            <a:avLst/>
+          </a:prstGeom>
+        </p:spPr>
+      </p:pic>
+      <p:pic>
+        <p:nvPicPr>
+          <p:cNvPr id="11" name="Picture 10">
+            <a:extLst>
+              <a:ext uri="{FF2B5EF4-FFF2-40B4-BE49-F238E27FC236}">
+                <a16:creationId xmlns:a16="http://schemas.microsoft.com/office/drawing/2014/main" id="{5C5BC73F-278D-4A02-A819-51C22BF58C2C}"/>
+              </a:ext>
+            </a:extLst>
+          </p:cNvPr>
+          <p:cNvPicPr>
+            <a:picLocks noChangeAspect="1"/>
+          </p:cNvPicPr>
+          <p:nvPr/>
+        </p:nvPicPr>
+        <p:blipFill rotWithShape="1">
+          <a:blip r:embed="rId3">
+            <a:extLst>
+              <a:ext uri="{28A0092B-C50C-407E-A947-70E740481C1C}">
+                <a14:useLocalDpi xmlns:a14="http://schemas.microsoft.com/office/drawing/2010/main" val="0"/>
+              </a:ext>
+            </a:extLst>
+          </a:blip>
+          <a:srcRect l="3321" t="49293" r="65057" b="-261"/>
+          <a:stretch/>
+        </p:blipFill>
+        <p:spPr>
+          <a:xfrm>
+            <a:off x="2367957" y="5519527"/>
+            <a:ext cx="218234" cy="240507"/>
+          </a:xfrm>
+          <a:prstGeom prst="rect">
+            <a:avLst/>
+          </a:prstGeom>
+        </p:spPr>
+      </p:pic>
+      <p:pic>
+        <p:nvPicPr>
+          <p:cNvPr id="13" name="Picture 12">
+            <a:extLst>
+              <a:ext uri="{FF2B5EF4-FFF2-40B4-BE49-F238E27FC236}">
+                <a16:creationId xmlns:a16="http://schemas.microsoft.com/office/drawing/2014/main" id="{6C181CCB-E48C-418A-BA35-2BA9EF70B808}"/>
+              </a:ext>
+            </a:extLst>
+          </p:cNvPr>
+          <p:cNvPicPr>
+            <a:picLocks noChangeAspect="1"/>
+          </p:cNvPicPr>
+          <p:nvPr/>
+        </p:nvPicPr>
+        <p:blipFill rotWithShape="1">
+          <a:blip r:embed="rId3">
+            <a:extLst>
+              <a:ext uri="{28A0092B-C50C-407E-A947-70E740481C1C}">
+                <a14:useLocalDpi xmlns:a14="http://schemas.microsoft.com/office/drawing/2010/main" val="0"/>
+              </a:ext>
+            </a:extLst>
+          </a:blip>
+          <a:srcRect l="67318" t="50284" b="-242"/>
+          <a:stretch/>
+        </p:blipFill>
+        <p:spPr>
+          <a:xfrm>
+            <a:off x="2853803" y="5529052"/>
+            <a:ext cx="225553" cy="235745"/>
+          </a:xfrm>
+          <a:prstGeom prst="rect">
+            <a:avLst/>
+          </a:prstGeom>
+        </p:spPr>
+      </p:pic>
+    </p:spTree>
+    <p:extLst>
+      <p:ext uri="{BB962C8B-B14F-4D97-AF65-F5344CB8AC3E}">
+        <p14:creationId xmlns:p14="http://schemas.microsoft.com/office/powerpoint/2010/main" val="3713088353"/>
+      </p:ext>
+    </p:extLst>
+  </p:cSld>
+  <p:clrMapOvr>
+    <a:masterClrMapping/>
+  </p:clrMapOvr>
+</p:sld>
+</file>
+
+<file path=ppt/slides/slide3.xml><?xml version="1.0" encoding="utf-8"?>
+<p:sld xmlns:a="http://schemas.openxmlformats.org/drawingml/2006/main" xmlns:r="http://schemas.openxmlformats.org/officeDocument/2006/relationships" xmlns:p="http://schemas.openxmlformats.org/presentationml/2006/main">
+  <p:cSld>
+    <p:spTree>
+      <p:nvGrpSpPr>
+        <p:cNvPr id="1" name=""/>
+        <p:cNvGrpSpPr/>
+        <p:nvPr/>
+      </p:nvGrpSpPr>
+      <p:grpSpPr>
+        <a:xfrm>
+          <a:off x="0" y="0"/>
+          <a:ext cx="0" cy="0"/>
+          <a:chOff x="0" y="0"/>
+          <a:chExt cx="0" cy="0"/>
+        </a:xfrm>
+      </p:grpSpPr>
+      <p:pic>
+        <p:nvPicPr>
+          <p:cNvPr id="4" name="Picture 3">
+            <a:extLst>
+              <a:ext uri="{FF2B5EF4-FFF2-40B4-BE49-F238E27FC236}">
+                <a16:creationId xmlns:a16="http://schemas.microsoft.com/office/drawing/2014/main" id="{8D332E75-4344-4953-AAB1-DA316602C90C}"/>
+              </a:ext>
+            </a:extLst>
+          </p:cNvPr>
+          <p:cNvPicPr>
+            <a:picLocks noChangeAspect="1"/>
+          </p:cNvPicPr>
+          <p:nvPr/>
+        </p:nvPicPr>
+        <p:blipFill>
+          <a:blip r:embed="rId2"/>
+          <a:stretch>
+            <a:fillRect/>
+          </a:stretch>
+        </p:blipFill>
+        <p:spPr>
+          <a:xfrm>
+            <a:off x="90007" y="0"/>
+            <a:ext cx="12039600" cy="6781800"/>
+          </a:xfrm>
+          <a:prstGeom prst="rect">
+            <a:avLst/>
+          </a:prstGeom>
+          <a:solidFill>
+            <a:srgbClr val="FFFFFF">
+              <a:shade val="85000"/>
+            </a:srgbClr>
+          </a:solidFill>
+          <a:ln w="190500" cap="rnd">
+            <a:solidFill>
+              <a:srgbClr val="FFFFFF"/>
+            </a:solidFill>
+          </a:ln>
+          <a:effectLst>
+            <a:outerShdw blurRad="50000" algn="tl" rotWithShape="0">
+              <a:srgbClr val="000000">
+                <a:alpha val="41000"/>
+              </a:srgbClr>
+            </a:outerShdw>
+          </a:effectLst>
+          <a:scene3d>
+            <a:camera prst="orthographicFront"/>
+            <a:lightRig rig="twoPt" dir="t">
+              <a:rot lat="0" lon="0" rev="7800000"/>
+            </a:lightRig>
+          </a:scene3d>
+          <a:sp3d contourW="6350">
+            <a:bevelT w="50800" h="16510"/>
+            <a:contourClr>
+              <a:srgbClr val="C0C0C0"/>
+            </a:contourClr>
+          </a:sp3d>
+        </p:spPr>
+      </p:pic>
+      <p:sp>
+        <p:nvSpPr>
+          <p:cNvPr id="6" name="Speech Bubble: Oval 5">
+            <a:extLst>
+              <a:ext uri="{FF2B5EF4-FFF2-40B4-BE49-F238E27FC236}">
+                <a16:creationId xmlns:a16="http://schemas.microsoft.com/office/drawing/2014/main" id="{D7B468E9-75B6-4E39-A180-AA72DC3F0768}"/>
+              </a:ext>
+            </a:extLst>
+          </p:cNvPr>
+          <p:cNvSpPr/>
+          <p:nvPr/>
+        </p:nvSpPr>
+        <p:spPr>
+          <a:xfrm>
+            <a:off x="811635" y="2348918"/>
+            <a:ext cx="2004969" cy="2231085"/>
+          </a:xfrm>
+          <a:prstGeom prst="wedgeEllipseCallout">
+            <a:avLst/>
+          </a:prstGeom>
+        </p:spPr>
+        <p:style>
+          <a:lnRef idx="0">
+            <a:schemeClr val="accent4"/>
+          </a:lnRef>
+          <a:fillRef idx="3">
+            <a:schemeClr val="accent4"/>
+          </a:fillRef>
+          <a:effectRef idx="3">
+            <a:schemeClr val="accent4"/>
+          </a:effectRef>
+          <a:fontRef idx="minor">
+            <a:schemeClr val="lt1"/>
+          </a:fontRef>
+        </p:style>
+        <p:txBody>
+          <a:bodyPr rtlCol="0" anchor="ctr"/>
+          <a:lstStyle/>
+          <a:p>
+            <a:pPr algn="ctr"/>
+            <a:r>
+              <a:rPr lang="en-US" dirty="0"/>
+              <a:t>Hold [</a:t>
+            </a:r>
+            <a:r>
+              <a:rPr lang="en-US" dirty="0">
+                <a:solidFill>
+                  <a:schemeClr val="accent1"/>
+                </a:solidFill>
+              </a:rPr>
+              <a:t>SPACE</a:t>
+            </a:r>
+            <a:r>
+              <a:rPr lang="en-US" dirty="0"/>
+              <a:t>] button to gain power,</a:t>
+            </a:r>
+          </a:p>
+          <a:p>
+            <a:pPr algn="ctr"/>
+            <a:r>
+              <a:rPr lang="en-US" dirty="0"/>
+              <a:t>Release to </a:t>
+            </a:r>
+            <a:r>
+              <a:rPr lang="en-US" dirty="0">
+                <a:ln w="0"/>
+                <a:solidFill>
+                  <a:srgbClr val="C00000"/>
+                </a:solidFill>
+                <a:effectLst>
+                  <a:outerShdw blurRad="38100" dist="25400" dir="5400000" algn="ctr" rotWithShape="0">
+                    <a:srgbClr val="6E747A">
+                      <a:alpha val="43000"/>
+                    </a:srgbClr>
+                  </a:outerShdw>
+                </a:effectLst>
+              </a:rPr>
+              <a:t>FIRE</a:t>
+            </a:r>
+            <a:r>
+              <a:rPr lang="en-US" dirty="0"/>
+              <a:t>!</a:t>
+            </a:r>
+          </a:p>
+        </p:txBody>
+      </p:sp>
+      <p:sp>
+        <p:nvSpPr>
+          <p:cNvPr id="8" name="Speech Bubble: Oval 7">
+            <a:extLst>
+              <a:ext uri="{FF2B5EF4-FFF2-40B4-BE49-F238E27FC236}">
+                <a16:creationId xmlns:a16="http://schemas.microsoft.com/office/drawing/2014/main" id="{A6F6A43E-B01B-4833-9B67-B86A4921E027}"/>
+              </a:ext>
+            </a:extLst>
+          </p:cNvPr>
+          <p:cNvSpPr/>
+          <p:nvPr/>
+        </p:nvSpPr>
+        <p:spPr>
+          <a:xfrm>
+            <a:off x="7348756" y="3556933"/>
+            <a:ext cx="2184543" cy="1493240"/>
+          </a:xfrm>
+          <a:prstGeom prst="wedgeEllipseCallout">
+            <a:avLst>
+              <a:gd name="adj1" fmla="val -47843"/>
+              <a:gd name="adj2" fmla="val 58006"/>
+            </a:avLst>
+          </a:prstGeom>
+        </p:spPr>
+        <p:style>
+          <a:lnRef idx="2">
+            <a:schemeClr val="accent6">
+              <a:shade val="50000"/>
+            </a:schemeClr>
+          </a:lnRef>
+          <a:fillRef idx="1">
+            <a:schemeClr val="accent6"/>
+          </a:fillRef>
+          <a:effectRef idx="0">
+            <a:schemeClr val="accent6"/>
+          </a:effectRef>
+          <a:fontRef idx="minor">
+            <a:schemeClr val="lt1"/>
+          </a:fontRef>
+        </p:style>
+        <p:txBody>
+          <a:bodyPr rtlCol="0" anchor="ctr"/>
+          <a:lstStyle/>
+          <a:p>
+            <a:pPr algn="ctr"/>
+            <a:r>
+              <a:rPr lang="en-US" dirty="0"/>
+              <a:t>Use               to rotate your cannon</a:t>
+            </a:r>
+          </a:p>
+        </p:txBody>
+      </p:sp>
+      <p:sp>
+        <p:nvSpPr>
+          <p:cNvPr id="9" name="Speech Bubble: Oval 8">
+            <a:extLst>
+              <a:ext uri="{FF2B5EF4-FFF2-40B4-BE49-F238E27FC236}">
+                <a16:creationId xmlns:a16="http://schemas.microsoft.com/office/drawing/2014/main" id="{3AA3E671-AFA4-4C24-8742-78264E3007B1}"/>
+              </a:ext>
+            </a:extLst>
+          </p:cNvPr>
+          <p:cNvSpPr/>
+          <p:nvPr/>
+        </p:nvSpPr>
+        <p:spPr>
+          <a:xfrm>
+            <a:off x="6301075" y="1090569"/>
+            <a:ext cx="2489812" cy="1258349"/>
+          </a:xfrm>
+          <a:prstGeom prst="wedgeEllipseCallout">
+            <a:avLst/>
+          </a:prstGeom>
+        </p:spPr>
+        <p:style>
+          <a:lnRef idx="2">
+            <a:schemeClr val="accent2">
+              <a:shade val="50000"/>
+            </a:schemeClr>
+          </a:lnRef>
+          <a:fillRef idx="1">
+            <a:schemeClr val="accent2"/>
+          </a:fillRef>
+          <a:effectRef idx="0">
+            <a:schemeClr val="accent2"/>
+          </a:effectRef>
+          <a:fontRef idx="minor">
+            <a:schemeClr val="lt1"/>
+          </a:fontRef>
+        </p:style>
+        <p:txBody>
+          <a:bodyPr rtlCol="0" anchor="ctr"/>
+          <a:lstStyle/>
+          <a:p>
+            <a:pPr algn="ctr"/>
+            <a:r>
+              <a:rPr lang="en-US" dirty="0"/>
+              <a:t>VR Player will try to bounce balls into baskets</a:t>
+            </a:r>
+          </a:p>
+        </p:txBody>
+      </p:sp>
+      <p:pic>
+        <p:nvPicPr>
+          <p:cNvPr id="11" name="Picture 10">
+            <a:extLst>
+              <a:ext uri="{FF2B5EF4-FFF2-40B4-BE49-F238E27FC236}">
+                <a16:creationId xmlns:a16="http://schemas.microsoft.com/office/drawing/2014/main" id="{81B7826F-AB7D-47BF-9014-F4D0DA3E2762}"/>
+              </a:ext>
+            </a:extLst>
+          </p:cNvPr>
+          <p:cNvPicPr>
+            <a:picLocks noChangeAspect="1"/>
+          </p:cNvPicPr>
+          <p:nvPr/>
+        </p:nvPicPr>
+        <p:blipFill rotWithShape="1">
+          <a:blip r:embed="rId3">
+            <a:extLst>
+              <a:ext uri="{28A0092B-C50C-407E-A947-70E740481C1C}">
+                <a14:useLocalDpi xmlns:a14="http://schemas.microsoft.com/office/drawing/2010/main" val="0"/>
+              </a:ext>
+            </a:extLst>
+          </a:blip>
+          <a:srcRect l="3321" t="49293" r="65057" b="-261"/>
+          <a:stretch/>
+        </p:blipFill>
+        <p:spPr>
+          <a:xfrm>
+            <a:off x="8255760" y="3914671"/>
+            <a:ext cx="218234" cy="240507"/>
+          </a:xfrm>
+          <a:prstGeom prst="rect">
+            <a:avLst/>
+          </a:prstGeom>
+        </p:spPr>
+      </p:pic>
+      <p:pic>
+        <p:nvPicPr>
+          <p:cNvPr id="12" name="Picture 11">
+            <a:extLst>
+              <a:ext uri="{FF2B5EF4-FFF2-40B4-BE49-F238E27FC236}">
+                <a16:creationId xmlns:a16="http://schemas.microsoft.com/office/drawing/2014/main" id="{7938E39F-13FE-47DA-9992-697863805168}"/>
+              </a:ext>
+            </a:extLst>
+          </p:cNvPr>
+          <p:cNvPicPr>
+            <a:picLocks noChangeAspect="1"/>
+          </p:cNvPicPr>
+          <p:nvPr/>
+        </p:nvPicPr>
+        <p:blipFill rotWithShape="1">
+          <a:blip r:embed="rId3">
+            <a:extLst>
+              <a:ext uri="{28A0092B-C50C-407E-A947-70E740481C1C}">
+                <a14:useLocalDpi xmlns:a14="http://schemas.microsoft.com/office/drawing/2010/main" val="0"/>
+              </a:ext>
+            </a:extLst>
+          </a:blip>
+          <a:srcRect l="67318" t="50284" b="-242"/>
+          <a:stretch/>
+        </p:blipFill>
+        <p:spPr>
+          <a:xfrm>
+            <a:off x="8565334" y="3913179"/>
+            <a:ext cx="225553" cy="235745"/>
+          </a:xfrm>
+          <a:prstGeom prst="rect">
+            <a:avLst/>
+          </a:prstGeom>
+        </p:spPr>
+      </p:pic>
+    </p:spTree>
+    <p:extLst>
+      <p:ext uri="{BB962C8B-B14F-4D97-AF65-F5344CB8AC3E}">
+        <p14:creationId xmlns:p14="http://schemas.microsoft.com/office/powerpoint/2010/main" val="1036677806"/>
+      </p:ext>
+    </p:extLst>
+  </p:cSld>
+  <p:clrMapOvr>
+    <a:masterClrMapping/>
+  </p:clrMapOvr>
+</p:sld>
+</file>
+
+<file path=ppt/slides/slide4.xml><?xml version="1.0" encoding="utf-8"?>
+<p:sld xmlns:a="http://schemas.openxmlformats.org/drawingml/2006/main" xmlns:r="http://schemas.openxmlformats.org/officeDocument/2006/relationships" xmlns:p="http://schemas.openxmlformats.org/presentationml/2006/main">
+  <p:cSld>
+    <p:spTree>
+      <p:nvGrpSpPr>
+        <p:cNvPr id="1" name=""/>
+        <p:cNvGrpSpPr/>
+        <p:nvPr/>
+      </p:nvGrpSpPr>
+      <p:grpSpPr>
+        <a:xfrm>
+          <a:off x="0" y="0"/>
+          <a:ext cx="0" cy="0"/>
+          <a:chOff x="0" y="0"/>
+          <a:chExt cx="0" cy="0"/>
+        </a:xfrm>
+      </p:grpSpPr>
+      <p:pic>
+        <p:nvPicPr>
+          <p:cNvPr id="5" name="Picture 4">
+            <a:extLst>
+              <a:ext uri="{FF2B5EF4-FFF2-40B4-BE49-F238E27FC236}">
+                <a16:creationId xmlns:a16="http://schemas.microsoft.com/office/drawing/2014/main" id="{BA7559B3-F430-455C-B426-F696D7BE0A57}"/>
+              </a:ext>
+            </a:extLst>
+          </p:cNvPr>
+          <p:cNvPicPr>
+            <a:picLocks noChangeAspect="1"/>
+          </p:cNvPicPr>
+          <p:nvPr/>
+        </p:nvPicPr>
+        <p:blipFill>
+          <a:blip r:embed="rId2">
+            <a:extLst>
+              <a:ext uri="{28A0092B-C50C-407E-A947-70E740481C1C}">
+                <a14:useLocalDpi xmlns:a14="http://schemas.microsoft.com/office/drawing/2010/main" val="0"/>
+              </a:ext>
+            </a:extLst>
+          </a:blip>
+          <a:stretch>
+            <a:fillRect/>
+          </a:stretch>
+        </p:blipFill>
+        <p:spPr>
+          <a:xfrm>
+            <a:off x="708740" y="119065"/>
+            <a:ext cx="10651865" cy="6738935"/>
+          </a:xfrm>
+          <a:prstGeom prst="rect">
+            <a:avLst/>
+          </a:prstGeom>
+          <a:solidFill>
+            <a:srgbClr val="FFFFFF">
+              <a:shade val="85000"/>
+            </a:srgbClr>
+          </a:solidFill>
+          <a:ln w="190500" cap="rnd">
+            <a:solidFill>
+              <a:srgbClr val="FFFFFF"/>
+            </a:solidFill>
+          </a:ln>
+          <a:effectLst>
+            <a:outerShdw blurRad="50000" algn="tl" rotWithShape="0">
+              <a:srgbClr val="000000">
+                <a:alpha val="41000"/>
+              </a:srgbClr>
+            </a:outerShdw>
+          </a:effectLst>
+          <a:scene3d>
+            <a:camera prst="orthographicFront"/>
+            <a:lightRig rig="twoPt" dir="t">
+              <a:rot lat="0" lon="0" rev="7800000"/>
+            </a:lightRig>
+          </a:scene3d>
+          <a:sp3d contourW="6350">
+            <a:bevelT w="50800" h="16510"/>
+            <a:contourClr>
+              <a:srgbClr val="C0C0C0"/>
+            </a:contourClr>
+          </a:sp3d>
+        </p:spPr>
+      </p:pic>
+      <p:sp>
+        <p:nvSpPr>
+          <p:cNvPr id="18" name="Rectangle 17">
+            <a:extLst>
+              <a:ext uri="{FF2B5EF4-FFF2-40B4-BE49-F238E27FC236}">
+                <a16:creationId xmlns:a16="http://schemas.microsoft.com/office/drawing/2014/main" id="{52807069-7B12-40AD-9180-D0F73591EAA4}"/>
+              </a:ext>
+            </a:extLst>
+          </p:cNvPr>
+          <p:cNvSpPr/>
+          <p:nvPr/>
+        </p:nvSpPr>
+        <p:spPr>
+          <a:xfrm>
+            <a:off x="627785" y="158705"/>
+            <a:ext cx="10813774" cy="605065"/>
+          </a:xfrm>
+          <a:prstGeom prst="rect">
+            <a:avLst/>
+          </a:prstGeom>
+          <a:solidFill>
+            <a:srgbClr val="5ACA8F">
+              <a:alpha val="69804"/>
+            </a:srgbClr>
+          </a:solidFill>
+          <a:ln>
+            <a:noFill/>
+          </a:ln>
+        </p:spPr>
+        <p:style>
+          <a:lnRef idx="0">
+            <a:scrgbClr r="0" g="0" b="0"/>
+          </a:lnRef>
+          <a:fillRef idx="0">
+            <a:scrgbClr r="0" g="0" b="0"/>
+          </a:fillRef>
+          <a:effectRef idx="0">
+            <a:scrgbClr r="0" g="0" b="0"/>
+          </a:effectRef>
+          <a:fontRef idx="minor">
+            <a:schemeClr val="lt1"/>
+          </a:fontRef>
+        </p:style>
+        <p:txBody>
+          <a:bodyPr rtlCol="0" anchor="ctr"/>
+          <a:lstStyle/>
+          <a:p>
+            <a:pPr algn="ctr"/>
+            <a:endParaRPr lang="en-US"/>
+          </a:p>
+        </p:txBody>
+      </p:sp>
+      <p:sp>
+        <p:nvSpPr>
+          <p:cNvPr id="13" name="TextBox 12">
+            <a:extLst>
+              <a:ext uri="{FF2B5EF4-FFF2-40B4-BE49-F238E27FC236}">
+                <a16:creationId xmlns:a16="http://schemas.microsoft.com/office/drawing/2014/main" id="{1FABA28C-9213-452B-BE0E-D0588CDCD47C}"/>
+              </a:ext>
+            </a:extLst>
+          </p:cNvPr>
+          <p:cNvSpPr txBox="1"/>
+          <p:nvPr/>
+        </p:nvSpPr>
+        <p:spPr>
+          <a:xfrm>
+            <a:off x="1829380" y="344454"/>
+            <a:ext cx="1056315" cy="369332"/>
+          </a:xfrm>
+          <a:prstGeom prst="rect">
+            <a:avLst/>
+          </a:prstGeom>
+          <a:noFill/>
+        </p:spPr>
+        <p:txBody>
+          <a:bodyPr wrap="none" rtlCol="0">
+            <a:spAutoFit/>
+          </a:bodyPr>
+          <a:lstStyle/>
+          <a:p>
+            <a:r>
+              <a:rPr lang="en-US" dirty="0">
+                <a:ln w="0"/>
+                <a:solidFill>
+                  <a:schemeClr val="accent1"/>
+                </a:solidFill>
+                <a:effectLst>
+                  <a:outerShdw blurRad="38100" dist="25400" dir="5400000" algn="ctr" rotWithShape="0">
+                    <a:srgbClr val="6E747A">
+                      <a:alpha val="43000"/>
+                    </a:srgbClr>
+                  </a:outerShdw>
+                </a:effectLst>
+              </a:rPr>
+              <a:t>CAUTION</a:t>
+            </a:r>
+          </a:p>
+        </p:txBody>
+      </p:sp>
+      <p:pic>
+        <p:nvPicPr>
+          <p:cNvPr id="4" name="Picture 3">
+            <a:extLst>
+              <a:ext uri="{FF2B5EF4-FFF2-40B4-BE49-F238E27FC236}">
+                <a16:creationId xmlns:a16="http://schemas.microsoft.com/office/drawing/2014/main" id="{2968D7A4-BD89-4706-9A8C-AED9CFAD3C46}"/>
+              </a:ext>
+            </a:extLst>
+          </p:cNvPr>
+          <p:cNvPicPr>
+            <a:picLocks noChangeAspect="1"/>
+          </p:cNvPicPr>
+          <p:nvPr/>
+        </p:nvPicPr>
+        <p:blipFill>
+          <a:blip r:embed="rId3"/>
+          <a:stretch>
+            <a:fillRect/>
+          </a:stretch>
+        </p:blipFill>
+        <p:spPr>
+          <a:xfrm>
+            <a:off x="4538772" y="1250101"/>
+            <a:ext cx="5972175" cy="4676775"/>
+          </a:xfrm>
+          <a:prstGeom prst="rect">
+            <a:avLst/>
+          </a:prstGeom>
+        </p:spPr>
+      </p:pic>
+      <p:sp>
+        <p:nvSpPr>
+          <p:cNvPr id="25" name="Speech Bubble: Oval 24">
+            <a:extLst>
+              <a:ext uri="{FF2B5EF4-FFF2-40B4-BE49-F238E27FC236}">
+                <a16:creationId xmlns:a16="http://schemas.microsoft.com/office/drawing/2014/main" id="{396F3460-C5FB-492D-A491-C39F0D44EB68}"/>
+              </a:ext>
+            </a:extLst>
+          </p:cNvPr>
+          <p:cNvSpPr/>
+          <p:nvPr/>
+        </p:nvSpPr>
+        <p:spPr>
+          <a:xfrm>
+            <a:off x="1829380" y="1637630"/>
+            <a:ext cx="2628437" cy="2231085"/>
+          </a:xfrm>
+          <a:prstGeom prst="wedgeEllipseCallout">
+            <a:avLst>
+              <a:gd name="adj1" fmla="val 88500"/>
+              <a:gd name="adj2" fmla="val 9601"/>
+            </a:avLst>
+          </a:prstGeom>
+        </p:spPr>
+        <p:style>
+          <a:lnRef idx="0">
+            <a:schemeClr val="accent2"/>
+          </a:lnRef>
+          <a:fillRef idx="3">
+            <a:schemeClr val="accent2"/>
+          </a:fillRef>
+          <a:effectRef idx="3">
+            <a:schemeClr val="accent2"/>
+          </a:effectRef>
+          <a:fontRef idx="minor">
+            <a:schemeClr val="lt1"/>
+          </a:fontRef>
+        </p:style>
+        <p:txBody>
+          <a:bodyPr rtlCol="0" anchor="ctr"/>
+          <a:lstStyle/>
+          <a:p>
+            <a:pPr algn="ctr"/>
+            <a:r>
+              <a:rPr lang="en-US" dirty="0"/>
+              <a:t>Be careful of surroundings.</a:t>
+            </a:r>
+          </a:p>
+          <a:p>
+            <a:pPr algn="ctr"/>
+            <a:r>
+              <a:rPr lang="en-US" dirty="0"/>
+              <a:t>Make sure you have enough room for VR </a:t>
+            </a:r>
+          </a:p>
+        </p:txBody>
+      </p:sp>
+      <p:sp>
+        <p:nvSpPr>
+          <p:cNvPr id="32" name="TextBox 31">
+            <a:extLst>
+              <a:ext uri="{FF2B5EF4-FFF2-40B4-BE49-F238E27FC236}">
+                <a16:creationId xmlns:a16="http://schemas.microsoft.com/office/drawing/2014/main" id="{93D0D6EA-304E-44D4-9474-F4AB3B39C57E}"/>
+              </a:ext>
+            </a:extLst>
+          </p:cNvPr>
+          <p:cNvSpPr txBox="1"/>
+          <p:nvPr/>
+        </p:nvSpPr>
+        <p:spPr>
+          <a:xfrm>
+            <a:off x="3070959" y="229917"/>
+            <a:ext cx="2390654" cy="523220"/>
+          </a:xfrm>
+          <a:prstGeom prst="rect">
+            <a:avLst/>
+          </a:prstGeom>
+          <a:noFill/>
+        </p:spPr>
+        <p:txBody>
+          <a:bodyPr wrap="none" rtlCol="0">
+            <a:spAutoFit/>
+          </a:bodyPr>
+          <a:lstStyle/>
+          <a:p>
+            <a:r>
+              <a:rPr lang="en-US" sz="2800" dirty="0">
+                <a:solidFill>
+                  <a:schemeClr val="bg1">
+                    <a:lumMod val="95000"/>
+                  </a:schemeClr>
+                </a:solidFill>
+              </a:rPr>
+              <a:t>Safety Warning</a:t>
+            </a:r>
+          </a:p>
+        </p:txBody>
+      </p:sp>
+      <p:sp>
+        <p:nvSpPr>
+          <p:cNvPr id="8" name="Rectangle 7">
+            <a:extLst>
+              <a:ext uri="{FF2B5EF4-FFF2-40B4-BE49-F238E27FC236}">
+                <a16:creationId xmlns:a16="http://schemas.microsoft.com/office/drawing/2014/main" id="{978D2938-01B7-4CC1-8FDC-256C6863FD0B}"/>
+              </a:ext>
+            </a:extLst>
+          </p:cNvPr>
+          <p:cNvSpPr/>
+          <p:nvPr/>
+        </p:nvSpPr>
+        <p:spPr>
+          <a:xfrm>
+            <a:off x="1572705" y="318366"/>
+            <a:ext cx="86497" cy="285741"/>
+          </a:xfrm>
+          <a:prstGeom prst="rect">
+            <a:avLst/>
+          </a:prstGeom>
+        </p:spPr>
+        <p:style>
+          <a:lnRef idx="2">
+            <a:schemeClr val="dk1">
+              <a:shade val="50000"/>
+            </a:schemeClr>
+          </a:lnRef>
+          <a:fillRef idx="1">
+            <a:schemeClr val="dk1"/>
+          </a:fillRef>
+          <a:effectRef idx="0">
+            <a:schemeClr val="dk1"/>
+          </a:effectRef>
+          <a:fontRef idx="minor">
+            <a:schemeClr val="lt1"/>
+          </a:fontRef>
+        </p:style>
+        <p:txBody>
+          <a:bodyPr rtlCol="0" anchor="ctr"/>
+          <a:lstStyle/>
+          <a:p>
+            <a:pPr algn="ctr"/>
+            <a:endParaRPr lang="en-US"/>
+          </a:p>
+        </p:txBody>
+      </p:sp>
+      <p:pic>
+        <p:nvPicPr>
+          <p:cNvPr id="7" name="Graphic 6" descr="Warning">
+            <a:extLst>
+              <a:ext uri="{FF2B5EF4-FFF2-40B4-BE49-F238E27FC236}">
+                <a16:creationId xmlns:a16="http://schemas.microsoft.com/office/drawing/2014/main" id="{99D73504-D66D-47CA-80B9-F191D57B2EFF}"/>
+              </a:ext>
+            </a:extLst>
+          </p:cNvPr>
+          <p:cNvPicPr>
+            <a:picLocks noChangeAspect="1"/>
+          </p:cNvPicPr>
+          <p:nvPr/>
+        </p:nvPicPr>
+        <p:blipFill>
+          <a:blip r:embed="rId4">
+            <a:extLst>
+              <a:ext uri="{28A0092B-C50C-407E-A947-70E740481C1C}">
+                <a14:useLocalDpi xmlns:a14="http://schemas.microsoft.com/office/drawing/2010/main" val="0"/>
+              </a:ext>
+              <a:ext uri="{96DAC541-7B7A-43D3-8B79-37D633B846F1}">
+                <asvg:svgBlip xmlns:asvg="http://schemas.microsoft.com/office/drawing/2016/SVG/main" r:embed="rId5"/>
+              </a:ext>
+            </a:extLst>
+          </a:blip>
+          <a:stretch>
+            <a:fillRect/>
+          </a:stretch>
+        </p:blipFill>
+        <p:spPr>
+          <a:xfrm>
+            <a:off x="1342058" y="177045"/>
+            <a:ext cx="547792" cy="547792"/>
+          </a:xfrm>
+          <a:prstGeom prst="rect">
+            <a:avLst/>
+          </a:prstGeom>
+        </p:spPr>
+      </p:pic>
+    </p:spTree>
+    <p:extLst>
+      <p:ext uri="{BB962C8B-B14F-4D97-AF65-F5344CB8AC3E}">
+        <p14:creationId xmlns:p14="http://schemas.microsoft.com/office/powerpoint/2010/main" val="731411953"/>
+      </p:ext>
+    </p:extLst>
+  </p:cSld>
+  <p:clrMapOvr>
+    <a:masterClrMapping/>
+  </p:clrMapOvr>
+</p:sld>
+</file>
+
+<file path=ppt/slides/slide5.xml><?xml version="1.0" encoding="utf-8"?>
+<p:sld xmlns:a="http://schemas.openxmlformats.org/drawingml/2006/main" xmlns:r="http://schemas.openxmlformats.org/officeDocument/2006/relationships" xmlns:p="http://schemas.openxmlformats.org/presentationml/2006/main">
+  <p:cSld>
+    <p:spTree>
+      <p:nvGrpSpPr>
+        <p:cNvPr id="1" name=""/>
+        <p:cNvGrpSpPr/>
+        <p:nvPr/>
+      </p:nvGrpSpPr>
+      <p:grpSpPr>
+        <a:xfrm>
+          <a:off x="0" y="0"/>
+          <a:ext cx="0" cy="0"/>
+          <a:chOff x="0" y="0"/>
+          <a:chExt cx="0" cy="0"/>
+        </a:xfrm>
+      </p:grpSpPr>
+      <p:pic>
+        <p:nvPicPr>
+          <p:cNvPr id="5" name="Picture 4">
+            <a:extLst>
+              <a:ext uri="{FF2B5EF4-FFF2-40B4-BE49-F238E27FC236}">
+                <a16:creationId xmlns:a16="http://schemas.microsoft.com/office/drawing/2014/main" id="{BA7559B3-F430-455C-B426-F696D7BE0A57}"/>
+              </a:ext>
+            </a:extLst>
+          </p:cNvPr>
+          <p:cNvPicPr>
+            <a:picLocks noChangeAspect="1"/>
+          </p:cNvPicPr>
+          <p:nvPr/>
+        </p:nvPicPr>
+        <p:blipFill>
+          <a:blip r:embed="rId2">
+            <a:extLst>
+              <a:ext uri="{28A0092B-C50C-407E-A947-70E740481C1C}">
+                <a14:useLocalDpi xmlns:a14="http://schemas.microsoft.com/office/drawing/2010/main" val="0"/>
+              </a:ext>
+            </a:extLst>
+          </a:blip>
+          <a:stretch>
+            <a:fillRect/>
+          </a:stretch>
+        </p:blipFill>
+        <p:spPr>
+          <a:xfrm>
+            <a:off x="708740" y="119065"/>
+            <a:ext cx="10651865" cy="6738935"/>
+          </a:xfrm>
+          <a:prstGeom prst="rect">
+            <a:avLst/>
+          </a:prstGeom>
+          <a:solidFill>
+            <a:srgbClr val="FFFFFF">
+              <a:shade val="85000"/>
+            </a:srgbClr>
+          </a:solidFill>
+          <a:ln w="190500" cap="rnd">
+            <a:solidFill>
+              <a:srgbClr val="FFFFFF"/>
+            </a:solidFill>
+          </a:ln>
+          <a:effectLst>
+            <a:outerShdw blurRad="50000" algn="tl" rotWithShape="0">
+              <a:srgbClr val="000000">
+                <a:alpha val="41000"/>
+              </a:srgbClr>
+            </a:outerShdw>
+          </a:effectLst>
+          <a:scene3d>
+            <a:camera prst="orthographicFront"/>
+            <a:lightRig rig="twoPt" dir="t">
+              <a:rot lat="0" lon="0" rev="7800000"/>
+            </a:lightRig>
+          </a:scene3d>
+          <a:sp3d contourW="6350">
+            <a:bevelT w="50800" h="16510"/>
+            <a:contourClr>
+              <a:srgbClr val="C0C0C0"/>
+            </a:contourClr>
+          </a:sp3d>
+        </p:spPr>
+      </p:pic>
+      <p:pic>
+        <p:nvPicPr>
+          <p:cNvPr id="3" name="Picture 2">
+            <a:extLst>
+              <a:ext uri="{FF2B5EF4-FFF2-40B4-BE49-F238E27FC236}">
+                <a16:creationId xmlns:a16="http://schemas.microsoft.com/office/drawing/2014/main" id="{B122F481-C4E9-41F8-96A0-C5971FC0E4A7}"/>
+              </a:ext>
+            </a:extLst>
+          </p:cNvPr>
+          <p:cNvPicPr>
+            <a:picLocks noChangeAspect="1"/>
+          </p:cNvPicPr>
+          <p:nvPr/>
+        </p:nvPicPr>
+        <p:blipFill>
+          <a:blip r:embed="rId3"/>
+          <a:stretch>
+            <a:fillRect/>
+          </a:stretch>
+        </p:blipFill>
+        <p:spPr>
+          <a:xfrm>
+            <a:off x="853092" y="938886"/>
+            <a:ext cx="10374362" cy="5816119"/>
+          </a:xfrm>
+          <a:prstGeom prst="rect">
+            <a:avLst/>
+          </a:prstGeom>
+        </p:spPr>
+      </p:pic>
+      <p:sp>
+        <p:nvSpPr>
+          <p:cNvPr id="18" name="Rectangle 17">
+            <a:extLst>
+              <a:ext uri="{FF2B5EF4-FFF2-40B4-BE49-F238E27FC236}">
+                <a16:creationId xmlns:a16="http://schemas.microsoft.com/office/drawing/2014/main" id="{52807069-7B12-40AD-9180-D0F73591EAA4}"/>
+              </a:ext>
+            </a:extLst>
+          </p:cNvPr>
+          <p:cNvSpPr/>
+          <p:nvPr/>
+        </p:nvSpPr>
+        <p:spPr>
+          <a:xfrm>
+            <a:off x="627785" y="158705"/>
+            <a:ext cx="10813774" cy="605065"/>
+          </a:xfrm>
+          <a:prstGeom prst="rect">
+            <a:avLst/>
+          </a:prstGeom>
+          <a:solidFill>
+            <a:srgbClr val="5ACA8F">
+              <a:alpha val="69804"/>
+            </a:srgbClr>
+          </a:solidFill>
+          <a:ln>
+            <a:noFill/>
+          </a:ln>
+        </p:spPr>
+        <p:style>
+          <a:lnRef idx="0">
+            <a:scrgbClr r="0" g="0" b="0"/>
+          </a:lnRef>
+          <a:fillRef idx="0">
+            <a:scrgbClr r="0" g="0" b="0"/>
+          </a:fillRef>
+          <a:effectRef idx="0">
+            <a:scrgbClr r="0" g="0" b="0"/>
+          </a:effectRef>
+          <a:fontRef idx="minor">
+            <a:schemeClr val="lt1"/>
+          </a:fontRef>
+        </p:style>
+        <p:txBody>
+          <a:bodyPr rtlCol="0" anchor="ctr"/>
+          <a:lstStyle/>
+          <a:p>
+            <a:pPr algn="ctr"/>
+            <a:endParaRPr lang="en-US"/>
+          </a:p>
+        </p:txBody>
+      </p:sp>
+      <p:sp>
+        <p:nvSpPr>
+          <p:cNvPr id="11" name="TextBox 10">
+            <a:extLst>
+              <a:ext uri="{FF2B5EF4-FFF2-40B4-BE49-F238E27FC236}">
+                <a16:creationId xmlns:a16="http://schemas.microsoft.com/office/drawing/2014/main" id="{2C5F5BD3-40AB-49FD-9946-21D77CDAF800}"/>
+              </a:ext>
+            </a:extLst>
+          </p:cNvPr>
+          <p:cNvSpPr txBox="1"/>
+          <p:nvPr/>
+        </p:nvSpPr>
+        <p:spPr>
+          <a:xfrm>
+            <a:off x="3070959" y="229917"/>
+            <a:ext cx="1880643" cy="523220"/>
+          </a:xfrm>
+          <a:prstGeom prst="rect">
+            <a:avLst/>
+          </a:prstGeom>
+          <a:noFill/>
+        </p:spPr>
+        <p:txBody>
+          <a:bodyPr wrap="none" rtlCol="0">
+            <a:spAutoFit/>
+          </a:bodyPr>
+          <a:lstStyle/>
+          <a:p>
+            <a:r>
+              <a:rPr lang="en-US" sz="2800" dirty="0">
+                <a:solidFill>
+                  <a:schemeClr val="bg1">
+                    <a:lumMod val="95000"/>
+                  </a:schemeClr>
+                </a:solidFill>
+              </a:rPr>
+              <a:t>Main Menu</a:t>
+            </a:r>
+          </a:p>
+        </p:txBody>
+      </p:sp>
+      <p:sp>
+        <p:nvSpPr>
+          <p:cNvPr id="13" name="TextBox 12">
+            <a:extLst>
+              <a:ext uri="{FF2B5EF4-FFF2-40B4-BE49-F238E27FC236}">
+                <a16:creationId xmlns:a16="http://schemas.microsoft.com/office/drawing/2014/main" id="{1FABA28C-9213-452B-BE0E-D0588CDCD47C}"/>
+              </a:ext>
+            </a:extLst>
+          </p:cNvPr>
+          <p:cNvSpPr txBox="1"/>
+          <p:nvPr/>
+        </p:nvSpPr>
+        <p:spPr>
+          <a:xfrm>
+            <a:off x="1829380" y="344454"/>
+            <a:ext cx="1054391" cy="369332"/>
+          </a:xfrm>
+          <a:prstGeom prst="rect">
+            <a:avLst/>
+          </a:prstGeom>
+          <a:noFill/>
+        </p:spPr>
+        <p:txBody>
+          <a:bodyPr wrap="none" rtlCol="0">
+            <a:spAutoFit/>
+          </a:bodyPr>
+          <a:lstStyle/>
+          <a:p>
+            <a:r>
+              <a:rPr lang="en-US" dirty="0">
+                <a:ln w="0"/>
+                <a:solidFill>
+                  <a:schemeClr val="accent1"/>
+                </a:solidFill>
+                <a:effectLst>
+                  <a:outerShdw blurRad="38100" dist="25400" dir="5400000" algn="ctr" rotWithShape="0">
+                    <a:srgbClr val="6E747A">
+                      <a:alpha val="43000"/>
+                    </a:srgbClr>
+                  </a:outerShdw>
+                </a:effectLst>
+              </a:rPr>
+              <a:t>PC Player</a:t>
+            </a:r>
+          </a:p>
+        </p:txBody>
+      </p:sp>
+      <p:pic>
+        <p:nvPicPr>
+          <p:cNvPr id="14" name="Graphic 13" descr="Monitor">
+            <a:extLst>
+              <a:ext uri="{FF2B5EF4-FFF2-40B4-BE49-F238E27FC236}">
+                <a16:creationId xmlns:a16="http://schemas.microsoft.com/office/drawing/2014/main" id="{8D2023B8-F871-44F8-8808-43902F4E23BE}"/>
+              </a:ext>
+            </a:extLst>
+          </p:cNvPr>
+          <p:cNvPicPr>
+            <a:picLocks noChangeAspect="1"/>
+          </p:cNvPicPr>
+          <p:nvPr/>
+        </p:nvPicPr>
+        <p:blipFill>
+          <a:blip r:embed="rId4">
+            <a:extLst>
+              <a:ext uri="{28A0092B-C50C-407E-A947-70E740481C1C}">
+                <a14:useLocalDpi xmlns:a14="http://schemas.microsoft.com/office/drawing/2010/main" val="0"/>
+              </a:ext>
+              <a:ext uri="{96DAC541-7B7A-43D3-8B79-37D633B846F1}">
+                <asvg:svgBlip xmlns:asvg="http://schemas.microsoft.com/office/drawing/2016/SVG/main" r:embed="rId5"/>
+              </a:ext>
+            </a:extLst>
+          </a:blip>
+          <a:stretch>
+            <a:fillRect/>
+          </a:stretch>
+        </p:blipFill>
+        <p:spPr>
+          <a:xfrm>
+            <a:off x="1355040" y="179785"/>
+            <a:ext cx="573352" cy="573352"/>
+          </a:xfrm>
+          <a:prstGeom prst="rect">
+            <a:avLst/>
+          </a:prstGeom>
+        </p:spPr>
+      </p:pic>
+      <p:sp>
+        <p:nvSpPr>
+          <p:cNvPr id="25" name="Speech Bubble: Oval 24">
+            <a:extLst>
+              <a:ext uri="{FF2B5EF4-FFF2-40B4-BE49-F238E27FC236}">
+                <a16:creationId xmlns:a16="http://schemas.microsoft.com/office/drawing/2014/main" id="{396F3460-C5FB-492D-A491-C39F0D44EB68}"/>
+              </a:ext>
+            </a:extLst>
+          </p:cNvPr>
+          <p:cNvSpPr/>
+          <p:nvPr/>
+        </p:nvSpPr>
+        <p:spPr>
+          <a:xfrm>
+            <a:off x="1829380" y="1637630"/>
+            <a:ext cx="2628437" cy="2231085"/>
+          </a:xfrm>
+          <a:prstGeom prst="wedgeEllipseCallout">
+            <a:avLst>
+              <a:gd name="adj1" fmla="val 88500"/>
+              <a:gd name="adj2" fmla="val 9601"/>
+            </a:avLst>
+          </a:prstGeom>
+        </p:spPr>
+        <p:style>
+          <a:lnRef idx="0">
+            <a:schemeClr val="accent1"/>
+          </a:lnRef>
+          <a:fillRef idx="3">
+            <a:schemeClr val="accent1"/>
+          </a:fillRef>
+          <a:effectRef idx="3">
+            <a:schemeClr val="accent1"/>
+          </a:effectRef>
+          <a:fontRef idx="minor">
+            <a:schemeClr val="lt1"/>
+          </a:fontRef>
+        </p:style>
+        <p:txBody>
+          <a:bodyPr rtlCol="0" anchor="ctr"/>
+          <a:lstStyle/>
+          <a:p>
+            <a:pPr algn="ctr"/>
+            <a:r>
+              <a:rPr lang="en-US" dirty="0"/>
+              <a:t>Prepare for a multi-player game with VR player. Game will begin when both sides are ready </a:t>
+            </a:r>
+          </a:p>
+        </p:txBody>
+      </p:sp>
+      <p:sp>
+        <p:nvSpPr>
+          <p:cNvPr id="26" name="Speech Bubble: Oval 25">
+            <a:extLst>
+              <a:ext uri="{FF2B5EF4-FFF2-40B4-BE49-F238E27FC236}">
+                <a16:creationId xmlns:a16="http://schemas.microsoft.com/office/drawing/2014/main" id="{5AD4FF9C-71E7-4DCE-BC40-03954EEC7577}"/>
+              </a:ext>
+            </a:extLst>
+          </p:cNvPr>
+          <p:cNvSpPr/>
+          <p:nvPr/>
+        </p:nvSpPr>
+        <p:spPr>
+          <a:xfrm>
+            <a:off x="8120656" y="4106217"/>
+            <a:ext cx="1358981" cy="928929"/>
+          </a:xfrm>
+          <a:prstGeom prst="wedgeEllipseCallout">
+            <a:avLst>
+              <a:gd name="adj1" fmla="val 10563"/>
+              <a:gd name="adj2" fmla="val 81504"/>
+            </a:avLst>
+          </a:prstGeom>
+        </p:spPr>
+        <p:style>
+          <a:lnRef idx="2">
+            <a:schemeClr val="accent6">
+              <a:shade val="50000"/>
+            </a:schemeClr>
+          </a:lnRef>
+          <a:fillRef idx="1">
+            <a:schemeClr val="accent6"/>
+          </a:fillRef>
+          <a:effectRef idx="0">
+            <a:schemeClr val="accent6"/>
+          </a:effectRef>
+          <a:fontRef idx="minor">
+            <a:schemeClr val="lt1"/>
+          </a:fontRef>
+        </p:style>
+        <p:txBody>
+          <a:bodyPr rtlCol="0" anchor="ctr"/>
+          <a:lstStyle/>
+          <a:p>
+            <a:pPr algn="ctr"/>
+            <a:r>
+              <a:rPr lang="en-US" dirty="0"/>
+              <a:t>VR Camera</a:t>
+            </a:r>
+          </a:p>
+        </p:txBody>
+      </p:sp>
+      <p:sp>
+        <p:nvSpPr>
+          <p:cNvPr id="27" name="Speech Bubble: Oval 26">
+            <a:extLst>
+              <a:ext uri="{FF2B5EF4-FFF2-40B4-BE49-F238E27FC236}">
+                <a16:creationId xmlns:a16="http://schemas.microsoft.com/office/drawing/2014/main" id="{CF50D345-CBFC-4C01-952F-6A44669FA4B5}"/>
+              </a:ext>
+            </a:extLst>
+          </p:cNvPr>
+          <p:cNvSpPr/>
+          <p:nvPr/>
+        </p:nvSpPr>
+        <p:spPr>
+          <a:xfrm>
+            <a:off x="7309795" y="1233376"/>
+            <a:ext cx="1355739" cy="808509"/>
+          </a:xfrm>
+          <a:prstGeom prst="wedgeEllipseCallout">
+            <a:avLst>
+              <a:gd name="adj1" fmla="val -60830"/>
+              <a:gd name="adj2" fmla="val 54610"/>
+            </a:avLst>
+          </a:prstGeom>
+        </p:spPr>
+        <p:style>
+          <a:lnRef idx="2">
+            <a:schemeClr val="accent2">
+              <a:shade val="50000"/>
+            </a:schemeClr>
+          </a:lnRef>
+          <a:fillRef idx="1">
+            <a:schemeClr val="accent2"/>
+          </a:fillRef>
+          <a:effectRef idx="0">
+            <a:schemeClr val="accent2"/>
+          </a:effectRef>
+          <a:fontRef idx="minor">
+            <a:schemeClr val="lt1"/>
+          </a:fontRef>
+        </p:style>
+        <p:txBody>
+          <a:bodyPr rtlCol="0" anchor="ctr"/>
+          <a:lstStyle/>
+          <a:p>
+            <a:pPr algn="ctr"/>
+            <a:r>
+              <a:rPr lang="en-US" dirty="0"/>
+              <a:t>Change Level</a:t>
+            </a:r>
+          </a:p>
+        </p:txBody>
+      </p:sp>
+      <p:sp>
+        <p:nvSpPr>
+          <p:cNvPr id="31" name="Speech Bubble: Oval 30">
+            <a:extLst>
+              <a:ext uri="{FF2B5EF4-FFF2-40B4-BE49-F238E27FC236}">
+                <a16:creationId xmlns:a16="http://schemas.microsoft.com/office/drawing/2014/main" id="{3A42C925-336C-4554-9135-764ECD9DE710}"/>
+              </a:ext>
+            </a:extLst>
+          </p:cNvPr>
+          <p:cNvSpPr/>
+          <p:nvPr/>
+        </p:nvSpPr>
+        <p:spPr>
+          <a:xfrm>
+            <a:off x="9816277" y="3932006"/>
+            <a:ext cx="1492132" cy="928929"/>
+          </a:xfrm>
+          <a:prstGeom prst="wedgeEllipseCallout">
+            <a:avLst>
+              <a:gd name="adj1" fmla="val 10563"/>
+              <a:gd name="adj2" fmla="val 81504"/>
+            </a:avLst>
+          </a:prstGeom>
+        </p:spPr>
+        <p:style>
+          <a:lnRef idx="2">
+            <a:schemeClr val="accent6">
+              <a:shade val="50000"/>
+            </a:schemeClr>
+          </a:lnRef>
+          <a:fillRef idx="1">
+            <a:schemeClr val="accent6"/>
+          </a:fillRef>
+          <a:effectRef idx="0">
+            <a:schemeClr val="accent6"/>
+          </a:effectRef>
+          <a:fontRef idx="minor">
+            <a:schemeClr val="lt1"/>
+          </a:fontRef>
+        </p:style>
+        <p:txBody>
+          <a:bodyPr rtlCol="0" anchor="ctr"/>
+          <a:lstStyle/>
+          <a:p>
+            <a:pPr algn="ctr"/>
+            <a:r>
+              <a:rPr lang="en-US" sz="1400" dirty="0"/>
+              <a:t>Re-center camera and full screen</a:t>
+            </a:r>
+          </a:p>
+        </p:txBody>
+      </p:sp>
+    </p:spTree>
+    <p:extLst>
+      <p:ext uri="{BB962C8B-B14F-4D97-AF65-F5344CB8AC3E}">
+        <p14:creationId xmlns:p14="http://schemas.microsoft.com/office/powerpoint/2010/main" val="3368566429"/>
+      </p:ext>
+    </p:extLst>
+  </p:cSld>
+  <p:clrMapOvr>
+    <a:masterClrMapping/>
+  </p:clrMapOvr>
+</p:sld>
+</file>
+
 <file path=ppt/slides/slide6.xml><?xml version="1.0" encoding="utf-8"?>
 <p:sld xmlns:a="http://schemas.openxmlformats.org/drawingml/2006/main" xmlns:r="http://schemas.openxmlformats.org/officeDocument/2006/relationships" xmlns:p="http://schemas.openxmlformats.org/presentationml/2006/main">
   <p:cSld>
@@ -7434,12 +8481,107 @@
           <a:chExt cx="0" cy="0"/>
         </a:xfrm>
       </p:grpSpPr>
-      <p:sp>
-        <p:nvSpPr>
-          <p:cNvPr id="4" name="Rectangle: Rounded Corners 3">
-            <a:extLst>
-              <a:ext uri="{FF2B5EF4-FFF2-40B4-BE49-F238E27FC236}">
-                <a16:creationId xmlns:a16="http://schemas.microsoft.com/office/drawing/2014/main" id="{F500E192-E6D3-4F1A-9BDC-F956845C6C00}"/>
+      <p:pic>
+        <p:nvPicPr>
+          <p:cNvPr id="5" name="Picture 4">
+            <a:extLst>
+              <a:ext uri="{FF2B5EF4-FFF2-40B4-BE49-F238E27FC236}">
+                <a16:creationId xmlns:a16="http://schemas.microsoft.com/office/drawing/2014/main" id="{BA7559B3-F430-455C-B426-F696D7BE0A57}"/>
+              </a:ext>
+            </a:extLst>
+          </p:cNvPr>
+          <p:cNvPicPr>
+            <a:picLocks noChangeAspect="1"/>
+          </p:cNvPicPr>
+          <p:nvPr/>
+        </p:nvPicPr>
+        <p:blipFill>
+          <a:blip r:embed="rId2">
+            <a:extLst>
+              <a:ext uri="{28A0092B-C50C-407E-A947-70E740481C1C}">
+                <a14:useLocalDpi xmlns:a14="http://schemas.microsoft.com/office/drawing/2010/main" val="0"/>
+              </a:ext>
+            </a:extLst>
+          </a:blip>
+          <a:stretch>
+            <a:fillRect/>
+          </a:stretch>
+        </p:blipFill>
+        <p:spPr>
+          <a:xfrm>
+            <a:off x="708740" y="119065"/>
+            <a:ext cx="10651865" cy="6738935"/>
+          </a:xfrm>
+          <a:prstGeom prst="rect">
+            <a:avLst/>
+          </a:prstGeom>
+          <a:solidFill>
+            <a:srgbClr val="FFFFFF">
+              <a:shade val="85000"/>
+            </a:srgbClr>
+          </a:solidFill>
+          <a:ln w="190500" cap="rnd">
+            <a:solidFill>
+              <a:srgbClr val="FFFFFF"/>
+            </a:solidFill>
+          </a:ln>
+          <a:effectLst>
+            <a:outerShdw blurRad="50000" algn="tl" rotWithShape="0">
+              <a:srgbClr val="000000">
+                <a:alpha val="41000"/>
+              </a:srgbClr>
+            </a:outerShdw>
+          </a:effectLst>
+          <a:scene3d>
+            <a:camera prst="orthographicFront"/>
+            <a:lightRig rig="twoPt" dir="t">
+              <a:rot lat="0" lon="0" rev="7800000"/>
+            </a:lightRig>
+          </a:scene3d>
+          <a:sp3d contourW="6350">
+            <a:bevelT w="50800" h="16510"/>
+            <a:contourClr>
+              <a:srgbClr val="C0C0C0"/>
+            </a:contourClr>
+          </a:sp3d>
+        </p:spPr>
+      </p:pic>
+      <p:pic>
+        <p:nvPicPr>
+          <p:cNvPr id="2" name="Picture 1">
+            <a:extLst>
+              <a:ext uri="{FF2B5EF4-FFF2-40B4-BE49-F238E27FC236}">
+                <a16:creationId xmlns:a16="http://schemas.microsoft.com/office/drawing/2014/main" id="{808F2263-9FE6-4343-83D2-DA6563EA707B}"/>
+              </a:ext>
+            </a:extLst>
+          </p:cNvPr>
+          <p:cNvPicPr>
+            <a:picLocks noChangeAspect="1"/>
+          </p:cNvPicPr>
+          <p:nvPr/>
+        </p:nvPicPr>
+        <p:blipFill>
+          <a:blip r:embed="rId3"/>
+          <a:stretch>
+            <a:fillRect/>
+          </a:stretch>
+        </p:blipFill>
+        <p:spPr>
+          <a:xfrm>
+            <a:off x="838619" y="900749"/>
+            <a:ext cx="10392972" cy="5841352"/>
+          </a:xfrm>
+          <a:prstGeom prst="rect">
+            <a:avLst/>
+          </a:prstGeom>
+        </p:spPr>
+      </p:pic>
+      <p:sp>
+        <p:nvSpPr>
+          <p:cNvPr id="6" name="Speech Bubble: Oval 5">
+            <a:extLst>
+              <a:ext uri="{FF2B5EF4-FFF2-40B4-BE49-F238E27FC236}">
+                <a16:creationId xmlns:a16="http://schemas.microsoft.com/office/drawing/2014/main" id="{D7B468E9-75B6-4E39-A180-AA72DC3F0768}"/>
               </a:ext>
             </a:extLst>
           </p:cNvPr>
@@ -7448,11 +8590,100 @@
         </p:nvSpPr>
         <p:spPr>
           <a:xfrm>
-            <a:off x="1143000" y="1295400"/>
-            <a:ext cx="1371600" cy="695325"/>
-          </a:xfrm>
-          <a:prstGeom prst="roundRect">
-            <a:avLst/>
+            <a:off x="1277063" y="2168935"/>
+            <a:ext cx="2004969" cy="2231085"/>
+          </a:xfrm>
+          <a:prstGeom prst="wedgeEllipseCallout">
+            <a:avLst/>
+          </a:prstGeom>
+        </p:spPr>
+        <p:style>
+          <a:lnRef idx="0">
+            <a:schemeClr val="accent4"/>
+          </a:lnRef>
+          <a:fillRef idx="3">
+            <a:schemeClr val="accent4"/>
+          </a:fillRef>
+          <a:effectRef idx="3">
+            <a:schemeClr val="accent4"/>
+          </a:effectRef>
+          <a:fontRef idx="minor">
+            <a:schemeClr val="lt1"/>
+          </a:fontRef>
+        </p:style>
+        <p:txBody>
+          <a:bodyPr rtlCol="0" anchor="ctr"/>
+          <a:lstStyle/>
+          <a:p>
+            <a:pPr algn="ctr"/>
+            <a:r>
+              <a:rPr lang="en-US" dirty="0"/>
+              <a:t>Hold [</a:t>
+            </a:r>
+            <a:r>
+              <a:rPr lang="en-US" dirty="0">
+                <a:solidFill>
+                  <a:schemeClr val="accent1"/>
+                </a:solidFill>
+              </a:rPr>
+              <a:t>SPACE</a:t>
+            </a:r>
+            <a:r>
+              <a:rPr lang="en-US" dirty="0"/>
+              <a:t>] button to gain power,</a:t>
+            </a:r>
+          </a:p>
+          <a:p>
+            <a:pPr algn="ctr"/>
+            <a:r>
+              <a:rPr lang="en-US" dirty="0"/>
+              <a:t>Release to </a:t>
+            </a:r>
+            <a:r>
+              <a:rPr lang="en-US" dirty="0">
+                <a:ln w="0"/>
+                <a:solidFill>
+                  <a:srgbClr val="C00000"/>
+                </a:solidFill>
+                <a:effectLst>
+                  <a:outerShdw blurRad="38100" dist="25400" dir="5400000" algn="ctr" rotWithShape="0">
+                    <a:srgbClr val="6E747A">
+                      <a:alpha val="43000"/>
+                    </a:srgbClr>
+                  </a:outerShdw>
+                </a:effectLst>
+              </a:rPr>
+              <a:t>FIRE</a:t>
+            </a:r>
+            <a:r>
+              <a:rPr lang="en-US" dirty="0"/>
+              <a:t>!</a:t>
+            </a:r>
+          </a:p>
+        </p:txBody>
+      </p:sp>
+      <p:sp>
+        <p:nvSpPr>
+          <p:cNvPr id="7" name="Speech Bubble: Oval 6">
+            <a:extLst>
+              <a:ext uri="{FF2B5EF4-FFF2-40B4-BE49-F238E27FC236}">
+                <a16:creationId xmlns:a16="http://schemas.microsoft.com/office/drawing/2014/main" id="{DBB3C955-D511-4D07-A259-CEED86A5FF37}"/>
+              </a:ext>
+            </a:extLst>
+          </p:cNvPr>
+          <p:cNvSpPr/>
+          <p:nvPr/>
+        </p:nvSpPr>
+        <p:spPr>
+          <a:xfrm>
+            <a:off x="2883771" y="4193657"/>
+            <a:ext cx="1719743" cy="1384184"/>
+          </a:xfrm>
+          <a:prstGeom prst="wedgeEllipseCallout">
+            <a:avLst>
+              <a:gd name="adj1" fmla="val -55058"/>
+              <a:gd name="adj2" fmla="val 39470"/>
+            </a:avLst>
           </a:prstGeom>
         </p:spPr>
         <p:style>
@@ -7477,18 +8708,116 @@
           <a:p>
             <a:pPr algn="ctr"/>
             <a:r>
+              <a:rPr lang="en-US" altLang="zh-CN" dirty="0"/>
+              <a:t>Press [</a:t>
+            </a:r>
+            <a:r>
+              <a:rPr lang="en-US" altLang="zh-CN" dirty="0">
+                <a:solidFill>
+                  <a:schemeClr val="accent4">
+                    <a:lumMod val="60000"/>
+                    <a:lumOff val="40000"/>
+                  </a:schemeClr>
+                </a:solidFill>
+              </a:rPr>
+              <a:t>Q</a:t>
+            </a:r>
+            <a:r>
+              <a:rPr lang="en-US" altLang="zh-CN" dirty="0"/>
+              <a:t>][</a:t>
+            </a:r>
+            <a:r>
+              <a:rPr lang="en-US" altLang="zh-CN" dirty="0">
+                <a:solidFill>
+                  <a:schemeClr val="accent4">
+                    <a:lumMod val="60000"/>
+                    <a:lumOff val="40000"/>
+                  </a:schemeClr>
+                </a:solidFill>
+              </a:rPr>
+              <a:t>W</a:t>
+            </a:r>
+            <a:r>
+              <a:rPr lang="en-US" altLang="zh-CN" dirty="0"/>
+              <a:t>][</a:t>
+            </a:r>
+            <a:r>
+              <a:rPr lang="en-US" altLang="zh-CN" dirty="0">
+                <a:solidFill>
+                  <a:schemeClr val="accent4">
+                    <a:lumMod val="60000"/>
+                    <a:lumOff val="40000"/>
+                  </a:schemeClr>
+                </a:solidFill>
+              </a:rPr>
+              <a:t>E</a:t>
+            </a:r>
+            <a:r>
+              <a:rPr lang="en-US" altLang="zh-CN" dirty="0"/>
+              <a:t>] to activate skills</a:t>
+            </a:r>
+            <a:endParaRPr lang="en-US" dirty="0"/>
+          </a:p>
+        </p:txBody>
+      </p:sp>
+      <p:sp>
+        <p:nvSpPr>
+          <p:cNvPr id="8" name="Speech Bubble: Oval 7">
+            <a:extLst>
+              <a:ext uri="{FF2B5EF4-FFF2-40B4-BE49-F238E27FC236}">
+                <a16:creationId xmlns:a16="http://schemas.microsoft.com/office/drawing/2014/main" id="{A6F6A43E-B01B-4833-9B67-B86A4921E027}"/>
+              </a:ext>
+            </a:extLst>
+          </p:cNvPr>
+          <p:cNvSpPr/>
+          <p:nvPr/>
+        </p:nvSpPr>
+        <p:spPr>
+          <a:xfrm>
+            <a:off x="7252503" y="3712379"/>
+            <a:ext cx="2184543" cy="1493240"/>
+          </a:xfrm>
+          <a:prstGeom prst="wedgeEllipseCallout">
+            <a:avLst>
+              <a:gd name="adj1" fmla="val -47843"/>
+              <a:gd name="adj2" fmla="val 58006"/>
+            </a:avLst>
+          </a:prstGeom>
+        </p:spPr>
+        <p:style>
+          <a:lnRef idx="2">
+            <a:schemeClr val="accent6">
+              <a:shade val="50000"/>
+            </a:schemeClr>
+          </a:lnRef>
+          <a:fillRef idx="1">
+            <a:schemeClr val="accent6"/>
+          </a:fillRef>
+          <a:effectRef idx="0">
+            <a:schemeClr val="accent6"/>
+          </a:effectRef>
+          <a:fontRef idx="minor">
+            <a:schemeClr val="lt1"/>
+          </a:fontRef>
+        </p:style>
+        <p:txBody>
+          <a:bodyPr rtlCol="0" anchor="ctr"/>
+          <a:lstStyle/>
+          <a:p>
+            <a:pPr algn="ctr"/>
+            <a:r>
               <a:rPr lang="en-US" dirty="0"/>
-              <a:t>Main Menu</a:t>
-            </a:r>
-          </a:p>
-        </p:txBody>
-      </p:sp>
-      <p:sp>
-        <p:nvSpPr>
-          <p:cNvPr id="5" name="Rectangle: Rounded Corners 4">
-            <a:extLst>
-              <a:ext uri="{FF2B5EF4-FFF2-40B4-BE49-F238E27FC236}">
-                <a16:creationId xmlns:a16="http://schemas.microsoft.com/office/drawing/2014/main" id="{FD4CC2BB-F994-4544-B0F8-A4DEE5849564}"/>
+              <a:t>Use               to rotate your cannon</a:t>
+            </a:r>
+          </a:p>
+        </p:txBody>
+      </p:sp>
+      <p:sp>
+        <p:nvSpPr>
+          <p:cNvPr id="9" name="Speech Bubble: Oval 8">
+            <a:extLst>
+              <a:ext uri="{FF2B5EF4-FFF2-40B4-BE49-F238E27FC236}">
+                <a16:creationId xmlns:a16="http://schemas.microsoft.com/office/drawing/2014/main" id="{3AA3E671-AFA4-4C24-8742-78264E3007B1}"/>
               </a:ext>
             </a:extLst>
           </p:cNvPr>
@@ -7497,11 +8826,674 @@
         </p:nvSpPr>
         <p:spPr>
           <a:xfrm>
-            <a:off x="4076700" y="428625"/>
-            <a:ext cx="1371600" cy="695325"/>
-          </a:xfrm>
-          <a:prstGeom prst="roundRect">
-            <a:avLst/>
+            <a:off x="6921506" y="1122653"/>
+            <a:ext cx="1795244" cy="1258349"/>
+          </a:xfrm>
+          <a:prstGeom prst="wedgeEllipseCallout">
+            <a:avLst/>
+          </a:prstGeom>
+        </p:spPr>
+        <p:style>
+          <a:lnRef idx="2">
+            <a:schemeClr val="accent2">
+              <a:shade val="50000"/>
+            </a:schemeClr>
+          </a:lnRef>
+          <a:fillRef idx="1">
+            <a:schemeClr val="accent2"/>
+          </a:fillRef>
+          <a:effectRef idx="0">
+            <a:schemeClr val="accent2"/>
+          </a:effectRef>
+          <a:fontRef idx="minor">
+            <a:schemeClr val="lt1"/>
+          </a:fontRef>
+        </p:style>
+        <p:txBody>
+          <a:bodyPr rtlCol="0" anchor="ctr"/>
+          <a:lstStyle/>
+          <a:p>
+            <a:pPr algn="ctr"/>
+            <a:r>
+              <a:rPr lang="en-US" dirty="0"/>
+              <a:t>Try to BEAT these cubes</a:t>
+            </a:r>
+          </a:p>
+        </p:txBody>
+      </p:sp>
+      <p:pic>
+        <p:nvPicPr>
+          <p:cNvPr id="10" name="Picture 9">
+            <a:extLst>
+              <a:ext uri="{FF2B5EF4-FFF2-40B4-BE49-F238E27FC236}">
+                <a16:creationId xmlns:a16="http://schemas.microsoft.com/office/drawing/2014/main" id="{3C75BCDD-1993-48F3-AC2C-B86C32F1A239}"/>
+              </a:ext>
+            </a:extLst>
+          </p:cNvPr>
+          <p:cNvPicPr>
+            <a:picLocks noChangeAspect="1"/>
+          </p:cNvPicPr>
+          <p:nvPr/>
+        </p:nvPicPr>
+        <p:blipFill>
+          <a:blip r:embed="rId4">
+            <a:extLst>
+              <a:ext uri="{28A0092B-C50C-407E-A947-70E740481C1C}">
+                <a14:useLocalDpi xmlns:a14="http://schemas.microsoft.com/office/drawing/2010/main" val="0"/>
+              </a:ext>
+            </a:extLst>
+          </a:blip>
+          <a:stretch>
+            <a:fillRect/>
+          </a:stretch>
+        </p:blipFill>
+        <p:spPr>
+          <a:xfrm>
+            <a:off x="8078568" y="3865197"/>
+            <a:ext cx="690149" cy="471879"/>
+          </a:xfrm>
+          <a:prstGeom prst="rect">
+            <a:avLst/>
+          </a:prstGeom>
+        </p:spPr>
+      </p:pic>
+      <p:sp>
+        <p:nvSpPr>
+          <p:cNvPr id="18" name="Rectangle 17">
+            <a:extLst>
+              <a:ext uri="{FF2B5EF4-FFF2-40B4-BE49-F238E27FC236}">
+                <a16:creationId xmlns:a16="http://schemas.microsoft.com/office/drawing/2014/main" id="{52807069-7B12-40AD-9180-D0F73591EAA4}"/>
+              </a:ext>
+            </a:extLst>
+          </p:cNvPr>
+          <p:cNvSpPr/>
+          <p:nvPr/>
+        </p:nvSpPr>
+        <p:spPr>
+          <a:xfrm>
+            <a:off x="627785" y="158705"/>
+            <a:ext cx="10813774" cy="605065"/>
+          </a:xfrm>
+          <a:prstGeom prst="rect">
+            <a:avLst/>
+          </a:prstGeom>
+          <a:solidFill>
+            <a:srgbClr val="5ACA8F">
+              <a:alpha val="69804"/>
+            </a:srgbClr>
+          </a:solidFill>
+          <a:ln>
+            <a:noFill/>
+          </a:ln>
+        </p:spPr>
+        <p:style>
+          <a:lnRef idx="0">
+            <a:scrgbClr r="0" g="0" b="0"/>
+          </a:lnRef>
+          <a:fillRef idx="0">
+            <a:scrgbClr r="0" g="0" b="0"/>
+          </a:fillRef>
+          <a:effectRef idx="0">
+            <a:scrgbClr r="0" g="0" b="0"/>
+          </a:effectRef>
+          <a:fontRef idx="minor">
+            <a:schemeClr val="lt1"/>
+          </a:fontRef>
+        </p:style>
+        <p:txBody>
+          <a:bodyPr rtlCol="0" anchor="ctr"/>
+          <a:lstStyle/>
+          <a:p>
+            <a:pPr algn="ctr"/>
+            <a:endParaRPr lang="en-US"/>
+          </a:p>
+        </p:txBody>
+      </p:sp>
+      <p:sp>
+        <p:nvSpPr>
+          <p:cNvPr id="11" name="TextBox 10">
+            <a:extLst>
+              <a:ext uri="{FF2B5EF4-FFF2-40B4-BE49-F238E27FC236}">
+                <a16:creationId xmlns:a16="http://schemas.microsoft.com/office/drawing/2014/main" id="{2C5F5BD3-40AB-49FD-9946-21D77CDAF800}"/>
+              </a:ext>
+            </a:extLst>
+          </p:cNvPr>
+          <p:cNvSpPr txBox="1"/>
+          <p:nvPr/>
+        </p:nvSpPr>
+        <p:spPr>
+          <a:xfrm>
+            <a:off x="3070959" y="229917"/>
+            <a:ext cx="2489208" cy="523220"/>
+          </a:xfrm>
+          <a:prstGeom prst="rect">
+            <a:avLst/>
+          </a:prstGeom>
+          <a:noFill/>
+        </p:spPr>
+        <p:txBody>
+          <a:bodyPr wrap="none" rtlCol="0">
+            <a:spAutoFit/>
+          </a:bodyPr>
+          <a:lstStyle/>
+          <a:p>
+            <a:r>
+              <a:rPr lang="en-US" sz="2800" dirty="0">
+                <a:solidFill>
+                  <a:schemeClr val="bg1">
+                    <a:lumMod val="95000"/>
+                  </a:schemeClr>
+                </a:solidFill>
+              </a:rPr>
+              <a:t>Level 1: Bombs!</a:t>
+            </a:r>
+          </a:p>
+        </p:txBody>
+      </p:sp>
+      <p:sp>
+        <p:nvSpPr>
+          <p:cNvPr id="13" name="TextBox 12">
+            <a:extLst>
+              <a:ext uri="{FF2B5EF4-FFF2-40B4-BE49-F238E27FC236}">
+                <a16:creationId xmlns:a16="http://schemas.microsoft.com/office/drawing/2014/main" id="{1FABA28C-9213-452B-BE0E-D0588CDCD47C}"/>
+              </a:ext>
+            </a:extLst>
+          </p:cNvPr>
+          <p:cNvSpPr txBox="1"/>
+          <p:nvPr/>
+        </p:nvSpPr>
+        <p:spPr>
+          <a:xfrm>
+            <a:off x="1829380" y="344454"/>
+            <a:ext cx="1054391" cy="369332"/>
+          </a:xfrm>
+          <a:prstGeom prst="rect">
+            <a:avLst/>
+          </a:prstGeom>
+          <a:noFill/>
+        </p:spPr>
+        <p:txBody>
+          <a:bodyPr wrap="none" rtlCol="0">
+            <a:spAutoFit/>
+          </a:bodyPr>
+          <a:lstStyle/>
+          <a:p>
+            <a:r>
+              <a:rPr lang="en-US" dirty="0">
+                <a:ln w="0"/>
+                <a:solidFill>
+                  <a:schemeClr val="accent1"/>
+                </a:solidFill>
+                <a:effectLst>
+                  <a:outerShdw blurRad="38100" dist="25400" dir="5400000" algn="ctr" rotWithShape="0">
+                    <a:srgbClr val="6E747A">
+                      <a:alpha val="43000"/>
+                    </a:srgbClr>
+                  </a:outerShdw>
+                </a:effectLst>
+              </a:rPr>
+              <a:t>PC Player</a:t>
+            </a:r>
+          </a:p>
+        </p:txBody>
+      </p:sp>
+      <p:pic>
+        <p:nvPicPr>
+          <p:cNvPr id="14" name="Graphic 13" descr="Monitor">
+            <a:extLst>
+              <a:ext uri="{FF2B5EF4-FFF2-40B4-BE49-F238E27FC236}">
+                <a16:creationId xmlns:a16="http://schemas.microsoft.com/office/drawing/2014/main" id="{8D2023B8-F871-44F8-8808-43902F4E23BE}"/>
+              </a:ext>
+            </a:extLst>
+          </p:cNvPr>
+          <p:cNvPicPr>
+            <a:picLocks noChangeAspect="1"/>
+          </p:cNvPicPr>
+          <p:nvPr/>
+        </p:nvPicPr>
+        <p:blipFill>
+          <a:blip r:embed="rId5">
+            <a:extLst>
+              <a:ext uri="{28A0092B-C50C-407E-A947-70E740481C1C}">
+                <a14:useLocalDpi xmlns:a14="http://schemas.microsoft.com/office/drawing/2010/main" val="0"/>
+              </a:ext>
+              <a:ext uri="{96DAC541-7B7A-43D3-8B79-37D633B846F1}">
+                <asvg:svgBlip xmlns:asvg="http://schemas.microsoft.com/office/drawing/2016/SVG/main" r:embed="rId6"/>
+              </a:ext>
+            </a:extLst>
+          </a:blip>
+          <a:stretch>
+            <a:fillRect/>
+          </a:stretch>
+        </p:blipFill>
+        <p:spPr>
+          <a:xfrm>
+            <a:off x="1355040" y="179785"/>
+            <a:ext cx="573352" cy="573352"/>
+          </a:xfrm>
+          <a:prstGeom prst="rect">
+            <a:avLst/>
+          </a:prstGeom>
+        </p:spPr>
+      </p:pic>
+    </p:spTree>
+    <p:extLst>
+      <p:ext uri="{BB962C8B-B14F-4D97-AF65-F5344CB8AC3E}">
+        <p14:creationId xmlns:p14="http://schemas.microsoft.com/office/powerpoint/2010/main" val="1410246111"/>
+      </p:ext>
+    </p:extLst>
+  </p:cSld>
+  <p:clrMapOvr>
+    <a:masterClrMapping/>
+  </p:clrMapOvr>
+</p:sld>
+</file>
+
+<file path=ppt/slides/slide7.xml><?xml version="1.0" encoding="utf-8"?>
+<p:sld xmlns:a="http://schemas.openxmlformats.org/drawingml/2006/main" xmlns:r="http://schemas.openxmlformats.org/officeDocument/2006/relationships" xmlns:p="http://schemas.openxmlformats.org/presentationml/2006/main">
+  <p:cSld>
+    <p:spTree>
+      <p:nvGrpSpPr>
+        <p:cNvPr id="1" name=""/>
+        <p:cNvGrpSpPr/>
+        <p:nvPr/>
+      </p:nvGrpSpPr>
+      <p:grpSpPr>
+        <a:xfrm>
+          <a:off x="0" y="0"/>
+          <a:ext cx="0" cy="0"/>
+          <a:chOff x="0" y="0"/>
+          <a:chExt cx="0" cy="0"/>
+        </a:xfrm>
+      </p:grpSpPr>
+      <p:pic>
+        <p:nvPicPr>
+          <p:cNvPr id="5" name="Picture 4">
+            <a:extLst>
+              <a:ext uri="{FF2B5EF4-FFF2-40B4-BE49-F238E27FC236}">
+                <a16:creationId xmlns:a16="http://schemas.microsoft.com/office/drawing/2014/main" id="{BA7559B3-F430-455C-B426-F696D7BE0A57}"/>
+              </a:ext>
+            </a:extLst>
+          </p:cNvPr>
+          <p:cNvPicPr>
+            <a:picLocks noChangeAspect="1"/>
+          </p:cNvPicPr>
+          <p:nvPr/>
+        </p:nvPicPr>
+        <p:blipFill>
+          <a:blip r:embed="rId2">
+            <a:extLst>
+              <a:ext uri="{28A0092B-C50C-407E-A947-70E740481C1C}">
+                <a14:useLocalDpi xmlns:a14="http://schemas.microsoft.com/office/drawing/2010/main" val="0"/>
+              </a:ext>
+            </a:extLst>
+          </a:blip>
+          <a:stretch>
+            <a:fillRect/>
+          </a:stretch>
+        </p:blipFill>
+        <p:spPr>
+          <a:xfrm>
+            <a:off x="708740" y="119065"/>
+            <a:ext cx="10651865" cy="6738935"/>
+          </a:xfrm>
+          <a:prstGeom prst="rect">
+            <a:avLst/>
+          </a:prstGeom>
+          <a:solidFill>
+            <a:srgbClr val="FFFFFF">
+              <a:shade val="85000"/>
+            </a:srgbClr>
+          </a:solidFill>
+          <a:ln w="190500" cap="rnd">
+            <a:solidFill>
+              <a:srgbClr val="FFFFFF"/>
+            </a:solidFill>
+          </a:ln>
+          <a:effectLst>
+            <a:outerShdw blurRad="50000" algn="tl" rotWithShape="0">
+              <a:srgbClr val="000000">
+                <a:alpha val="41000"/>
+              </a:srgbClr>
+            </a:outerShdw>
+          </a:effectLst>
+          <a:scene3d>
+            <a:camera prst="orthographicFront"/>
+            <a:lightRig rig="twoPt" dir="t">
+              <a:rot lat="0" lon="0" rev="7800000"/>
+            </a:lightRig>
+          </a:scene3d>
+          <a:sp3d contourW="6350">
+            <a:bevelT w="50800" h="16510"/>
+            <a:contourClr>
+              <a:srgbClr val="C0C0C0"/>
+            </a:contourClr>
+          </a:sp3d>
+        </p:spPr>
+      </p:pic>
+      <p:pic>
+        <p:nvPicPr>
+          <p:cNvPr id="15" name="Picture 14">
+            <a:extLst>
+              <a:ext uri="{FF2B5EF4-FFF2-40B4-BE49-F238E27FC236}">
+                <a16:creationId xmlns:a16="http://schemas.microsoft.com/office/drawing/2014/main" id="{C54EF15C-8288-4105-84D2-91197E3A7004}"/>
+              </a:ext>
+            </a:extLst>
+          </p:cNvPr>
+          <p:cNvPicPr>
+            <a:picLocks noChangeAspect="1"/>
+          </p:cNvPicPr>
+          <p:nvPr/>
+        </p:nvPicPr>
+        <p:blipFill>
+          <a:blip r:embed="rId3">
+            <a:extLst>
+              <a:ext uri="{28A0092B-C50C-407E-A947-70E740481C1C}">
+                <a14:useLocalDpi xmlns:a14="http://schemas.microsoft.com/office/drawing/2010/main" val="0"/>
+              </a:ext>
+            </a:extLst>
+          </a:blip>
+          <a:stretch>
+            <a:fillRect/>
+          </a:stretch>
+        </p:blipFill>
+        <p:spPr>
+          <a:xfrm>
+            <a:off x="838619" y="917806"/>
+            <a:ext cx="10392972" cy="5840988"/>
+          </a:xfrm>
+          <a:prstGeom prst="rect">
+            <a:avLst/>
+          </a:prstGeom>
+        </p:spPr>
+      </p:pic>
+      <p:sp>
+        <p:nvSpPr>
+          <p:cNvPr id="18" name="Rectangle 17">
+            <a:extLst>
+              <a:ext uri="{FF2B5EF4-FFF2-40B4-BE49-F238E27FC236}">
+                <a16:creationId xmlns:a16="http://schemas.microsoft.com/office/drawing/2014/main" id="{52807069-7B12-40AD-9180-D0F73591EAA4}"/>
+              </a:ext>
+            </a:extLst>
+          </p:cNvPr>
+          <p:cNvSpPr/>
+          <p:nvPr/>
+        </p:nvSpPr>
+        <p:spPr>
+          <a:xfrm>
+            <a:off x="627785" y="158705"/>
+            <a:ext cx="10813774" cy="605065"/>
+          </a:xfrm>
+          <a:prstGeom prst="rect">
+            <a:avLst/>
+          </a:prstGeom>
+          <a:solidFill>
+            <a:srgbClr val="5ACA8F">
+              <a:alpha val="69804"/>
+            </a:srgbClr>
+          </a:solidFill>
+          <a:ln>
+            <a:noFill/>
+          </a:ln>
+        </p:spPr>
+        <p:style>
+          <a:lnRef idx="0">
+            <a:scrgbClr r="0" g="0" b="0"/>
+          </a:lnRef>
+          <a:fillRef idx="0">
+            <a:scrgbClr r="0" g="0" b="0"/>
+          </a:fillRef>
+          <a:effectRef idx="0">
+            <a:scrgbClr r="0" g="0" b="0"/>
+          </a:effectRef>
+          <a:fontRef idx="minor">
+            <a:schemeClr val="lt1"/>
+          </a:fontRef>
+        </p:style>
+        <p:txBody>
+          <a:bodyPr rtlCol="0" anchor="ctr"/>
+          <a:lstStyle/>
+          <a:p>
+            <a:pPr algn="ctr"/>
+            <a:endParaRPr lang="en-US"/>
+          </a:p>
+        </p:txBody>
+      </p:sp>
+      <p:sp>
+        <p:nvSpPr>
+          <p:cNvPr id="11" name="TextBox 10">
+            <a:extLst>
+              <a:ext uri="{FF2B5EF4-FFF2-40B4-BE49-F238E27FC236}">
+                <a16:creationId xmlns:a16="http://schemas.microsoft.com/office/drawing/2014/main" id="{2C5F5BD3-40AB-49FD-9946-21D77CDAF800}"/>
+              </a:ext>
+            </a:extLst>
+          </p:cNvPr>
+          <p:cNvSpPr txBox="1"/>
+          <p:nvPr/>
+        </p:nvSpPr>
+        <p:spPr>
+          <a:xfrm>
+            <a:off x="3070959" y="229917"/>
+            <a:ext cx="2333844" cy="523220"/>
+          </a:xfrm>
+          <a:prstGeom prst="rect">
+            <a:avLst/>
+          </a:prstGeom>
+          <a:noFill/>
+        </p:spPr>
+        <p:txBody>
+          <a:bodyPr wrap="none" rtlCol="0">
+            <a:spAutoFit/>
+          </a:bodyPr>
+          <a:lstStyle/>
+          <a:p>
+            <a:r>
+              <a:rPr lang="en-US" sz="2800" dirty="0">
+                <a:solidFill>
+                  <a:schemeClr val="bg1">
+                    <a:lumMod val="95000"/>
+                  </a:schemeClr>
+                </a:solidFill>
+              </a:rPr>
+              <a:t>Level 2: Soccer</a:t>
+            </a:r>
+          </a:p>
+        </p:txBody>
+      </p:sp>
+      <p:sp>
+        <p:nvSpPr>
+          <p:cNvPr id="13" name="TextBox 12">
+            <a:extLst>
+              <a:ext uri="{FF2B5EF4-FFF2-40B4-BE49-F238E27FC236}">
+                <a16:creationId xmlns:a16="http://schemas.microsoft.com/office/drawing/2014/main" id="{1FABA28C-9213-452B-BE0E-D0588CDCD47C}"/>
+              </a:ext>
+            </a:extLst>
+          </p:cNvPr>
+          <p:cNvSpPr txBox="1"/>
+          <p:nvPr/>
+        </p:nvSpPr>
+        <p:spPr>
+          <a:xfrm>
+            <a:off x="1829380" y="344454"/>
+            <a:ext cx="1054391" cy="369332"/>
+          </a:xfrm>
+          <a:prstGeom prst="rect">
+            <a:avLst/>
+          </a:prstGeom>
+          <a:noFill/>
+        </p:spPr>
+        <p:txBody>
+          <a:bodyPr wrap="none" rtlCol="0">
+            <a:spAutoFit/>
+          </a:bodyPr>
+          <a:lstStyle/>
+          <a:p>
+            <a:r>
+              <a:rPr lang="en-US" dirty="0">
+                <a:ln w="0"/>
+                <a:solidFill>
+                  <a:schemeClr val="accent1"/>
+                </a:solidFill>
+                <a:effectLst>
+                  <a:outerShdw blurRad="38100" dist="25400" dir="5400000" algn="ctr" rotWithShape="0">
+                    <a:srgbClr val="6E747A">
+                      <a:alpha val="43000"/>
+                    </a:srgbClr>
+                  </a:outerShdw>
+                </a:effectLst>
+              </a:rPr>
+              <a:t>PC Player</a:t>
+            </a:r>
+          </a:p>
+        </p:txBody>
+      </p:sp>
+      <p:pic>
+        <p:nvPicPr>
+          <p:cNvPr id="14" name="Graphic 13" descr="Monitor">
+            <a:extLst>
+              <a:ext uri="{FF2B5EF4-FFF2-40B4-BE49-F238E27FC236}">
+                <a16:creationId xmlns:a16="http://schemas.microsoft.com/office/drawing/2014/main" id="{8D2023B8-F871-44F8-8808-43902F4E23BE}"/>
+              </a:ext>
+            </a:extLst>
+          </p:cNvPr>
+          <p:cNvPicPr>
+            <a:picLocks noChangeAspect="1"/>
+          </p:cNvPicPr>
+          <p:nvPr/>
+        </p:nvPicPr>
+        <p:blipFill>
+          <a:blip r:embed="rId4">
+            <a:extLst>
+              <a:ext uri="{28A0092B-C50C-407E-A947-70E740481C1C}">
+                <a14:useLocalDpi xmlns:a14="http://schemas.microsoft.com/office/drawing/2010/main" val="0"/>
+              </a:ext>
+              <a:ext uri="{96DAC541-7B7A-43D3-8B79-37D633B846F1}">
+                <asvg:svgBlip xmlns:asvg="http://schemas.microsoft.com/office/drawing/2016/SVG/main" r:embed="rId5"/>
+              </a:ext>
+            </a:extLst>
+          </a:blip>
+          <a:stretch>
+            <a:fillRect/>
+          </a:stretch>
+        </p:blipFill>
+        <p:spPr>
+          <a:xfrm>
+            <a:off x="1355040" y="179785"/>
+            <a:ext cx="573352" cy="573352"/>
+          </a:xfrm>
+          <a:prstGeom prst="rect">
+            <a:avLst/>
+          </a:prstGeom>
+        </p:spPr>
+      </p:pic>
+      <p:sp>
+        <p:nvSpPr>
+          <p:cNvPr id="16" name="Speech Bubble: Oval 15">
+            <a:extLst>
+              <a:ext uri="{FF2B5EF4-FFF2-40B4-BE49-F238E27FC236}">
+                <a16:creationId xmlns:a16="http://schemas.microsoft.com/office/drawing/2014/main" id="{98C9C594-453C-40D4-A377-92C71E8DFC4B}"/>
+              </a:ext>
+            </a:extLst>
+          </p:cNvPr>
+          <p:cNvSpPr/>
+          <p:nvPr/>
+        </p:nvSpPr>
+        <p:spPr>
+          <a:xfrm>
+            <a:off x="889986" y="2289011"/>
+            <a:ext cx="2004969" cy="2231085"/>
+          </a:xfrm>
+          <a:prstGeom prst="wedgeEllipseCallout">
+            <a:avLst/>
+          </a:prstGeom>
+        </p:spPr>
+        <p:style>
+          <a:lnRef idx="0">
+            <a:schemeClr val="accent4"/>
+          </a:lnRef>
+          <a:fillRef idx="3">
+            <a:schemeClr val="accent4"/>
+          </a:fillRef>
+          <a:effectRef idx="3">
+            <a:schemeClr val="accent4"/>
+          </a:effectRef>
+          <a:fontRef idx="minor">
+            <a:schemeClr val="lt1"/>
+          </a:fontRef>
+        </p:style>
+        <p:txBody>
+          <a:bodyPr rtlCol="0" anchor="ctr"/>
+          <a:lstStyle/>
+          <a:p>
+            <a:pPr algn="ctr"/>
+            <a:r>
+              <a:rPr lang="en-US" dirty="0"/>
+              <a:t>Hold [</a:t>
+            </a:r>
+            <a:r>
+              <a:rPr lang="en-US" dirty="0">
+                <a:solidFill>
+                  <a:schemeClr val="accent1"/>
+                </a:solidFill>
+              </a:rPr>
+              <a:t>SPACE</a:t>
+            </a:r>
+            <a:r>
+              <a:rPr lang="en-US" dirty="0"/>
+              <a:t>] button to gain power,</a:t>
+            </a:r>
+          </a:p>
+          <a:p>
+            <a:pPr algn="ctr"/>
+            <a:r>
+              <a:rPr lang="en-US" dirty="0"/>
+              <a:t>Release to </a:t>
+            </a:r>
+            <a:r>
+              <a:rPr lang="en-US" dirty="0">
+                <a:ln w="0"/>
+                <a:solidFill>
+                  <a:srgbClr val="C00000"/>
+                </a:solidFill>
+                <a:effectLst>
+                  <a:outerShdw blurRad="38100" dist="25400" dir="5400000" algn="ctr" rotWithShape="0">
+                    <a:srgbClr val="6E747A">
+                      <a:alpha val="43000"/>
+                    </a:srgbClr>
+                  </a:outerShdw>
+                </a:effectLst>
+              </a:rPr>
+              <a:t>Kick</a:t>
+            </a:r>
+            <a:r>
+              <a:rPr lang="en-US" dirty="0"/>
+              <a:t>!</a:t>
+            </a:r>
+          </a:p>
+        </p:txBody>
+      </p:sp>
+      <p:sp>
+        <p:nvSpPr>
+          <p:cNvPr id="17" name="Speech Bubble: Oval 16">
+            <a:extLst>
+              <a:ext uri="{FF2B5EF4-FFF2-40B4-BE49-F238E27FC236}">
+                <a16:creationId xmlns:a16="http://schemas.microsoft.com/office/drawing/2014/main" id="{E8BFB9F6-FDB8-4C94-8F14-27E65C6E7F8D}"/>
+              </a:ext>
+            </a:extLst>
+          </p:cNvPr>
+          <p:cNvSpPr/>
+          <p:nvPr/>
+        </p:nvSpPr>
+        <p:spPr>
+          <a:xfrm>
+            <a:off x="2082907" y="4533373"/>
+            <a:ext cx="2651904" cy="1385275"/>
+          </a:xfrm>
+          <a:prstGeom prst="wedgeEllipseCallout">
+            <a:avLst>
+              <a:gd name="adj1" fmla="val -55058"/>
+              <a:gd name="adj2" fmla="val 39470"/>
+            </a:avLst>
           </a:prstGeom>
         </p:spPr>
         <p:style>
@@ -7526,18 +9518,34 @@
           <a:p>
             <a:pPr algn="ctr"/>
             <a:r>
-              <a:rPr lang="en-US" dirty="0"/>
-              <a:t>VR Ready</a:t>
-            </a:r>
-          </a:p>
-        </p:txBody>
-      </p:sp>
-      <p:sp>
-        <p:nvSpPr>
-          <p:cNvPr id="6" name="Rectangle: Rounded Corners 5">
-            <a:extLst>
-              <a:ext uri="{FF2B5EF4-FFF2-40B4-BE49-F238E27FC236}">
-                <a16:creationId xmlns:a16="http://schemas.microsoft.com/office/drawing/2014/main" id="{986DA670-EA69-495D-BB71-52C7A5959F87}"/>
+              <a:rPr lang="en-US" altLang="zh-CN" dirty="0"/>
+              <a:t>Curled Free Kick:          1 or     + [</a:t>
+            </a:r>
+            <a:r>
+              <a:rPr lang="en-US" altLang="zh-CN" dirty="0">
+                <a:solidFill>
+                  <a:schemeClr val="accent4">
+                    <a:lumMod val="40000"/>
+                    <a:lumOff val="60000"/>
+                  </a:schemeClr>
+                </a:solidFill>
+              </a:rPr>
+              <a:t>SPACE</a:t>
+            </a:r>
+            <a:r>
+              <a:rPr lang="en-US" altLang="zh-CN" dirty="0"/>
+              <a:t>] </a:t>
+            </a:r>
+            <a:endParaRPr lang="en-US" dirty="0"/>
+          </a:p>
+        </p:txBody>
+      </p:sp>
+      <p:sp>
+        <p:nvSpPr>
+          <p:cNvPr id="19" name="Speech Bubble: Oval 18">
+            <a:extLst>
+              <a:ext uri="{FF2B5EF4-FFF2-40B4-BE49-F238E27FC236}">
+                <a16:creationId xmlns:a16="http://schemas.microsoft.com/office/drawing/2014/main" id="{BB1551C6-B1BC-4AF7-95EF-93F6F1414093}"/>
               </a:ext>
             </a:extLst>
           </p:cNvPr>
@@ -7546,23 +9554,1110 @@
         </p:nvSpPr>
         <p:spPr>
           <a:xfrm>
-            <a:off x="4076700" y="1990725"/>
-            <a:ext cx="1371600" cy="695325"/>
-          </a:xfrm>
-          <a:prstGeom prst="roundRect">
-            <a:avLst/>
+            <a:off x="6779963" y="4084601"/>
+            <a:ext cx="2184543" cy="1493240"/>
+          </a:xfrm>
+          <a:prstGeom prst="wedgeEllipseCallout">
+            <a:avLst>
+              <a:gd name="adj1" fmla="val -47843"/>
+              <a:gd name="adj2" fmla="val 58006"/>
+            </a:avLst>
           </a:prstGeom>
         </p:spPr>
         <p:style>
           <a:lnRef idx="2">
-            <a:schemeClr val="accent1">
+            <a:schemeClr val="accent6">
               <a:shade val="50000"/>
             </a:schemeClr>
           </a:lnRef>
           <a:fillRef idx="1">
+            <a:schemeClr val="accent6"/>
+          </a:fillRef>
+          <a:effectRef idx="0">
+            <a:schemeClr val="accent6"/>
+          </a:effectRef>
+          <a:fontRef idx="minor">
+            <a:schemeClr val="lt1"/>
+          </a:fontRef>
+        </p:style>
+        <p:txBody>
+          <a:bodyPr rtlCol="0" anchor="ctr"/>
+          <a:lstStyle/>
+          <a:p>
+            <a:pPr algn="ctr"/>
+            <a:r>
+              <a:rPr lang="en-US" dirty="0"/>
+              <a:t>Use               to change your direction</a:t>
+            </a:r>
+          </a:p>
+        </p:txBody>
+      </p:sp>
+      <p:sp>
+        <p:nvSpPr>
+          <p:cNvPr id="20" name="Speech Bubble: Oval 19">
+            <a:extLst>
+              <a:ext uri="{FF2B5EF4-FFF2-40B4-BE49-F238E27FC236}">
+                <a16:creationId xmlns:a16="http://schemas.microsoft.com/office/drawing/2014/main" id="{9576CC0A-4A3C-4E56-9BCF-0AD440E43FC9}"/>
+              </a:ext>
+            </a:extLst>
+          </p:cNvPr>
+          <p:cNvSpPr/>
+          <p:nvPr/>
+        </p:nvSpPr>
+        <p:spPr>
+          <a:xfrm>
+            <a:off x="5983407" y="1209020"/>
+            <a:ext cx="1795244" cy="1258349"/>
+          </a:xfrm>
+          <a:prstGeom prst="wedgeEllipseCallout">
+            <a:avLst>
+              <a:gd name="adj1" fmla="val -29546"/>
+              <a:gd name="adj2" fmla="val 65368"/>
+            </a:avLst>
+          </a:prstGeom>
+        </p:spPr>
+        <p:style>
+          <a:lnRef idx="2">
+            <a:schemeClr val="accent2">
+              <a:shade val="50000"/>
+            </a:schemeClr>
+          </a:lnRef>
+          <a:fillRef idx="1">
+            <a:schemeClr val="accent2"/>
+          </a:fillRef>
+          <a:effectRef idx="0">
+            <a:schemeClr val="accent2"/>
+          </a:effectRef>
+          <a:fontRef idx="minor">
+            <a:schemeClr val="lt1"/>
+          </a:fontRef>
+        </p:style>
+        <p:txBody>
+          <a:bodyPr rtlCol="0" anchor="ctr"/>
+          <a:lstStyle/>
+          <a:p>
+            <a:pPr algn="ctr"/>
+            <a:r>
+              <a:rPr lang="en-US" dirty="0"/>
+              <a:t>Try to </a:t>
+            </a:r>
+            <a:r>
+              <a:rPr lang="en-US" dirty="0">
+                <a:solidFill>
+                  <a:schemeClr val="accent4">
+                    <a:lumMod val="40000"/>
+                    <a:lumOff val="60000"/>
+                  </a:schemeClr>
+                </a:solidFill>
+              </a:rPr>
+              <a:t>GOAL </a:t>
+            </a:r>
+            <a:r>
+              <a:rPr lang="en-US" dirty="0"/>
+              <a:t>!</a:t>
+            </a:r>
+          </a:p>
+        </p:txBody>
+      </p:sp>
+      <p:pic>
+        <p:nvPicPr>
+          <p:cNvPr id="21" name="Picture 20">
+            <a:extLst>
+              <a:ext uri="{FF2B5EF4-FFF2-40B4-BE49-F238E27FC236}">
+                <a16:creationId xmlns:a16="http://schemas.microsoft.com/office/drawing/2014/main" id="{BE1362D2-366A-4593-8D94-E2AD775B4AB9}"/>
+              </a:ext>
+            </a:extLst>
+          </p:cNvPr>
+          <p:cNvPicPr>
+            <a:picLocks noChangeAspect="1"/>
+          </p:cNvPicPr>
+          <p:nvPr/>
+        </p:nvPicPr>
+        <p:blipFill>
+          <a:blip r:embed="rId6">
+            <a:extLst>
+              <a:ext uri="{28A0092B-C50C-407E-A947-70E740481C1C}">
+                <a14:useLocalDpi xmlns:a14="http://schemas.microsoft.com/office/drawing/2010/main" val="0"/>
+              </a:ext>
+            </a:extLst>
+          </a:blip>
+          <a:stretch>
+            <a:fillRect/>
+          </a:stretch>
+        </p:blipFill>
+        <p:spPr>
+          <a:xfrm>
+            <a:off x="7619465" y="4224597"/>
+            <a:ext cx="690149" cy="471879"/>
+          </a:xfrm>
+          <a:prstGeom prst="rect">
+            <a:avLst/>
+          </a:prstGeom>
+        </p:spPr>
+      </p:pic>
+      <p:pic>
+        <p:nvPicPr>
+          <p:cNvPr id="22" name="Picture 21">
+            <a:extLst>
+              <a:ext uri="{FF2B5EF4-FFF2-40B4-BE49-F238E27FC236}">
+                <a16:creationId xmlns:a16="http://schemas.microsoft.com/office/drawing/2014/main" id="{F2713D2E-46B8-463C-A3BB-E5C4EC4E6058}"/>
+              </a:ext>
+            </a:extLst>
+          </p:cNvPr>
+          <p:cNvPicPr>
+            <a:picLocks noChangeAspect="1"/>
+          </p:cNvPicPr>
+          <p:nvPr/>
+        </p:nvPicPr>
+        <p:blipFill rotWithShape="1">
+          <a:blip r:embed="rId6">
+            <a:extLst>
+              <a:ext uri="{28A0092B-C50C-407E-A947-70E740481C1C}">
+                <a14:useLocalDpi xmlns:a14="http://schemas.microsoft.com/office/drawing/2010/main" val="0"/>
+              </a:ext>
+            </a:extLst>
+          </a:blip>
+          <a:srcRect l="3321" t="49293" r="65057" b="-261"/>
+          <a:stretch/>
+        </p:blipFill>
+        <p:spPr>
+          <a:xfrm>
+            <a:off x="2570633" y="5260989"/>
+            <a:ext cx="218234" cy="240507"/>
+          </a:xfrm>
+          <a:prstGeom prst="rect">
+            <a:avLst/>
+          </a:prstGeom>
+        </p:spPr>
+      </p:pic>
+      <p:pic>
+        <p:nvPicPr>
+          <p:cNvPr id="23" name="Picture 22">
+            <a:extLst>
+              <a:ext uri="{FF2B5EF4-FFF2-40B4-BE49-F238E27FC236}">
+                <a16:creationId xmlns:a16="http://schemas.microsoft.com/office/drawing/2014/main" id="{84AE23FF-2FE6-4641-BBB8-801742C25C67}"/>
+              </a:ext>
+            </a:extLst>
+          </p:cNvPr>
+          <p:cNvPicPr>
+            <a:picLocks noChangeAspect="1"/>
+          </p:cNvPicPr>
+          <p:nvPr/>
+        </p:nvPicPr>
+        <p:blipFill rotWithShape="1">
+          <a:blip r:embed="rId6">
+            <a:extLst>
+              <a:ext uri="{28A0092B-C50C-407E-A947-70E740481C1C}">
+                <a14:useLocalDpi xmlns:a14="http://schemas.microsoft.com/office/drawing/2010/main" val="0"/>
+              </a:ext>
+            </a:extLst>
+          </a:blip>
+          <a:srcRect l="67318" t="50284" b="-242"/>
+          <a:stretch/>
+        </p:blipFill>
+        <p:spPr>
+          <a:xfrm>
+            <a:off x="3056479" y="5270514"/>
+            <a:ext cx="225553" cy="235745"/>
+          </a:xfrm>
+          <a:prstGeom prst="rect">
+            <a:avLst/>
+          </a:prstGeom>
+        </p:spPr>
+      </p:pic>
+    </p:spTree>
+    <p:extLst>
+      <p:ext uri="{BB962C8B-B14F-4D97-AF65-F5344CB8AC3E}">
+        <p14:creationId xmlns:p14="http://schemas.microsoft.com/office/powerpoint/2010/main" val="906885367"/>
+      </p:ext>
+    </p:extLst>
+  </p:cSld>
+  <p:clrMapOvr>
+    <a:masterClrMapping/>
+  </p:clrMapOvr>
+</p:sld>
+</file>
+
+<file path=ppt/slides/slide8.xml><?xml version="1.0" encoding="utf-8"?>
+<p:sld xmlns:a="http://schemas.openxmlformats.org/drawingml/2006/main" xmlns:r="http://schemas.openxmlformats.org/officeDocument/2006/relationships" xmlns:p="http://schemas.openxmlformats.org/presentationml/2006/main">
+  <p:cSld>
+    <p:spTree>
+      <p:nvGrpSpPr>
+        <p:cNvPr id="1" name=""/>
+        <p:cNvGrpSpPr/>
+        <p:nvPr/>
+      </p:nvGrpSpPr>
+      <p:grpSpPr>
+        <a:xfrm>
+          <a:off x="0" y="0"/>
+          <a:ext cx="0" cy="0"/>
+          <a:chOff x="0" y="0"/>
+          <a:chExt cx="0" cy="0"/>
+        </a:xfrm>
+      </p:grpSpPr>
+      <p:pic>
+        <p:nvPicPr>
+          <p:cNvPr id="5" name="Picture 4">
+            <a:extLst>
+              <a:ext uri="{FF2B5EF4-FFF2-40B4-BE49-F238E27FC236}">
+                <a16:creationId xmlns:a16="http://schemas.microsoft.com/office/drawing/2014/main" id="{BA7559B3-F430-455C-B426-F696D7BE0A57}"/>
+              </a:ext>
+            </a:extLst>
+          </p:cNvPr>
+          <p:cNvPicPr>
+            <a:picLocks noChangeAspect="1"/>
+          </p:cNvPicPr>
+          <p:nvPr/>
+        </p:nvPicPr>
+        <p:blipFill>
+          <a:blip r:embed="rId2">
+            <a:extLst>
+              <a:ext uri="{28A0092B-C50C-407E-A947-70E740481C1C}">
+                <a14:useLocalDpi xmlns:a14="http://schemas.microsoft.com/office/drawing/2010/main" val="0"/>
+              </a:ext>
+            </a:extLst>
+          </a:blip>
+          <a:stretch>
+            <a:fillRect/>
+          </a:stretch>
+        </p:blipFill>
+        <p:spPr>
+          <a:xfrm>
+            <a:off x="708740" y="119065"/>
+            <a:ext cx="10651865" cy="6738935"/>
+          </a:xfrm>
+          <a:prstGeom prst="rect">
+            <a:avLst/>
+          </a:prstGeom>
+          <a:solidFill>
+            <a:srgbClr val="FFFFFF">
+              <a:shade val="85000"/>
+            </a:srgbClr>
+          </a:solidFill>
+          <a:ln w="190500" cap="rnd">
+            <a:solidFill>
+              <a:srgbClr val="FFFFFF"/>
+            </a:solidFill>
+          </a:ln>
+          <a:effectLst>
+            <a:outerShdw blurRad="50000" algn="tl" rotWithShape="0">
+              <a:srgbClr val="000000">
+                <a:alpha val="41000"/>
+              </a:srgbClr>
+            </a:outerShdw>
+          </a:effectLst>
+          <a:scene3d>
+            <a:camera prst="orthographicFront"/>
+            <a:lightRig rig="twoPt" dir="t">
+              <a:rot lat="0" lon="0" rev="7800000"/>
+            </a:lightRig>
+          </a:scene3d>
+          <a:sp3d contourW="6350">
+            <a:bevelT w="50800" h="16510"/>
+            <a:contourClr>
+              <a:srgbClr val="C0C0C0"/>
+            </a:contourClr>
+          </a:sp3d>
+        </p:spPr>
+      </p:pic>
+      <p:pic>
+        <p:nvPicPr>
+          <p:cNvPr id="24" name="Picture 23">
+            <a:extLst>
+              <a:ext uri="{FF2B5EF4-FFF2-40B4-BE49-F238E27FC236}">
+                <a16:creationId xmlns:a16="http://schemas.microsoft.com/office/drawing/2014/main" id="{76A0A05F-CA7F-4A4C-8852-8E05F1268333}"/>
+              </a:ext>
+            </a:extLst>
+          </p:cNvPr>
+          <p:cNvPicPr>
+            <a:picLocks noChangeAspect="1"/>
+          </p:cNvPicPr>
+          <p:nvPr/>
+        </p:nvPicPr>
+        <p:blipFill>
+          <a:blip r:embed="rId3"/>
+          <a:stretch>
+            <a:fillRect/>
+          </a:stretch>
+        </p:blipFill>
+        <p:spPr>
+          <a:xfrm>
+            <a:off x="853092" y="928439"/>
+            <a:ext cx="10378500" cy="5846117"/>
+          </a:xfrm>
+          <a:prstGeom prst="rect">
+            <a:avLst/>
+          </a:prstGeom>
+        </p:spPr>
+      </p:pic>
+      <p:sp>
+        <p:nvSpPr>
+          <p:cNvPr id="18" name="Rectangle 17">
+            <a:extLst>
+              <a:ext uri="{FF2B5EF4-FFF2-40B4-BE49-F238E27FC236}">
+                <a16:creationId xmlns:a16="http://schemas.microsoft.com/office/drawing/2014/main" id="{52807069-7B12-40AD-9180-D0F73591EAA4}"/>
+              </a:ext>
+            </a:extLst>
+          </p:cNvPr>
+          <p:cNvSpPr/>
+          <p:nvPr/>
+        </p:nvSpPr>
+        <p:spPr>
+          <a:xfrm>
+            <a:off x="627785" y="158705"/>
+            <a:ext cx="10813774" cy="605065"/>
+          </a:xfrm>
+          <a:prstGeom prst="rect">
+            <a:avLst/>
+          </a:prstGeom>
+          <a:solidFill>
+            <a:srgbClr val="5ACA8F">
+              <a:alpha val="69804"/>
+            </a:srgbClr>
+          </a:solidFill>
+          <a:ln>
+            <a:noFill/>
+          </a:ln>
+        </p:spPr>
+        <p:style>
+          <a:lnRef idx="0">
+            <a:scrgbClr r="0" g="0" b="0"/>
+          </a:lnRef>
+          <a:fillRef idx="0">
+            <a:scrgbClr r="0" g="0" b="0"/>
+          </a:fillRef>
+          <a:effectRef idx="0">
+            <a:scrgbClr r="0" g="0" b="0"/>
+          </a:effectRef>
+          <a:fontRef idx="minor">
+            <a:schemeClr val="lt1"/>
+          </a:fontRef>
+        </p:style>
+        <p:txBody>
+          <a:bodyPr rtlCol="0" anchor="ctr"/>
+          <a:lstStyle/>
+          <a:p>
+            <a:pPr algn="ctr"/>
+            <a:endParaRPr lang="en-US"/>
+          </a:p>
+        </p:txBody>
+      </p:sp>
+      <p:sp>
+        <p:nvSpPr>
+          <p:cNvPr id="11" name="TextBox 10">
+            <a:extLst>
+              <a:ext uri="{FF2B5EF4-FFF2-40B4-BE49-F238E27FC236}">
+                <a16:creationId xmlns:a16="http://schemas.microsoft.com/office/drawing/2014/main" id="{2C5F5BD3-40AB-49FD-9946-21D77CDAF800}"/>
+              </a:ext>
+            </a:extLst>
+          </p:cNvPr>
+          <p:cNvSpPr txBox="1"/>
+          <p:nvPr/>
+        </p:nvSpPr>
+        <p:spPr>
+          <a:xfrm>
+            <a:off x="3070959" y="229917"/>
+            <a:ext cx="2328394" cy="523220"/>
+          </a:xfrm>
+          <a:prstGeom prst="rect">
+            <a:avLst/>
+          </a:prstGeom>
+          <a:noFill/>
+        </p:spPr>
+        <p:txBody>
+          <a:bodyPr wrap="none" rtlCol="0">
+            <a:spAutoFit/>
+          </a:bodyPr>
+          <a:lstStyle/>
+          <a:p>
+            <a:r>
+              <a:rPr lang="en-US" sz="2800" dirty="0">
+                <a:solidFill>
+                  <a:schemeClr val="bg1">
+                    <a:lumMod val="95000"/>
+                  </a:schemeClr>
+                </a:solidFill>
+              </a:rPr>
+              <a:t>Level 3: Basket</a:t>
+            </a:r>
+          </a:p>
+        </p:txBody>
+      </p:sp>
+      <p:sp>
+        <p:nvSpPr>
+          <p:cNvPr id="13" name="TextBox 12">
+            <a:extLst>
+              <a:ext uri="{FF2B5EF4-FFF2-40B4-BE49-F238E27FC236}">
+                <a16:creationId xmlns:a16="http://schemas.microsoft.com/office/drawing/2014/main" id="{1FABA28C-9213-452B-BE0E-D0588CDCD47C}"/>
+              </a:ext>
+            </a:extLst>
+          </p:cNvPr>
+          <p:cNvSpPr txBox="1"/>
+          <p:nvPr/>
+        </p:nvSpPr>
+        <p:spPr>
+          <a:xfrm>
+            <a:off x="1829380" y="344454"/>
+            <a:ext cx="1054391" cy="369332"/>
+          </a:xfrm>
+          <a:prstGeom prst="rect">
+            <a:avLst/>
+          </a:prstGeom>
+          <a:noFill/>
+        </p:spPr>
+        <p:txBody>
+          <a:bodyPr wrap="none" rtlCol="0">
+            <a:spAutoFit/>
+          </a:bodyPr>
+          <a:lstStyle/>
+          <a:p>
+            <a:r>
+              <a:rPr lang="en-US" dirty="0">
+                <a:ln w="0"/>
+                <a:solidFill>
+                  <a:schemeClr val="accent1"/>
+                </a:solidFill>
+                <a:effectLst>
+                  <a:outerShdw blurRad="38100" dist="25400" dir="5400000" algn="ctr" rotWithShape="0">
+                    <a:srgbClr val="6E747A">
+                      <a:alpha val="43000"/>
+                    </a:srgbClr>
+                  </a:outerShdw>
+                </a:effectLst>
+              </a:rPr>
+              <a:t>PC Player</a:t>
+            </a:r>
+          </a:p>
+        </p:txBody>
+      </p:sp>
+      <p:pic>
+        <p:nvPicPr>
+          <p:cNvPr id="14" name="Graphic 13" descr="Monitor">
+            <a:extLst>
+              <a:ext uri="{FF2B5EF4-FFF2-40B4-BE49-F238E27FC236}">
+                <a16:creationId xmlns:a16="http://schemas.microsoft.com/office/drawing/2014/main" id="{8D2023B8-F871-44F8-8808-43902F4E23BE}"/>
+              </a:ext>
+            </a:extLst>
+          </p:cNvPr>
+          <p:cNvPicPr>
+            <a:picLocks noChangeAspect="1"/>
+          </p:cNvPicPr>
+          <p:nvPr/>
+        </p:nvPicPr>
+        <p:blipFill>
+          <a:blip r:embed="rId4">
+            <a:extLst>
+              <a:ext uri="{28A0092B-C50C-407E-A947-70E740481C1C}">
+                <a14:useLocalDpi xmlns:a14="http://schemas.microsoft.com/office/drawing/2010/main" val="0"/>
+              </a:ext>
+              <a:ext uri="{96DAC541-7B7A-43D3-8B79-37D633B846F1}">
+                <asvg:svgBlip xmlns:asvg="http://schemas.microsoft.com/office/drawing/2016/SVG/main" r:embed="rId5"/>
+              </a:ext>
+            </a:extLst>
+          </a:blip>
+          <a:stretch>
+            <a:fillRect/>
+          </a:stretch>
+        </p:blipFill>
+        <p:spPr>
+          <a:xfrm>
+            <a:off x="1355040" y="179785"/>
+            <a:ext cx="573352" cy="573352"/>
+          </a:xfrm>
+          <a:prstGeom prst="rect">
+            <a:avLst/>
+          </a:prstGeom>
+        </p:spPr>
+      </p:pic>
+      <p:pic>
+        <p:nvPicPr>
+          <p:cNvPr id="21" name="Picture 20">
+            <a:extLst>
+              <a:ext uri="{FF2B5EF4-FFF2-40B4-BE49-F238E27FC236}">
+                <a16:creationId xmlns:a16="http://schemas.microsoft.com/office/drawing/2014/main" id="{BE1362D2-366A-4593-8D94-E2AD775B4AB9}"/>
+              </a:ext>
+            </a:extLst>
+          </p:cNvPr>
+          <p:cNvPicPr>
+            <a:picLocks noChangeAspect="1"/>
+          </p:cNvPicPr>
+          <p:nvPr/>
+        </p:nvPicPr>
+        <p:blipFill>
+          <a:blip r:embed="rId6">
+            <a:extLst>
+              <a:ext uri="{28A0092B-C50C-407E-A947-70E740481C1C}">
+                <a14:useLocalDpi xmlns:a14="http://schemas.microsoft.com/office/drawing/2010/main" val="0"/>
+              </a:ext>
+            </a:extLst>
+          </a:blip>
+          <a:stretch>
+            <a:fillRect/>
+          </a:stretch>
+        </p:blipFill>
+        <p:spPr>
+          <a:xfrm>
+            <a:off x="7619465" y="4224597"/>
+            <a:ext cx="690149" cy="471879"/>
+          </a:xfrm>
+          <a:prstGeom prst="rect">
+            <a:avLst/>
+          </a:prstGeom>
+        </p:spPr>
+      </p:pic>
+      <p:sp>
+        <p:nvSpPr>
+          <p:cNvPr id="25" name="Speech Bubble: Oval 24">
+            <a:extLst>
+              <a:ext uri="{FF2B5EF4-FFF2-40B4-BE49-F238E27FC236}">
+                <a16:creationId xmlns:a16="http://schemas.microsoft.com/office/drawing/2014/main" id="{396F3460-C5FB-492D-A491-C39F0D44EB68}"/>
+              </a:ext>
+            </a:extLst>
+          </p:cNvPr>
+          <p:cNvSpPr/>
+          <p:nvPr/>
+        </p:nvSpPr>
+        <p:spPr>
+          <a:xfrm>
+            <a:off x="1048274" y="2339597"/>
+            <a:ext cx="2004969" cy="2231085"/>
+          </a:xfrm>
+          <a:prstGeom prst="wedgeEllipseCallout">
+            <a:avLst/>
+          </a:prstGeom>
+        </p:spPr>
+        <p:style>
+          <a:lnRef idx="0">
+            <a:schemeClr val="accent4"/>
+          </a:lnRef>
+          <a:fillRef idx="3">
+            <a:schemeClr val="accent4"/>
+          </a:fillRef>
+          <a:effectRef idx="3">
+            <a:schemeClr val="accent4"/>
+          </a:effectRef>
+          <a:fontRef idx="minor">
+            <a:schemeClr val="lt1"/>
+          </a:fontRef>
+        </p:style>
+        <p:txBody>
+          <a:bodyPr rtlCol="0" anchor="ctr"/>
+          <a:lstStyle/>
+          <a:p>
+            <a:pPr algn="ctr"/>
+            <a:r>
+              <a:rPr lang="en-US" dirty="0"/>
+              <a:t>Hold [</a:t>
+            </a:r>
+            <a:r>
+              <a:rPr lang="en-US" dirty="0">
+                <a:solidFill>
+                  <a:schemeClr val="accent1"/>
+                </a:solidFill>
+              </a:rPr>
+              <a:t>SPACE</a:t>
+            </a:r>
+            <a:r>
+              <a:rPr lang="en-US" dirty="0"/>
+              <a:t>] button to gain power,</a:t>
+            </a:r>
+          </a:p>
+          <a:p>
+            <a:pPr algn="ctr"/>
+            <a:r>
+              <a:rPr lang="en-US" dirty="0"/>
+              <a:t>Release to </a:t>
+            </a:r>
+            <a:r>
+              <a:rPr lang="en-US" dirty="0">
+                <a:ln w="0"/>
+                <a:solidFill>
+                  <a:srgbClr val="C00000"/>
+                </a:solidFill>
+                <a:effectLst>
+                  <a:outerShdw blurRad="38100" dist="25400" dir="5400000" algn="ctr" rotWithShape="0">
+                    <a:srgbClr val="6E747A">
+                      <a:alpha val="43000"/>
+                    </a:srgbClr>
+                  </a:outerShdw>
+                </a:effectLst>
+              </a:rPr>
+              <a:t>FIRE</a:t>
+            </a:r>
+            <a:r>
+              <a:rPr lang="en-US" dirty="0"/>
+              <a:t>!</a:t>
+            </a:r>
+          </a:p>
+        </p:txBody>
+      </p:sp>
+      <p:sp>
+        <p:nvSpPr>
+          <p:cNvPr id="26" name="Speech Bubble: Oval 25">
+            <a:extLst>
+              <a:ext uri="{FF2B5EF4-FFF2-40B4-BE49-F238E27FC236}">
+                <a16:creationId xmlns:a16="http://schemas.microsoft.com/office/drawing/2014/main" id="{5AD4FF9C-71E7-4DCE-BC40-03954EEC7577}"/>
+              </a:ext>
+            </a:extLst>
+          </p:cNvPr>
+          <p:cNvSpPr/>
+          <p:nvPr/>
+        </p:nvSpPr>
+        <p:spPr>
+          <a:xfrm>
+            <a:off x="7348756" y="3556933"/>
+            <a:ext cx="2184543" cy="1493240"/>
+          </a:xfrm>
+          <a:prstGeom prst="wedgeEllipseCallout">
+            <a:avLst>
+              <a:gd name="adj1" fmla="val -47843"/>
+              <a:gd name="adj2" fmla="val 58006"/>
+            </a:avLst>
+          </a:prstGeom>
+        </p:spPr>
+        <p:style>
+          <a:lnRef idx="2">
+            <a:schemeClr val="accent6">
+              <a:shade val="50000"/>
+            </a:schemeClr>
+          </a:lnRef>
+          <a:fillRef idx="1">
+            <a:schemeClr val="accent6"/>
+          </a:fillRef>
+          <a:effectRef idx="0">
+            <a:schemeClr val="accent6"/>
+          </a:effectRef>
+          <a:fontRef idx="minor">
+            <a:schemeClr val="lt1"/>
+          </a:fontRef>
+        </p:style>
+        <p:txBody>
+          <a:bodyPr rtlCol="0" anchor="ctr"/>
+          <a:lstStyle/>
+          <a:p>
+            <a:pPr algn="ctr"/>
+            <a:r>
+              <a:rPr lang="en-US" dirty="0"/>
+              <a:t>Use               to rotate your cannon</a:t>
+            </a:r>
+          </a:p>
+        </p:txBody>
+      </p:sp>
+      <p:sp>
+        <p:nvSpPr>
+          <p:cNvPr id="27" name="Speech Bubble: Oval 26">
+            <a:extLst>
+              <a:ext uri="{FF2B5EF4-FFF2-40B4-BE49-F238E27FC236}">
+                <a16:creationId xmlns:a16="http://schemas.microsoft.com/office/drawing/2014/main" id="{CF50D345-CBFC-4C01-952F-6A44669FA4B5}"/>
+              </a:ext>
+            </a:extLst>
+          </p:cNvPr>
+          <p:cNvSpPr/>
+          <p:nvPr/>
+        </p:nvSpPr>
+        <p:spPr>
+          <a:xfrm>
+            <a:off x="6301075" y="1090569"/>
+            <a:ext cx="2489812" cy="1258349"/>
+          </a:xfrm>
+          <a:prstGeom prst="wedgeEllipseCallout">
+            <a:avLst/>
+          </a:prstGeom>
+        </p:spPr>
+        <p:style>
+          <a:lnRef idx="2">
+            <a:schemeClr val="accent2">
+              <a:shade val="50000"/>
+            </a:schemeClr>
+          </a:lnRef>
+          <a:fillRef idx="1">
+            <a:schemeClr val="accent2"/>
+          </a:fillRef>
+          <a:effectRef idx="0">
+            <a:schemeClr val="accent2"/>
+          </a:effectRef>
+          <a:fontRef idx="minor">
+            <a:schemeClr val="lt1"/>
+          </a:fontRef>
+        </p:style>
+        <p:txBody>
+          <a:bodyPr rtlCol="0" anchor="ctr"/>
+          <a:lstStyle/>
+          <a:p>
+            <a:pPr algn="ctr"/>
+            <a:r>
+              <a:rPr lang="en-US" dirty="0"/>
+              <a:t>VR Player will try to bounce balls into baskets</a:t>
+            </a:r>
+          </a:p>
+        </p:txBody>
+      </p:sp>
+      <p:pic>
+        <p:nvPicPr>
+          <p:cNvPr id="28" name="Picture 27">
+            <a:extLst>
+              <a:ext uri="{FF2B5EF4-FFF2-40B4-BE49-F238E27FC236}">
+                <a16:creationId xmlns:a16="http://schemas.microsoft.com/office/drawing/2014/main" id="{3474A6D2-507A-4E14-B2ED-4275EE56BB18}"/>
+              </a:ext>
+            </a:extLst>
+          </p:cNvPr>
+          <p:cNvPicPr>
+            <a:picLocks noChangeAspect="1"/>
+          </p:cNvPicPr>
+          <p:nvPr/>
+        </p:nvPicPr>
+        <p:blipFill rotWithShape="1">
+          <a:blip r:embed="rId6">
+            <a:extLst>
+              <a:ext uri="{28A0092B-C50C-407E-A947-70E740481C1C}">
+                <a14:useLocalDpi xmlns:a14="http://schemas.microsoft.com/office/drawing/2010/main" val="0"/>
+              </a:ext>
+            </a:extLst>
+          </a:blip>
+          <a:srcRect l="3321" t="49293" r="65057" b="-261"/>
+          <a:stretch/>
+        </p:blipFill>
+        <p:spPr>
+          <a:xfrm>
+            <a:off x="8255760" y="3914671"/>
+            <a:ext cx="218234" cy="240507"/>
+          </a:xfrm>
+          <a:prstGeom prst="rect">
+            <a:avLst/>
+          </a:prstGeom>
+        </p:spPr>
+      </p:pic>
+      <p:pic>
+        <p:nvPicPr>
+          <p:cNvPr id="29" name="Picture 28">
+            <a:extLst>
+              <a:ext uri="{FF2B5EF4-FFF2-40B4-BE49-F238E27FC236}">
+                <a16:creationId xmlns:a16="http://schemas.microsoft.com/office/drawing/2014/main" id="{88BA90AC-AC99-4105-AD26-4DA34761F50F}"/>
+              </a:ext>
+            </a:extLst>
+          </p:cNvPr>
+          <p:cNvPicPr>
+            <a:picLocks noChangeAspect="1"/>
+          </p:cNvPicPr>
+          <p:nvPr/>
+        </p:nvPicPr>
+        <p:blipFill rotWithShape="1">
+          <a:blip r:embed="rId6">
+            <a:extLst>
+              <a:ext uri="{28A0092B-C50C-407E-A947-70E740481C1C}">
+                <a14:useLocalDpi xmlns:a14="http://schemas.microsoft.com/office/drawing/2010/main" val="0"/>
+              </a:ext>
+            </a:extLst>
+          </a:blip>
+          <a:srcRect l="67318" t="50284" b="-242"/>
+          <a:stretch/>
+        </p:blipFill>
+        <p:spPr>
+          <a:xfrm>
+            <a:off x="8565334" y="3913179"/>
+            <a:ext cx="225553" cy="235745"/>
+          </a:xfrm>
+          <a:prstGeom prst="rect">
+            <a:avLst/>
+          </a:prstGeom>
+        </p:spPr>
+      </p:pic>
+    </p:spTree>
+    <p:extLst>
+      <p:ext uri="{BB962C8B-B14F-4D97-AF65-F5344CB8AC3E}">
+        <p14:creationId xmlns:p14="http://schemas.microsoft.com/office/powerpoint/2010/main" val="3194305091"/>
+      </p:ext>
+    </p:extLst>
+  </p:cSld>
+  <p:clrMapOvr>
+    <a:masterClrMapping/>
+  </p:clrMapOvr>
+</p:sld>
+</file>
+
+<file path=ppt/slides/slide9.xml><?xml version="1.0" encoding="utf-8"?>
+<p:sld xmlns:a="http://schemas.openxmlformats.org/drawingml/2006/main" xmlns:r="http://schemas.openxmlformats.org/officeDocument/2006/relationships" xmlns:p="http://schemas.openxmlformats.org/presentationml/2006/main">
+  <p:cSld>
+    <p:spTree>
+      <p:nvGrpSpPr>
+        <p:cNvPr id="1" name=""/>
+        <p:cNvGrpSpPr/>
+        <p:nvPr/>
+      </p:nvGrpSpPr>
+      <p:grpSpPr>
+        <a:xfrm>
+          <a:off x="0" y="0"/>
+          <a:ext cx="0" cy="0"/>
+          <a:chOff x="0" y="0"/>
+          <a:chExt cx="0" cy="0"/>
+        </a:xfrm>
+      </p:grpSpPr>
+      <p:pic>
+        <p:nvPicPr>
+          <p:cNvPr id="5" name="Picture 4">
+            <a:extLst>
+              <a:ext uri="{FF2B5EF4-FFF2-40B4-BE49-F238E27FC236}">
+                <a16:creationId xmlns:a16="http://schemas.microsoft.com/office/drawing/2014/main" id="{BA7559B3-F430-455C-B426-F696D7BE0A57}"/>
+              </a:ext>
+            </a:extLst>
+          </p:cNvPr>
+          <p:cNvPicPr>
+            <a:picLocks noChangeAspect="1"/>
+          </p:cNvPicPr>
+          <p:nvPr/>
+        </p:nvPicPr>
+        <p:blipFill>
+          <a:blip r:embed="rId2">
+            <a:extLst>
+              <a:ext uri="{28A0092B-C50C-407E-A947-70E740481C1C}">
+                <a14:useLocalDpi xmlns:a14="http://schemas.microsoft.com/office/drawing/2010/main" val="0"/>
+              </a:ext>
+            </a:extLst>
+          </a:blip>
+          <a:stretch>
+            <a:fillRect/>
+          </a:stretch>
+        </p:blipFill>
+        <p:spPr>
+          <a:xfrm>
+            <a:off x="708740" y="119065"/>
+            <a:ext cx="10651865" cy="6738935"/>
+          </a:xfrm>
+          <a:prstGeom prst="rect">
+            <a:avLst/>
+          </a:prstGeom>
+          <a:solidFill>
+            <a:srgbClr val="FFFFFF">
+              <a:shade val="85000"/>
+            </a:srgbClr>
+          </a:solidFill>
+          <a:ln w="190500" cap="rnd">
+            <a:solidFill>
+              <a:srgbClr val="FFFFFF"/>
+            </a:solidFill>
+          </a:ln>
+          <a:effectLst>
+            <a:outerShdw blurRad="50000" algn="tl" rotWithShape="0">
+              <a:srgbClr val="000000">
+                <a:alpha val="41000"/>
+              </a:srgbClr>
+            </a:outerShdw>
+          </a:effectLst>
+          <a:scene3d>
+            <a:camera prst="orthographicFront"/>
+            <a:lightRig rig="twoPt" dir="t">
+              <a:rot lat="0" lon="0" rev="7800000"/>
+            </a:lightRig>
+          </a:scene3d>
+          <a:sp3d contourW="6350">
+            <a:bevelT w="50800" h="16510"/>
+            <a:contourClr>
+              <a:srgbClr val="C0C0C0"/>
+            </a:contourClr>
+          </a:sp3d>
+        </p:spPr>
+      </p:pic>
+      <p:pic>
+        <p:nvPicPr>
+          <p:cNvPr id="4" name="Picture 3">
+            <a:extLst>
+              <a:ext uri="{FF2B5EF4-FFF2-40B4-BE49-F238E27FC236}">
+                <a16:creationId xmlns:a16="http://schemas.microsoft.com/office/drawing/2014/main" id="{4654E6FA-38E0-4F6F-B686-002D863B11BE}"/>
+              </a:ext>
+            </a:extLst>
+          </p:cNvPr>
+          <p:cNvPicPr>
+            <a:picLocks noChangeAspect="1"/>
+          </p:cNvPicPr>
+          <p:nvPr/>
+        </p:nvPicPr>
+        <p:blipFill rotWithShape="1">
+          <a:blip r:embed="rId3"/>
+          <a:srcRect r="776"/>
+          <a:stretch/>
+        </p:blipFill>
+        <p:spPr>
+          <a:xfrm>
+            <a:off x="858592" y="987735"/>
+            <a:ext cx="10352159" cy="5794755"/>
+          </a:xfrm>
+          <a:prstGeom prst="rect">
+            <a:avLst/>
+          </a:prstGeom>
+        </p:spPr>
+      </p:pic>
+      <p:sp>
+        <p:nvSpPr>
+          <p:cNvPr id="18" name="Rectangle 17">
+            <a:extLst>
+              <a:ext uri="{FF2B5EF4-FFF2-40B4-BE49-F238E27FC236}">
+                <a16:creationId xmlns:a16="http://schemas.microsoft.com/office/drawing/2014/main" id="{52807069-7B12-40AD-9180-D0F73591EAA4}"/>
+              </a:ext>
+            </a:extLst>
+          </p:cNvPr>
+          <p:cNvSpPr/>
+          <p:nvPr/>
+        </p:nvSpPr>
+        <p:spPr>
+          <a:xfrm>
+            <a:off x="627785" y="158705"/>
+            <a:ext cx="10813774" cy="605065"/>
+          </a:xfrm>
+          <a:prstGeom prst="rect">
+            <a:avLst/>
+          </a:prstGeom>
+          <a:solidFill>
+            <a:srgbClr val="5ACA8F">
+              <a:alpha val="69804"/>
+            </a:srgbClr>
+          </a:solidFill>
+          <a:ln>
+            <a:noFill/>
+          </a:ln>
+        </p:spPr>
+        <p:style>
+          <a:lnRef idx="0">
+            <a:scrgbClr r="0" g="0" b="0"/>
+          </a:lnRef>
+          <a:fillRef idx="0">
+            <a:scrgbClr r="0" g="0" b="0"/>
+          </a:fillRef>
+          <a:effectRef idx="0">
+            <a:scrgbClr r="0" g="0" b="0"/>
+          </a:effectRef>
+          <a:fontRef idx="minor">
+            <a:schemeClr val="lt1"/>
+          </a:fontRef>
+        </p:style>
+        <p:txBody>
+          <a:bodyPr rtlCol="0" anchor="ctr"/>
+          <a:lstStyle/>
+          <a:p>
+            <a:pPr algn="ctr"/>
+            <a:endParaRPr lang="en-US"/>
+          </a:p>
+        </p:txBody>
+      </p:sp>
+      <p:sp>
+        <p:nvSpPr>
+          <p:cNvPr id="11" name="TextBox 10">
+            <a:extLst>
+              <a:ext uri="{FF2B5EF4-FFF2-40B4-BE49-F238E27FC236}">
+                <a16:creationId xmlns:a16="http://schemas.microsoft.com/office/drawing/2014/main" id="{2C5F5BD3-40AB-49FD-9946-21D77CDAF800}"/>
+              </a:ext>
+            </a:extLst>
+          </p:cNvPr>
+          <p:cNvSpPr txBox="1"/>
+          <p:nvPr/>
+        </p:nvSpPr>
+        <p:spPr>
+          <a:xfrm>
+            <a:off x="3070959" y="229917"/>
+            <a:ext cx="1880643" cy="523220"/>
+          </a:xfrm>
+          <a:prstGeom prst="rect">
+            <a:avLst/>
+          </a:prstGeom>
+          <a:noFill/>
+        </p:spPr>
+        <p:txBody>
+          <a:bodyPr wrap="none" rtlCol="0">
+            <a:spAutoFit/>
+          </a:bodyPr>
+          <a:lstStyle/>
+          <a:p>
+            <a:r>
+              <a:rPr lang="en-US" sz="2800" dirty="0">
+                <a:solidFill>
+                  <a:schemeClr val="bg1">
+                    <a:lumMod val="95000"/>
+                  </a:schemeClr>
+                </a:solidFill>
+              </a:rPr>
+              <a:t>Main Menu</a:t>
+            </a:r>
+          </a:p>
+        </p:txBody>
+      </p:sp>
+      <p:sp>
+        <p:nvSpPr>
+          <p:cNvPr id="13" name="TextBox 12">
+            <a:extLst>
+              <a:ext uri="{FF2B5EF4-FFF2-40B4-BE49-F238E27FC236}">
+                <a16:creationId xmlns:a16="http://schemas.microsoft.com/office/drawing/2014/main" id="{1FABA28C-9213-452B-BE0E-D0588CDCD47C}"/>
+              </a:ext>
+            </a:extLst>
+          </p:cNvPr>
+          <p:cNvSpPr txBox="1"/>
+          <p:nvPr/>
+        </p:nvSpPr>
+        <p:spPr>
+          <a:xfrm>
+            <a:off x="1829380" y="344454"/>
+            <a:ext cx="1068819" cy="369332"/>
+          </a:xfrm>
+          <a:prstGeom prst="rect">
+            <a:avLst/>
+          </a:prstGeom>
+          <a:noFill/>
+        </p:spPr>
+        <p:txBody>
+          <a:bodyPr wrap="none" rtlCol="0">
+            <a:spAutoFit/>
+          </a:bodyPr>
+          <a:lstStyle/>
+          <a:p>
+            <a:r>
+              <a:rPr lang="en-US" dirty="0">
+                <a:ln w="0"/>
+                <a:solidFill>
+                  <a:schemeClr val="accent1"/>
+                </a:solidFill>
+                <a:effectLst>
+                  <a:outerShdw blurRad="38100" dist="25400" dir="5400000" algn="ctr" rotWithShape="0">
+                    <a:srgbClr val="6E747A">
+                      <a:alpha val="43000"/>
+                    </a:srgbClr>
+                  </a:outerShdw>
+                </a:effectLst>
+              </a:rPr>
+              <a:t>VR Player</a:t>
+            </a:r>
+          </a:p>
+        </p:txBody>
+      </p:sp>
+      <p:sp>
+        <p:nvSpPr>
+          <p:cNvPr id="25" name="Speech Bubble: Oval 24">
+            <a:extLst>
+              <a:ext uri="{FF2B5EF4-FFF2-40B4-BE49-F238E27FC236}">
+                <a16:creationId xmlns:a16="http://schemas.microsoft.com/office/drawing/2014/main" id="{396F3460-C5FB-492D-A491-C39F0D44EB68}"/>
+              </a:ext>
+            </a:extLst>
+          </p:cNvPr>
+          <p:cNvSpPr/>
+          <p:nvPr/>
+        </p:nvSpPr>
+        <p:spPr>
+          <a:xfrm>
+            <a:off x="1481282" y="4060436"/>
+            <a:ext cx="1765014" cy="1600997"/>
+          </a:xfrm>
+          <a:prstGeom prst="wedgeEllipseCallout">
+            <a:avLst>
+              <a:gd name="adj1" fmla="val 79454"/>
+              <a:gd name="adj2" fmla="val 34985"/>
+            </a:avLst>
+          </a:prstGeom>
+        </p:spPr>
+        <p:style>
+          <a:lnRef idx="0">
+            <a:schemeClr val="accent1"/>
+          </a:lnRef>
+          <a:fillRef idx="3">
             <a:schemeClr val="accent1"/>
           </a:fillRef>
-          <a:effectRef idx="0">
+          <a:effectRef idx="3">
             <a:schemeClr val="accent1"/>
           </a:effectRef>
           <a:fontRef idx="minor">
@@ -7576,17 +10671,69 @@
             <a:pPr algn="ctr"/>
             <a:r>
               <a:rPr lang="en-US" dirty="0"/>
-              <a:t>PC Ready</a:t>
+              <a:t>Your virtual hands</a:t>
+            </a:r>
+          </a:p>
+        </p:txBody>
+      </p:sp>
+      <p:sp>
+        <p:nvSpPr>
+          <p:cNvPr id="27" name="Speech Bubble: Oval 26">
+            <a:extLst>
+              <a:ext uri="{FF2B5EF4-FFF2-40B4-BE49-F238E27FC236}">
+                <a16:creationId xmlns:a16="http://schemas.microsoft.com/office/drawing/2014/main" id="{CF50D345-CBFC-4C01-952F-6A44669FA4B5}"/>
+              </a:ext>
+            </a:extLst>
+          </p:cNvPr>
+          <p:cNvSpPr/>
+          <p:nvPr/>
+        </p:nvSpPr>
+        <p:spPr>
+          <a:xfrm>
+            <a:off x="8079052" y="1465943"/>
+            <a:ext cx="1819691" cy="855294"/>
+          </a:xfrm>
+          <a:prstGeom prst="wedgeEllipseCallout">
+            <a:avLst>
+              <a:gd name="adj1" fmla="val -60830"/>
+              <a:gd name="adj2" fmla="val 54610"/>
+            </a:avLst>
+          </a:prstGeom>
+        </p:spPr>
+        <p:style>
+          <a:lnRef idx="2">
+            <a:schemeClr val="accent2">
+              <a:shade val="50000"/>
+            </a:schemeClr>
+          </a:lnRef>
+          <a:fillRef idx="1">
+            <a:schemeClr val="accent2"/>
+          </a:fillRef>
+          <a:effectRef idx="0">
+            <a:schemeClr val="accent2"/>
+          </a:effectRef>
+          <a:fontRef idx="minor">
+            <a:schemeClr val="lt1"/>
+          </a:fontRef>
+        </p:style>
+        <p:txBody>
+          <a:bodyPr rtlCol="0" anchor="ctr"/>
+          <a:lstStyle/>
+          <a:p>
+            <a:pPr algn="ctr"/>
+            <a:r>
+              <a:rPr lang="en-US" dirty="0"/>
+              <a:t>VR tutorial</a:t>
             </a:r>
           </a:p>
         </p:txBody>
       </p:sp>
       <p:pic>
         <p:nvPicPr>
-          <p:cNvPr id="3" name="Graphic 2" descr="Shopping basket">
-            <a:extLst>
-              <a:ext uri="{FF2B5EF4-FFF2-40B4-BE49-F238E27FC236}">
-                <a16:creationId xmlns:a16="http://schemas.microsoft.com/office/drawing/2014/main" id="{CE749108-181A-4E65-B2F5-BC021361DA71}"/>
+          <p:cNvPr id="7" name="Picture 6">
+            <a:extLst>
+              <a:ext uri="{FF2B5EF4-FFF2-40B4-BE49-F238E27FC236}">
+                <a16:creationId xmlns:a16="http://schemas.microsoft.com/office/drawing/2014/main" id="{3586865F-5C6E-43FF-8546-F5C598EDEC1D}"/>
               </a:ext>
             </a:extLst>
           </p:cNvPr>
@@ -7596,13 +10743,17 @@
           <p:nvPr/>
         </p:nvPicPr>
         <p:blipFill>
-          <a:blip r:embed="rId2">
+          <a:blip r:embed="rId4">
+            <a:duotone>
+              <a:prstClr val="black"/>
+              <a:schemeClr val="accent1">
+                <a:tint val="45000"/>
+                <a:satMod val="400000"/>
+              </a:schemeClr>
+            </a:duotone>
             <a:extLst>
               <a:ext uri="{28A0092B-C50C-407E-A947-70E740481C1C}">
                 <a14:useLocalDpi xmlns:a14="http://schemas.microsoft.com/office/drawing/2010/main" val="0"/>
-              </a:ext>
-              <a:ext uri="{96DAC541-7B7A-43D3-8B79-37D633B846F1}">
-                <asvg:svgBlip xmlns:asvg="http://schemas.microsoft.com/office/drawing/2016/SVG/main" r:embed="rId3"/>
               </a:ext>
             </a:extLst>
           </a:blip>
@@ -7612,8 +10763,8 @@
         </p:blipFill>
         <p:spPr>
           <a:xfrm>
-            <a:off x="2057400" y="3291289"/>
-            <a:ext cx="914400" cy="914400"/>
+            <a:off x="1250034" y="269457"/>
+            <a:ext cx="570618" cy="374204"/>
           </a:xfrm>
           <a:prstGeom prst="rect">
             <a:avLst/>
@@ -7623,7 +10774,7 @@
     </p:spTree>
     <p:extLst>
       <p:ext uri="{BB962C8B-B14F-4D97-AF65-F5344CB8AC3E}">
-        <p14:creationId xmlns:p14="http://schemas.microsoft.com/office/powerpoint/2010/main" val="911005846"/>
+        <p14:creationId xmlns:p14="http://schemas.microsoft.com/office/powerpoint/2010/main" val="1476001657"/>
       </p:ext>
     </p:extLst>
   </p:cSld>

--- a/Document/Rabbit_Tutorial.pptx
+++ b/Document/Rabbit_Tutorial.pptx
@@ -274,7 +274,7 @@
           <a:p>
             <a:fld id="{1A06FA0B-CFBE-429B-8CB7-21045D9DF691}" type="datetimeFigureOut">
               <a:rPr lang="en-US" smtClean="0"/>
-              <a:t>8/17/2017</a:t>
+              <a:t>8/27/2017</a:t>
             </a:fld>
             <a:endParaRPr lang="en-US"/>
           </a:p>
@@ -472,7 +472,7 @@
           <a:p>
             <a:fld id="{1A06FA0B-CFBE-429B-8CB7-21045D9DF691}" type="datetimeFigureOut">
               <a:rPr lang="en-US" smtClean="0"/>
-              <a:t>8/17/2017</a:t>
+              <a:t>8/27/2017</a:t>
             </a:fld>
             <a:endParaRPr lang="en-US"/>
           </a:p>
@@ -680,7 +680,7 @@
           <a:p>
             <a:fld id="{1A06FA0B-CFBE-429B-8CB7-21045D9DF691}" type="datetimeFigureOut">
               <a:rPr lang="en-US" smtClean="0"/>
-              <a:t>8/17/2017</a:t>
+              <a:t>8/27/2017</a:t>
             </a:fld>
             <a:endParaRPr lang="en-US"/>
           </a:p>
@@ -878,7 +878,7 @@
           <a:p>
             <a:fld id="{1A06FA0B-CFBE-429B-8CB7-21045D9DF691}" type="datetimeFigureOut">
               <a:rPr lang="en-US" smtClean="0"/>
-              <a:t>8/17/2017</a:t>
+              <a:t>8/27/2017</a:t>
             </a:fld>
             <a:endParaRPr lang="en-US"/>
           </a:p>
@@ -1153,7 +1153,7 @@
           <a:p>
             <a:fld id="{1A06FA0B-CFBE-429B-8CB7-21045D9DF691}" type="datetimeFigureOut">
               <a:rPr lang="en-US" smtClean="0"/>
-              <a:t>8/17/2017</a:t>
+              <a:t>8/27/2017</a:t>
             </a:fld>
             <a:endParaRPr lang="en-US"/>
           </a:p>
@@ -1418,7 +1418,7 @@
           <a:p>
             <a:fld id="{1A06FA0B-CFBE-429B-8CB7-21045D9DF691}" type="datetimeFigureOut">
               <a:rPr lang="en-US" smtClean="0"/>
-              <a:t>8/17/2017</a:t>
+              <a:t>8/27/2017</a:t>
             </a:fld>
             <a:endParaRPr lang="en-US"/>
           </a:p>
@@ -1830,7 +1830,7 @@
           <a:p>
             <a:fld id="{1A06FA0B-CFBE-429B-8CB7-21045D9DF691}" type="datetimeFigureOut">
               <a:rPr lang="en-US" smtClean="0"/>
-              <a:t>8/17/2017</a:t>
+              <a:t>8/27/2017</a:t>
             </a:fld>
             <a:endParaRPr lang="en-US"/>
           </a:p>
@@ -1971,7 +1971,7 @@
           <a:p>
             <a:fld id="{1A06FA0B-CFBE-429B-8CB7-21045D9DF691}" type="datetimeFigureOut">
               <a:rPr lang="en-US" smtClean="0"/>
-              <a:t>8/17/2017</a:t>
+              <a:t>8/27/2017</a:t>
             </a:fld>
             <a:endParaRPr lang="en-US"/>
           </a:p>
@@ -2084,7 +2084,7 @@
           <a:p>
             <a:fld id="{1A06FA0B-CFBE-429B-8CB7-21045D9DF691}" type="datetimeFigureOut">
               <a:rPr lang="en-US" smtClean="0"/>
-              <a:t>8/17/2017</a:t>
+              <a:t>8/27/2017</a:t>
             </a:fld>
             <a:endParaRPr lang="en-US"/>
           </a:p>
@@ -2395,7 +2395,7 @@
           <a:p>
             <a:fld id="{1A06FA0B-CFBE-429B-8CB7-21045D9DF691}" type="datetimeFigureOut">
               <a:rPr lang="en-US" smtClean="0"/>
-              <a:t>8/17/2017</a:t>
+              <a:t>8/27/2017</a:t>
             </a:fld>
             <a:endParaRPr lang="en-US"/>
           </a:p>
@@ -2683,7 +2683,7 @@
           <a:p>
             <a:fld id="{1A06FA0B-CFBE-429B-8CB7-21045D9DF691}" type="datetimeFigureOut">
               <a:rPr lang="en-US" smtClean="0"/>
-              <a:t>8/17/2017</a:t>
+              <a:t>8/27/2017</a:t>
             </a:fld>
             <a:endParaRPr lang="en-US"/>
           </a:p>
@@ -2924,7 +2924,7 @@
           <a:p>
             <a:fld id="{1A06FA0B-CFBE-429B-8CB7-21045D9DF691}" type="datetimeFigureOut">
               <a:rPr lang="en-US" smtClean="0"/>
-              <a:t>8/17/2017</a:t>
+              <a:t>8/27/2017</a:t>
             </a:fld>
             <a:endParaRPr lang="en-US"/>
           </a:p>
@@ -6714,6 +6714,256 @@
           </a:prstGeom>
         </p:spPr>
       </p:pic>
+      <p:sp>
+        <p:nvSpPr>
+          <p:cNvPr id="2" name="Oval 1">
+            <a:extLst>
+              <a:ext uri="{FF2B5EF4-FFF2-40B4-BE49-F238E27FC236}">
+                <a16:creationId xmlns:a16="http://schemas.microsoft.com/office/drawing/2014/main" id="{C9F08BA0-1E30-4CEF-88A5-C99678662E1D}"/>
+              </a:ext>
+            </a:extLst>
+          </p:cNvPr>
+          <p:cNvSpPr/>
+          <p:nvPr/>
+        </p:nvSpPr>
+        <p:spPr>
+          <a:xfrm>
+            <a:off x="3838669" y="3630440"/>
+            <a:ext cx="2734147" cy="2734147"/>
+          </a:xfrm>
+          <a:prstGeom prst="ellipse">
+            <a:avLst/>
+          </a:prstGeom>
+          <a:solidFill>
+            <a:srgbClr val="00B0F0"/>
+          </a:solidFill>
+          <a:ln>
+            <a:noFill/>
+          </a:ln>
+        </p:spPr>
+        <p:style>
+          <a:lnRef idx="2">
+            <a:schemeClr val="accent1">
+              <a:shade val="50000"/>
+            </a:schemeClr>
+          </a:lnRef>
+          <a:fillRef idx="1">
+            <a:schemeClr val="accent1"/>
+          </a:fillRef>
+          <a:effectRef idx="0">
+            <a:schemeClr val="accent1"/>
+          </a:effectRef>
+          <a:fontRef idx="minor">
+            <a:schemeClr val="lt1"/>
+          </a:fontRef>
+        </p:style>
+        <p:txBody>
+          <a:bodyPr rtlCol="0" anchor="ctr"/>
+          <a:lstStyle/>
+          <a:p>
+            <a:pPr algn="ctr"/>
+            <a:endParaRPr lang="en-US"/>
+          </a:p>
+        </p:txBody>
+      </p:sp>
+      <p:sp>
+        <p:nvSpPr>
+          <p:cNvPr id="7" name="Oval 6">
+            <a:extLst>
+              <a:ext uri="{FF2B5EF4-FFF2-40B4-BE49-F238E27FC236}">
+                <a16:creationId xmlns:a16="http://schemas.microsoft.com/office/drawing/2014/main" id="{10DE1463-8088-44BF-BE18-6FA619DC3441}"/>
+              </a:ext>
+            </a:extLst>
+          </p:cNvPr>
+          <p:cNvSpPr/>
+          <p:nvPr/>
+        </p:nvSpPr>
+        <p:spPr>
+          <a:xfrm>
+            <a:off x="4105746" y="3897517"/>
+            <a:ext cx="2199992" cy="2199992"/>
+          </a:xfrm>
+          <a:prstGeom prst="ellipse">
+            <a:avLst/>
+          </a:prstGeom>
+          <a:ln>
+            <a:noFill/>
+          </a:ln>
+        </p:spPr>
+        <p:style>
+          <a:lnRef idx="2">
+            <a:schemeClr val="accent1"/>
+          </a:lnRef>
+          <a:fillRef idx="1">
+            <a:schemeClr val="lt1"/>
+          </a:fillRef>
+          <a:effectRef idx="0">
+            <a:schemeClr val="accent1"/>
+          </a:effectRef>
+          <a:fontRef idx="minor">
+            <a:schemeClr val="dk1"/>
+          </a:fontRef>
+        </p:style>
+        <p:txBody>
+          <a:bodyPr rtlCol="0" anchor="ctr"/>
+          <a:lstStyle/>
+          <a:p>
+            <a:pPr algn="ctr"/>
+            <a:endParaRPr lang="en-US"/>
+          </a:p>
+        </p:txBody>
+      </p:sp>
+      <p:sp>
+        <p:nvSpPr>
+          <p:cNvPr id="8" name="Oval 7">
+            <a:extLst>
+              <a:ext uri="{FF2B5EF4-FFF2-40B4-BE49-F238E27FC236}">
+                <a16:creationId xmlns:a16="http://schemas.microsoft.com/office/drawing/2014/main" id="{951EC74F-D1C5-4CEE-9864-6F8315D34F21}"/>
+              </a:ext>
+            </a:extLst>
+          </p:cNvPr>
+          <p:cNvSpPr/>
+          <p:nvPr/>
+        </p:nvSpPr>
+        <p:spPr>
+          <a:xfrm>
+            <a:off x="4318502" y="4119327"/>
+            <a:ext cx="1774480" cy="1756372"/>
+          </a:xfrm>
+          <a:prstGeom prst="ellipse">
+            <a:avLst/>
+          </a:prstGeom>
+          <a:solidFill>
+            <a:srgbClr val="00B0F0"/>
+          </a:solidFill>
+          <a:ln>
+            <a:noFill/>
+          </a:ln>
+        </p:spPr>
+        <p:style>
+          <a:lnRef idx="2">
+            <a:schemeClr val="accent1">
+              <a:shade val="50000"/>
+            </a:schemeClr>
+          </a:lnRef>
+          <a:fillRef idx="1">
+            <a:schemeClr val="accent1"/>
+          </a:fillRef>
+          <a:effectRef idx="0">
+            <a:schemeClr val="accent1"/>
+          </a:effectRef>
+          <a:fontRef idx="minor">
+            <a:schemeClr val="lt1"/>
+          </a:fontRef>
+        </p:style>
+        <p:txBody>
+          <a:bodyPr rtlCol="0" anchor="ctr"/>
+          <a:lstStyle/>
+          <a:p>
+            <a:pPr algn="ctr"/>
+            <a:endParaRPr lang="en-US"/>
+          </a:p>
+        </p:txBody>
+      </p:sp>
+      <p:sp>
+        <p:nvSpPr>
+          <p:cNvPr id="9" name="Oval 8">
+            <a:extLst>
+              <a:ext uri="{FF2B5EF4-FFF2-40B4-BE49-F238E27FC236}">
+                <a16:creationId xmlns:a16="http://schemas.microsoft.com/office/drawing/2014/main" id="{99C9C969-55E9-4EE4-9532-31C928B5A95F}"/>
+              </a:ext>
+            </a:extLst>
+          </p:cNvPr>
+          <p:cNvSpPr/>
+          <p:nvPr/>
+        </p:nvSpPr>
+        <p:spPr>
+          <a:xfrm>
+            <a:off x="4535785" y="4327556"/>
+            <a:ext cx="1339914" cy="1339914"/>
+          </a:xfrm>
+          <a:prstGeom prst="ellipse">
+            <a:avLst/>
+          </a:prstGeom>
+          <a:ln>
+            <a:noFill/>
+          </a:ln>
+        </p:spPr>
+        <p:style>
+          <a:lnRef idx="2">
+            <a:schemeClr val="accent1"/>
+          </a:lnRef>
+          <a:fillRef idx="1">
+            <a:schemeClr val="lt1"/>
+          </a:fillRef>
+          <a:effectRef idx="0">
+            <a:schemeClr val="accent1"/>
+          </a:effectRef>
+          <a:fontRef idx="minor">
+            <a:schemeClr val="dk1"/>
+          </a:fontRef>
+        </p:style>
+        <p:txBody>
+          <a:bodyPr rtlCol="0" anchor="ctr"/>
+          <a:lstStyle/>
+          <a:p>
+            <a:pPr algn="ctr"/>
+            <a:endParaRPr lang="en-US"/>
+          </a:p>
+        </p:txBody>
+      </p:sp>
+      <p:sp>
+        <p:nvSpPr>
+          <p:cNvPr id="10" name="Oval 9">
+            <a:extLst>
+              <a:ext uri="{FF2B5EF4-FFF2-40B4-BE49-F238E27FC236}">
+                <a16:creationId xmlns:a16="http://schemas.microsoft.com/office/drawing/2014/main" id="{D7F20113-690B-405B-99EA-E65AD811E840}"/>
+              </a:ext>
+            </a:extLst>
+          </p:cNvPr>
+          <p:cNvSpPr/>
+          <p:nvPr/>
+        </p:nvSpPr>
+        <p:spPr>
+          <a:xfrm>
+            <a:off x="4852656" y="4644427"/>
+            <a:ext cx="706172" cy="706172"/>
+          </a:xfrm>
+          <a:prstGeom prst="ellipse">
+            <a:avLst/>
+          </a:prstGeom>
+          <a:solidFill>
+            <a:srgbClr val="FF0000"/>
+          </a:solidFill>
+          <a:ln>
+            <a:noFill/>
+          </a:ln>
+        </p:spPr>
+        <p:style>
+          <a:lnRef idx="2">
+            <a:schemeClr val="accent1">
+              <a:shade val="50000"/>
+            </a:schemeClr>
+          </a:lnRef>
+          <a:fillRef idx="1">
+            <a:schemeClr val="accent1"/>
+          </a:fillRef>
+          <a:effectRef idx="0">
+            <a:schemeClr val="accent1"/>
+          </a:effectRef>
+          <a:fontRef idx="minor">
+            <a:schemeClr val="lt1"/>
+          </a:fontRef>
+        </p:style>
+        <p:txBody>
+          <a:bodyPr rtlCol="0" anchor="ctr"/>
+          <a:lstStyle/>
+          <a:p>
+            <a:pPr algn="ctr"/>
+            <a:endParaRPr lang="en-US"/>
+          </a:p>
+        </p:txBody>
+      </p:sp>
     </p:spTree>
     <p:extLst>
       <p:ext uri="{BB962C8B-B14F-4D97-AF65-F5344CB8AC3E}">

--- a/Document/Rabbit_Tutorial.pptx
+++ b/Document/Rabbit_Tutorial.pptx
@@ -274,7 +274,7 @@
           <a:p>
             <a:fld id="{1A06FA0B-CFBE-429B-8CB7-21045D9DF691}" type="datetimeFigureOut">
               <a:rPr lang="en-US" smtClean="0"/>
-              <a:t>8/27/2017</a:t>
+              <a:t>10/2/2017</a:t>
             </a:fld>
             <a:endParaRPr lang="en-US"/>
           </a:p>
@@ -472,7 +472,7 @@
           <a:p>
             <a:fld id="{1A06FA0B-CFBE-429B-8CB7-21045D9DF691}" type="datetimeFigureOut">
               <a:rPr lang="en-US" smtClean="0"/>
-              <a:t>8/27/2017</a:t>
+              <a:t>10/2/2017</a:t>
             </a:fld>
             <a:endParaRPr lang="en-US"/>
           </a:p>
@@ -680,7 +680,7 @@
           <a:p>
             <a:fld id="{1A06FA0B-CFBE-429B-8CB7-21045D9DF691}" type="datetimeFigureOut">
               <a:rPr lang="en-US" smtClean="0"/>
-              <a:t>8/27/2017</a:t>
+              <a:t>10/2/2017</a:t>
             </a:fld>
             <a:endParaRPr lang="en-US"/>
           </a:p>
@@ -878,7 +878,7 @@
           <a:p>
             <a:fld id="{1A06FA0B-CFBE-429B-8CB7-21045D9DF691}" type="datetimeFigureOut">
               <a:rPr lang="en-US" smtClean="0"/>
-              <a:t>8/27/2017</a:t>
+              <a:t>10/2/2017</a:t>
             </a:fld>
             <a:endParaRPr lang="en-US"/>
           </a:p>
@@ -1153,7 +1153,7 @@
           <a:p>
             <a:fld id="{1A06FA0B-CFBE-429B-8CB7-21045D9DF691}" type="datetimeFigureOut">
               <a:rPr lang="en-US" smtClean="0"/>
-              <a:t>8/27/2017</a:t>
+              <a:t>10/2/2017</a:t>
             </a:fld>
             <a:endParaRPr lang="en-US"/>
           </a:p>
@@ -1418,7 +1418,7 @@
           <a:p>
             <a:fld id="{1A06FA0B-CFBE-429B-8CB7-21045D9DF691}" type="datetimeFigureOut">
               <a:rPr lang="en-US" smtClean="0"/>
-              <a:t>8/27/2017</a:t>
+              <a:t>10/2/2017</a:t>
             </a:fld>
             <a:endParaRPr lang="en-US"/>
           </a:p>
@@ -1830,7 +1830,7 @@
           <a:p>
             <a:fld id="{1A06FA0B-CFBE-429B-8CB7-21045D9DF691}" type="datetimeFigureOut">
               <a:rPr lang="en-US" smtClean="0"/>
-              <a:t>8/27/2017</a:t>
+              <a:t>10/2/2017</a:t>
             </a:fld>
             <a:endParaRPr lang="en-US"/>
           </a:p>
@@ -1971,7 +1971,7 @@
           <a:p>
             <a:fld id="{1A06FA0B-CFBE-429B-8CB7-21045D9DF691}" type="datetimeFigureOut">
               <a:rPr lang="en-US" smtClean="0"/>
-              <a:t>8/27/2017</a:t>
+              <a:t>10/2/2017</a:t>
             </a:fld>
             <a:endParaRPr lang="en-US"/>
           </a:p>
@@ -2084,7 +2084,7 @@
           <a:p>
             <a:fld id="{1A06FA0B-CFBE-429B-8CB7-21045D9DF691}" type="datetimeFigureOut">
               <a:rPr lang="en-US" smtClean="0"/>
-              <a:t>8/27/2017</a:t>
+              <a:t>10/2/2017</a:t>
             </a:fld>
             <a:endParaRPr lang="en-US"/>
           </a:p>
@@ -2395,7 +2395,7 @@
           <a:p>
             <a:fld id="{1A06FA0B-CFBE-429B-8CB7-21045D9DF691}" type="datetimeFigureOut">
               <a:rPr lang="en-US" smtClean="0"/>
-              <a:t>8/27/2017</a:t>
+              <a:t>10/2/2017</a:t>
             </a:fld>
             <a:endParaRPr lang="en-US"/>
           </a:p>
@@ -2683,7 +2683,7 @@
           <a:p>
             <a:fld id="{1A06FA0B-CFBE-429B-8CB7-21045D9DF691}" type="datetimeFigureOut">
               <a:rPr lang="en-US" smtClean="0"/>
-              <a:t>8/27/2017</a:t>
+              <a:t>10/2/2017</a:t>
             </a:fld>
             <a:endParaRPr lang="en-US"/>
           </a:p>
@@ -2924,7 +2924,7 @@
           <a:p>
             <a:fld id="{1A06FA0B-CFBE-429B-8CB7-21045D9DF691}" type="datetimeFigureOut">
               <a:rPr lang="en-US" smtClean="0"/>
-              <a:t>8/27/2017</a:t>
+              <a:t>10/2/2017</a:t>
             </a:fld>
             <a:endParaRPr lang="en-US"/>
           </a:p>
@@ -3650,8 +3650,8 @@
         </p:nvSpPr>
         <p:spPr>
           <a:xfrm>
-            <a:off x="6568580" y="1090569"/>
-            <a:ext cx="1795244" cy="1258349"/>
+            <a:off x="6568579" y="1090569"/>
+            <a:ext cx="1845747" cy="1258349"/>
           </a:xfrm>
           <a:prstGeom prst="wedgeEllipseCallout">
             <a:avLst/>
@@ -3680,7 +3680,7 @@
             <a:pPr algn="ctr"/>
             <a:r>
               <a:rPr lang="en-US" dirty="0"/>
-              <a:t>Try to BEAT these cubes</a:t>
+              <a:t>Try to BREAK these cubes</a:t>
             </a:r>
           </a:p>
         </p:txBody>
@@ -7192,7 +7192,7 @@
             <a:pPr algn="ctr"/>
             <a:r>
               <a:rPr lang="en-US" altLang="zh-CN" dirty="0"/>
-              <a:t>Curled Free Kick:          1 or     + [</a:t>
+              <a:t>Curled Ball:          1 or     + [</a:t>
             </a:r>
             <a:r>
               <a:rPr lang="en-US" altLang="zh-CN" dirty="0">
@@ -7604,7 +7604,23 @@
                   </a:outerShdw>
                 </a:effectLst>
               </a:rPr>
-              <a:t>FIRE</a:t>
+              <a:t>THROW</a:t>
+            </a:r>
+            <a:r>
+              <a:rPr lang="en-US" dirty="0">
+                <a:ln w="0"/>
+                <a:solidFill>
+                  <a:schemeClr val="bg1"/>
+                </a:solidFill>
+                <a:effectLst>
+                  <a:outerShdw blurRad="38100" dist="25400" dir="5400000" algn="ctr" rotWithShape="0">
+                    <a:srgbClr val="6E747A">
+                      <a:alpha val="43000"/>
+                    </a:srgbClr>
+                  </a:outerShdw>
+                </a:effectLst>
+              </a:rPr>
+              <a:t> the ball</a:t>
             </a:r>
             <a:r>
               <a:rPr lang="en-US" dirty="0"/>
@@ -7660,7 +7676,7 @@
             <a:pPr algn="ctr"/>
             <a:r>
               <a:rPr lang="en-US" dirty="0"/>
-              <a:t>Use               to rotate your cannon</a:t>
+              <a:t>Use               to change your direction</a:t>
             </a:r>
           </a:p>
         </p:txBody>
@@ -8053,7 +8069,7 @@
             <a:pPr algn="ctr"/>
             <a:r>
               <a:rPr lang="en-US" dirty="0"/>
-              <a:t>Be careful of surroundings.</a:t>
+              <a:t>Be careful of your surroundings.</a:t>
             </a:r>
           </a:p>
           <a:p>
@@ -8540,7 +8556,7 @@
             <a:pPr algn="ctr"/>
             <a:r>
               <a:rPr lang="en-US" dirty="0"/>
-              <a:t>Prepare for a multi-player game with VR player. Game will begin when both sides are ready </a:t>
+              <a:t>Prepare for a multiplayer game with VR player. Game will begin when both sides are ready </a:t>
             </a:r>
           </a:p>
         </p:txBody>
